--- a/Python/Deep Learning con Keras.pptx
+++ b/Python/Deep Learning con Keras.pptx
@@ -5,7 +5,7 @@
     <p:sldMasterId id="2147493455" r:id="rId4"/>
   </p:sldMasterIdLst>
   <p:notesMasterIdLst>
-    <p:notesMasterId r:id="rId29"/>
+    <p:notesMasterId r:id="rId31"/>
   </p:notesMasterIdLst>
   <p:sldIdLst>
     <p:sldId id="463" r:id="rId5"/>
@@ -14,24 +14,26 @@
     <p:sldId id="468" r:id="rId8"/>
     <p:sldId id="469" r:id="rId9"/>
     <p:sldId id="467" r:id="rId10"/>
-    <p:sldId id="470" r:id="rId11"/>
-    <p:sldId id="471" r:id="rId12"/>
-    <p:sldId id="496" r:id="rId13"/>
-    <p:sldId id="497" r:id="rId14"/>
-    <p:sldId id="498" r:id="rId15"/>
-    <p:sldId id="499" r:id="rId16"/>
-    <p:sldId id="500" r:id="rId17"/>
-    <p:sldId id="501" r:id="rId18"/>
-    <p:sldId id="502" r:id="rId19"/>
-    <p:sldId id="503" r:id="rId20"/>
-    <p:sldId id="504" r:id="rId21"/>
-    <p:sldId id="505" r:id="rId22"/>
-    <p:sldId id="507" r:id="rId23"/>
-    <p:sldId id="506" r:id="rId24"/>
-    <p:sldId id="508" r:id="rId25"/>
-    <p:sldId id="473" r:id="rId26"/>
-    <p:sldId id="474" r:id="rId27"/>
-    <p:sldId id="491" r:id="rId28"/>
+    <p:sldId id="510" r:id="rId11"/>
+    <p:sldId id="509" r:id="rId12"/>
+    <p:sldId id="470" r:id="rId13"/>
+    <p:sldId id="471" r:id="rId14"/>
+    <p:sldId id="496" r:id="rId15"/>
+    <p:sldId id="497" r:id="rId16"/>
+    <p:sldId id="498" r:id="rId17"/>
+    <p:sldId id="499" r:id="rId18"/>
+    <p:sldId id="500" r:id="rId19"/>
+    <p:sldId id="501" r:id="rId20"/>
+    <p:sldId id="502" r:id="rId21"/>
+    <p:sldId id="503" r:id="rId22"/>
+    <p:sldId id="504" r:id="rId23"/>
+    <p:sldId id="505" r:id="rId24"/>
+    <p:sldId id="507" r:id="rId25"/>
+    <p:sldId id="506" r:id="rId26"/>
+    <p:sldId id="508" r:id="rId27"/>
+    <p:sldId id="473" r:id="rId28"/>
+    <p:sldId id="474" r:id="rId29"/>
+    <p:sldId id="491" r:id="rId30"/>
   </p:sldIdLst>
   <p:sldSz cx="9144000" cy="5143500" type="screen16x9"/>
   <p:notesSz cx="6858000" cy="9144000"/>
@@ -171,6 +173,8 @@
             <p14:sldId id="468"/>
             <p14:sldId id="469"/>
             <p14:sldId id="467"/>
+            <p14:sldId id="510"/>
+            <p14:sldId id="509"/>
             <p14:sldId id="470"/>
             <p14:sldId id="471"/>
             <p14:sldId id="496"/>
@@ -293,7 +297,7 @@
           <a:p>
             <a:fld id="{49DC8FA1-DEE5-554C-93B2-6A80EF67B0CD}" type="datetimeFigureOut">
               <a:rPr lang="en-US" smtClean="0"/>
-              <a:t>5/26/21</a:t>
+              <a:t>6/23/21</a:t>
             </a:fld>
             <a:endParaRPr lang="en-US"/>
           </a:p>
@@ -625,7 +629,7 @@
           <a:p>
             <a:fld id="{D4C4801F-3399-D843-9BB3-B373F3B032C7}" type="slidenum">
               <a:rPr lang="en-US" smtClean="0"/>
-              <a:t>22</a:t>
+              <a:t>24</a:t>
             </a:fld>
             <a:endParaRPr lang="en-US"/>
           </a:p>
@@ -709,7 +713,7 @@
           <a:p>
             <a:fld id="{D4C4801F-3399-D843-9BB3-B373F3B032C7}" type="slidenum">
               <a:rPr lang="en-US" smtClean="0"/>
-              <a:t>24</a:t>
+              <a:t>26</a:t>
             </a:fld>
             <a:endParaRPr lang="en-US"/>
           </a:p>
@@ -4552,7 +4556,71 @@
                 <a:latin typeface="Arial Hebrew Scholar" pitchFamily="2" charset="-79"/>
                 <a:cs typeface="Arial Hebrew Scholar" pitchFamily="2" charset="-79"/>
               </a:rPr>
-              <a:t> con Keras</a:t>
+              <a:t> con </a:t>
+            </a:r>
+            <a:r>
+              <a:rPr lang="es-ES" altLang="es-CR" sz="4050" b="1" dirty="0" err="1">
+                <a:solidFill>
+                  <a:schemeClr val="tx2"/>
+                </a:solidFill>
+                <a:latin typeface="Arial Hebrew Scholar" pitchFamily="2" charset="-79"/>
+                <a:cs typeface="Arial Hebrew Scholar" pitchFamily="2" charset="-79"/>
+              </a:rPr>
+              <a:t>Keras</a:t>
+            </a:r>
+            <a:endParaRPr lang="es-ES" altLang="es-CR" sz="4050" b="1" dirty="0">
+              <a:solidFill>
+                <a:schemeClr val="tx2"/>
+              </a:solidFill>
+              <a:latin typeface="Arial Hebrew Scholar" pitchFamily="2" charset="-79"/>
+              <a:cs typeface="Arial Hebrew Scholar" pitchFamily="2" charset="-79"/>
+            </a:endParaRPr>
+          </a:p>
+          <a:p>
+            <a:pPr algn="ctr" eaLnBrk="1" hangingPunct="1">
+              <a:lnSpc>
+                <a:spcPct val="70000"/>
+              </a:lnSpc>
+            </a:pPr>
+            <a:r>
+              <a:rPr lang="es-ES" altLang="es-CR" sz="4050" b="1" dirty="0" err="1">
+                <a:solidFill>
+                  <a:schemeClr val="tx2"/>
+                </a:solidFill>
+                <a:latin typeface="Arial Hebrew Scholar" pitchFamily="2" charset="-79"/>
+                <a:cs typeface="Arial Hebrew Scholar" pitchFamily="2" charset="-79"/>
+              </a:rPr>
+              <a:t>Multilayer</a:t>
+            </a:r>
+            <a:r>
+              <a:rPr lang="es-ES" altLang="es-CR" sz="4050" b="1" dirty="0">
+                <a:solidFill>
+                  <a:schemeClr val="tx2"/>
+                </a:solidFill>
+                <a:latin typeface="Arial Hebrew Scholar" pitchFamily="2" charset="-79"/>
+                <a:cs typeface="Arial Hebrew Scholar" pitchFamily="2" charset="-79"/>
+              </a:rPr>
+              <a:t> </a:t>
+            </a:r>
+            <a:r>
+              <a:rPr lang="es-ES" altLang="es-CR" sz="4050" b="1" dirty="0" err="1">
+                <a:solidFill>
+                  <a:schemeClr val="tx2"/>
+                </a:solidFill>
+                <a:latin typeface="Arial Hebrew Scholar" pitchFamily="2" charset="-79"/>
+                <a:cs typeface="Arial Hebrew Scholar" pitchFamily="2" charset="-79"/>
+              </a:rPr>
+              <a:t>Perceptron</a:t>
+            </a:r>
+            <a:r>
+              <a:rPr lang="es-ES" altLang="es-CR" sz="4050" b="1" dirty="0">
+                <a:solidFill>
+                  <a:schemeClr val="tx2"/>
+                </a:solidFill>
+                <a:latin typeface="Arial Hebrew Scholar" pitchFamily="2" charset="-79"/>
+                <a:cs typeface="Arial Hebrew Scholar" pitchFamily="2" charset="-79"/>
+              </a:rPr>
+              <a:t> (MLP) </a:t>
             </a:r>
           </a:p>
         </p:txBody>
@@ -4677,92 +4745,88 @@
         </p:nvSpPr>
         <p:spPr>
           <a:xfrm>
-            <a:off x="200722" y="857251"/>
-            <a:ext cx="4148254" cy="3748204"/>
+            <a:off x="457200" y="683087"/>
+            <a:ext cx="8229600" cy="4292895"/>
           </a:xfrm>
         </p:spPr>
         <p:txBody>
           <a:bodyPr/>
           <a:lstStyle/>
           <a:p>
-            <a:pPr marL="0" indent="0" algn="just">
+            <a:pPr marL="0" indent="0">
               <a:buNone/>
             </a:pPr>
+            <a:endParaRPr lang="es-CR" sz="1600" dirty="0">
+              <a:solidFill>
+                <a:srgbClr val="595959"/>
+              </a:solidFill>
+              <a:latin typeface="Myriad Pro" panose="020B0503030403020204" pitchFamily="34" charset="0"/>
+              <a:ea typeface="ＭＳ Ｐゴシック" panose="020B0600070205080204" pitchFamily="34" charset="-128"/>
+            </a:endParaRPr>
+          </a:p>
+          <a:p>
+            <a:r>
+              <a:rPr lang="es-CR" sz="1800" dirty="0">
+                <a:solidFill>
+                  <a:srgbClr val="595959"/>
+                </a:solidFill>
+                <a:latin typeface="Myriad Pro" panose="020B0503030403020204" pitchFamily="34" charset="0"/>
+                <a:ea typeface="ＭＳ Ｐゴシック" panose="020B0600070205080204" pitchFamily="34" charset="-128"/>
+              </a:rPr>
+              <a:t>Después de la preparación de los datos sigue construir el modelo, el modelo que propusimos está compuesto de 3 capas MLP. En Keras una capa MLP se denomina </a:t>
+            </a:r>
+            <a:r>
+              <a:rPr lang="es-CR" sz="1800" b="1" dirty="0">
+                <a:solidFill>
+                  <a:srgbClr val="595959"/>
+                </a:solidFill>
+                <a:latin typeface="Courier" pitchFamily="2" charset="0"/>
+                <a:ea typeface="ＭＳ Ｐゴシック" panose="020B0600070205080204" pitchFamily="34" charset="-128"/>
+              </a:rPr>
+              <a:t>dense</a:t>
+            </a:r>
+            <a:r>
+              <a:rPr lang="es-CR" sz="1800" dirty="0">
+                <a:solidFill>
+                  <a:srgbClr val="595959"/>
+                </a:solidFill>
+                <a:latin typeface="Myriad Pro" panose="020B0503030403020204" pitchFamily="34" charset="0"/>
+                <a:ea typeface="ＭＳ Ｐゴシック" panose="020B0600070205080204" pitchFamily="34" charset="-128"/>
+              </a:rPr>
+              <a:t>. Tanto la primera como la segunda capa MLP son de la misma naturaleza, con 256 unidades cada una, seguidas de la activación y desactivación de la </a:t>
+            </a:r>
+            <a:r>
+              <a:rPr lang="es-CR" sz="1800" b="1" dirty="0">
+                <a:solidFill>
+                  <a:srgbClr val="595959"/>
+                </a:solidFill>
+                <a:latin typeface="Myriad Pro" panose="020B0503030403020204" pitchFamily="34" charset="0"/>
+                <a:ea typeface="ＭＳ Ｐゴシック" panose="020B0600070205080204" pitchFamily="34" charset="-128"/>
+              </a:rPr>
+              <a:t>Unidad Lineal Rectificada</a:t>
+            </a:r>
+            <a:r>
+              <a:rPr lang="es-CR" sz="1800" dirty="0">
+                <a:solidFill>
+                  <a:srgbClr val="595959"/>
+                </a:solidFill>
+                <a:latin typeface="Myriad Pro" panose="020B0503030403020204" pitchFamily="34" charset="0"/>
+                <a:ea typeface="ＭＳ Ｐゴシック" panose="020B0600070205080204" pitchFamily="34" charset="-128"/>
+              </a:rPr>
+              <a:t> (ReLU). </a:t>
+            </a:r>
+          </a:p>
+          <a:p>
             <a:endParaRPr lang="es-CR" sz="1800" dirty="0">
               <a:solidFill>
                 <a:srgbClr val="595959"/>
               </a:solidFill>
-              <a:latin typeface="Courier" pitchFamily="2" charset="0"/>
+              <a:latin typeface="Myriad Pro" panose="020B0503030403020204" pitchFamily="34" charset="0"/>
               <a:ea typeface="ＭＳ Ｐゴシック" panose="020B0600070205080204" pitchFamily="34" charset="-128"/>
             </a:endParaRPr>
           </a:p>
           <a:p>
-            <a:pPr marL="0" indent="0" algn="just">
-              <a:buNone/>
-            </a:pPr>
-            <a:r>
-              <a:rPr lang="es-CR" sz="1800" dirty="0" err="1">
-                <a:solidFill>
-                  <a:srgbClr val="595959"/>
-                </a:solidFill>
-                <a:latin typeface="Courier" pitchFamily="2" charset="0"/>
-                <a:ea typeface="ＭＳ Ｐゴシック" panose="020B0600070205080204" pitchFamily="34" charset="-128"/>
-              </a:rPr>
-              <a:t>relu</a:t>
-            </a:r>
-            <a:r>
-              <a:rPr lang="es-CR" sz="1800" dirty="0">
-                <a:solidFill>
-                  <a:srgbClr val="595959"/>
-                </a:solidFill>
-                <a:latin typeface="Myriad Pro" panose="020B0503030403020204" pitchFamily="34" charset="0"/>
-                <a:ea typeface="ＭＳ Ｐゴシック" panose="020B0600070205080204" pitchFamily="34" charset="-128"/>
-              </a:rPr>
-              <a:t> o ReLU es una función no-lineal simple. Es muy parecido a un </a:t>
-            </a:r>
-            <a:r>
-              <a:rPr lang="es-CR" sz="1800" b="1" dirty="0">
-                <a:solidFill>
-                  <a:srgbClr val="595959"/>
-                </a:solidFill>
-                <a:latin typeface="Myriad Pro" panose="020B0503030403020204" pitchFamily="34" charset="0"/>
-                <a:ea typeface="ＭＳ Ｐゴシック" panose="020B0600070205080204" pitchFamily="34" charset="-128"/>
-              </a:rPr>
-              <a:t>filtro</a:t>
-            </a:r>
-            <a:r>
-              <a:rPr lang="es-CR" sz="1800" dirty="0">
-                <a:solidFill>
-                  <a:srgbClr val="595959"/>
-                </a:solidFill>
-                <a:latin typeface="Myriad Pro" panose="020B0503030403020204" pitchFamily="34" charset="0"/>
-                <a:ea typeface="ＭＳ Ｐゴシック" panose="020B0600070205080204" pitchFamily="34" charset="-128"/>
-              </a:rPr>
-              <a:t> que permite que las entradas positivas pasen sin cambios mientras sujeta todo lo demás a cero. Matemáticamente, </a:t>
-            </a:r>
-            <a:r>
-              <a:rPr lang="es-CR" sz="1800" dirty="0" err="1">
-                <a:solidFill>
-                  <a:srgbClr val="595959"/>
-                </a:solidFill>
-                <a:latin typeface="Courier" pitchFamily="2" charset="0"/>
-                <a:ea typeface="ＭＳ Ｐゴシック" panose="020B0600070205080204" pitchFamily="34" charset="-128"/>
-              </a:rPr>
-              <a:t>relu</a:t>
-            </a:r>
-            <a:r>
-              <a:rPr lang="es-CR" sz="1800" dirty="0">
-                <a:solidFill>
-                  <a:srgbClr val="595959"/>
-                </a:solidFill>
-                <a:latin typeface="Myriad Pro" panose="020B0503030403020204" pitchFamily="34" charset="0"/>
-                <a:ea typeface="ＭＳ Ｐゴシック" panose="020B0600070205080204" pitchFamily="34" charset="-128"/>
-              </a:rPr>
-              <a:t> se expresa en la siguiente ecuación y se representa en la siguiente figura: </a:t>
-            </a:r>
-          </a:p>
-          <a:p>
-            <a:pPr marL="0" indent="0" algn="just">
+            <a:pPr marL="0" indent="0">
               <a:buNone/>
             </a:pPr>
             <a:endParaRPr lang="es-CR" sz="1800" dirty="0">
@@ -4774,28 +4838,84 @@
             </a:endParaRPr>
           </a:p>
           <a:p>
-            <a:pPr marL="0" indent="0" algn="ctr">
+            <a:r>
+              <a:rPr lang="es-CR" sz="1800" dirty="0">
+                <a:solidFill>
+                  <a:srgbClr val="595959"/>
+                </a:solidFill>
+                <a:latin typeface="Myriad Pro" panose="020B0503030403020204" pitchFamily="34" charset="0"/>
+                <a:ea typeface="ＭＳ Ｐゴシック" panose="020B0600070205080204" pitchFamily="34" charset="-128"/>
+              </a:rPr>
+              <a:t>Se eligen 256 unidades ya que 128, 512 y 1024 unidades tienen métricas de rendimiento más bajas. Esto pues, a 128 unidades, la red converge rápidamente pero tiene una precisión de prueba menor. El número adicional de unidades para 512 o 1024 no aumenta significativamente la precisión de la prueba.</a:t>
+            </a:r>
+          </a:p>
+          <a:p>
+            <a:pPr marL="0" indent="0">
               <a:buNone/>
             </a:pPr>
-            <a:r>
-              <a:rPr lang="es-CR" sz="1800" b="1" dirty="0">
-                <a:solidFill>
-                  <a:srgbClr val="595959"/>
-                </a:solidFill>
-                <a:latin typeface="Palatino Linotype" panose="02040502050505030304" pitchFamily="18" charset="0"/>
-                <a:ea typeface="ＭＳ Ｐゴシック" panose="020B0600070205080204" pitchFamily="34" charset="-128"/>
-              </a:rPr>
-              <a:t>ReLU = max(0,x)</a:t>
-            </a:r>
-            <a:endParaRPr lang="es-CR" sz="1800" b="1" dirty="0">
+            <a:endParaRPr lang="es-CR" sz="1600" dirty="0">
               <a:solidFill>
-                <a:schemeClr val="tx1">
-                  <a:lumMod val="65000"/>
-                  <a:lumOff val="35000"/>
-                </a:schemeClr>
+                <a:srgbClr val="595959"/>
               </a:solidFill>
-              <a:latin typeface="Palatino Linotype" panose="02040502050505030304" pitchFamily="18" charset="0"/>
+              <a:latin typeface="Myriad Pro" panose="020B0503030403020204" pitchFamily="34" charset="0"/>
+              <a:ea typeface="ＭＳ Ｐゴシック" panose="020B0600070205080204" pitchFamily="34" charset="-128"/>
             </a:endParaRPr>
+          </a:p>
+          <a:p>
+            <a:pPr marL="0" indent="0">
+              <a:buNone/>
+            </a:pPr>
+            <a:endParaRPr lang="es-CR" sz="1600" dirty="0">
+              <a:solidFill>
+                <a:srgbClr val="595959"/>
+              </a:solidFill>
+              <a:latin typeface="Myriad Pro" panose="020B0503030403020204" pitchFamily="34" charset="0"/>
+              <a:ea typeface="ＭＳ Ｐゴシック" panose="020B0600070205080204" pitchFamily="34" charset="-128"/>
+            </a:endParaRPr>
+          </a:p>
+          <a:p>
+            <a:pPr marL="0" indent="0">
+              <a:buNone/>
+            </a:pPr>
+            <a:endParaRPr lang="es-CR" sz="1600" dirty="0">
+              <a:solidFill>
+                <a:srgbClr val="595959"/>
+              </a:solidFill>
+              <a:latin typeface="Myriad Pro" panose="020B0503030403020204" pitchFamily="34" charset="0"/>
+              <a:ea typeface="ＭＳ Ｐゴシック" panose="020B0600070205080204" pitchFamily="34" charset="-128"/>
+            </a:endParaRPr>
+          </a:p>
+          <a:p>
+            <a:pPr>
+              <a:buFont typeface="+mj-lt"/>
+              <a:buAutoNum type="arabicPeriod"/>
+            </a:pPr>
+            <a:endParaRPr lang="es-CR" sz="1600" dirty="0">
+              <a:solidFill>
+                <a:srgbClr val="595959"/>
+              </a:solidFill>
+              <a:latin typeface="Myriad Pro" panose="020B0503030403020204" pitchFamily="34" charset="0"/>
+              <a:ea typeface="ＭＳ Ｐゴシック" panose="020B0600070205080204" pitchFamily="34" charset="-128"/>
+            </a:endParaRPr>
+          </a:p>
+          <a:p>
+            <a:pPr>
+              <a:buFont typeface="+mj-lt"/>
+              <a:buAutoNum type="arabicPeriod"/>
+            </a:pPr>
+            <a:endParaRPr lang="es-CR" sz="1600" dirty="0">
+              <a:solidFill>
+                <a:srgbClr val="595959"/>
+              </a:solidFill>
+              <a:latin typeface="Myriad Pro" panose="020B0503030403020204" pitchFamily="34" charset="0"/>
+              <a:ea typeface="ＭＳ Ｐゴシック" panose="020B0600070205080204" pitchFamily="34" charset="-128"/>
+            </a:endParaRPr>
+          </a:p>
+          <a:p>
+            <a:pPr marL="0" indent="0">
+              <a:buNone/>
+            </a:pPr>
+            <a:endParaRPr lang="es-CR" sz="1600" dirty="0"/>
           </a:p>
         </p:txBody>
       </p:sp>
@@ -4824,6 +4944,549 @@
               <a:rPr lang="en-US" altLang="es-CR" smtClean="0"/>
               <a:pPr/>
               <a:t>10</a:t>
+            </a:fld>
+            <a:endParaRPr lang="en-US" altLang="es-CR"/>
+          </a:p>
+        </p:txBody>
+      </p:sp>
+    </p:spTree>
+    <p:extLst>
+      <p:ext uri="{BB962C8B-B14F-4D97-AF65-F5344CB8AC3E}">
+        <p14:creationId xmlns:p14="http://schemas.microsoft.com/office/powerpoint/2010/main" val="2856607974"/>
+      </p:ext>
+    </p:extLst>
+  </p:cSld>
+  <p:clrMapOvr>
+    <a:masterClrMapping/>
+  </p:clrMapOvr>
+</p:sld>
+</file>
+
+<file path=ppt/slides/slide11.xml><?xml version="1.0" encoding="utf-8"?>
+<p:sld xmlns:a="http://schemas.openxmlformats.org/drawingml/2006/main" xmlns:r="http://schemas.openxmlformats.org/officeDocument/2006/relationships" xmlns:p="http://schemas.openxmlformats.org/presentationml/2006/main">
+  <p:cSld>
+    <p:spTree>
+      <p:nvGrpSpPr>
+        <p:cNvPr id="1" name=""/>
+        <p:cNvGrpSpPr/>
+        <p:nvPr/>
+      </p:nvGrpSpPr>
+      <p:grpSpPr>
+        <a:xfrm>
+          <a:off x="0" y="0"/>
+          <a:ext cx="0" cy="0"/>
+          <a:chOff x="0" y="0"/>
+          <a:chExt cx="0" cy="0"/>
+        </a:xfrm>
+      </p:grpSpPr>
+      <p:sp>
+        <p:nvSpPr>
+          <p:cNvPr id="2" name="Título 1">
+            <a:extLst>
+              <a:ext uri="{FF2B5EF4-FFF2-40B4-BE49-F238E27FC236}">
+                <a16:creationId xmlns:a16="http://schemas.microsoft.com/office/drawing/2014/main" id="{71E7B82D-0842-2043-82AD-93D263AFEAD8}"/>
+              </a:ext>
+            </a:extLst>
+          </p:cNvPr>
+          <p:cNvSpPr>
+            <a:spLocks noGrp="1"/>
+          </p:cNvSpPr>
+          <p:nvPr>
+            <p:ph type="title"/>
+          </p:nvPr>
+        </p:nvSpPr>
+        <p:spPr>
+          <a:xfrm>
+            <a:off x="457200" y="0"/>
+            <a:ext cx="8229600" cy="857250"/>
+          </a:xfrm>
+        </p:spPr>
+        <p:txBody>
+          <a:bodyPr/>
+          <a:lstStyle/>
+          <a:p>
+            <a:r>
+              <a:rPr lang="es-ES" altLang="es-CR" sz="3200" b="1" dirty="0">
+                <a:solidFill>
+                  <a:srgbClr val="7F7F7F"/>
+                </a:solidFill>
+                <a:latin typeface="Century Gothic" panose="020B0502020202020204" pitchFamily="34" charset="0"/>
+                <a:ea typeface="ＭＳ Ｐゴシック" panose="020B0600070205080204" pitchFamily="34" charset="-128"/>
+              </a:rPr>
+              <a:t>Construir un modelo usando MLP y Keras </a:t>
+            </a:r>
+            <a:endParaRPr lang="es-CR" sz="3200" b="1" dirty="0">
+              <a:latin typeface="Century Gothic" panose="020B0502020202020204" pitchFamily="34" charset="0"/>
+            </a:endParaRPr>
+          </a:p>
+        </p:txBody>
+      </p:sp>
+      <p:sp>
+        <p:nvSpPr>
+          <p:cNvPr id="3" name="Marcador de contenido 2">
+            <a:extLst>
+              <a:ext uri="{FF2B5EF4-FFF2-40B4-BE49-F238E27FC236}">
+                <a16:creationId xmlns:a16="http://schemas.microsoft.com/office/drawing/2014/main" id="{66C88812-F42A-C24B-A06E-30FB949DBF0D}"/>
+              </a:ext>
+            </a:extLst>
+          </p:cNvPr>
+          <p:cNvSpPr>
+            <a:spLocks noGrp="1"/>
+          </p:cNvSpPr>
+          <p:nvPr>
+            <p:ph idx="1"/>
+          </p:nvPr>
+        </p:nvSpPr>
+        <p:spPr>
+          <a:xfrm>
+            <a:off x="457200" y="857250"/>
+            <a:ext cx="8229600" cy="3835125"/>
+          </a:xfrm>
+        </p:spPr>
+        <p:txBody>
+          <a:bodyPr/>
+          <a:lstStyle/>
+          <a:p>
+            <a:r>
+              <a:rPr lang="es-CR" sz="1800" dirty="0">
+                <a:solidFill>
+                  <a:srgbClr val="595959"/>
+                </a:solidFill>
+                <a:latin typeface="Myriad Pro" panose="020B0503030403020204" pitchFamily="34" charset="0"/>
+                <a:ea typeface="ＭＳ Ｐゴシック" panose="020B0600070205080204" pitchFamily="34" charset="-128"/>
+              </a:rPr>
+              <a:t>El número de unidades es un </a:t>
+            </a:r>
+            <a:r>
+              <a:rPr lang="es-CR" sz="1800" b="1" dirty="0">
+                <a:solidFill>
+                  <a:srgbClr val="595959"/>
+                </a:solidFill>
+                <a:latin typeface="Myriad Pro" panose="020B0503030403020204" pitchFamily="34" charset="0"/>
+                <a:ea typeface="ＭＳ Ｐゴシック" panose="020B0600070205080204" pitchFamily="34" charset="-128"/>
+              </a:rPr>
+              <a:t>hiperparámetro</a:t>
+            </a:r>
+            <a:r>
+              <a:rPr lang="es-CR" sz="1800" dirty="0">
+                <a:solidFill>
+                  <a:srgbClr val="595959"/>
+                </a:solidFill>
+                <a:latin typeface="Myriad Pro" panose="020B0503030403020204" pitchFamily="34" charset="0"/>
+                <a:ea typeface="ＭＳ Ｐゴシック" panose="020B0600070205080204" pitchFamily="34" charset="-128"/>
+              </a:rPr>
+              <a:t>. Controla la capacidad de la red. La capacidad es una medida de la complejidad de la función que la red puede aproximar. Por ejemplo, para polinomios, el grado es el hiperparámetro. A medida que aumenta el grado, también aumenta la capacidad de la función.</a:t>
+            </a:r>
+          </a:p>
+          <a:p>
+            <a:pPr marL="0" indent="0">
+              <a:buNone/>
+            </a:pPr>
+            <a:endParaRPr lang="es-CR" sz="1800" dirty="0">
+              <a:solidFill>
+                <a:srgbClr val="595959"/>
+              </a:solidFill>
+              <a:latin typeface="Myriad Pro" panose="020B0503030403020204" pitchFamily="34" charset="0"/>
+              <a:ea typeface="ＭＳ Ｐゴシック" panose="020B0600070205080204" pitchFamily="34" charset="-128"/>
+            </a:endParaRPr>
+          </a:p>
+          <a:p>
+            <a:pPr marL="0" indent="0">
+              <a:buNone/>
+            </a:pPr>
+            <a:endParaRPr lang="es-CR" sz="1800" dirty="0">
+              <a:solidFill>
+                <a:srgbClr val="595959"/>
+              </a:solidFill>
+              <a:latin typeface="Myriad Pro" panose="020B0503030403020204" pitchFamily="34" charset="0"/>
+              <a:ea typeface="ＭＳ Ｐゴシック" panose="020B0600070205080204" pitchFamily="34" charset="-128"/>
+            </a:endParaRPr>
+          </a:p>
+          <a:p>
+            <a:r>
+              <a:rPr lang="es-CR" sz="1800" dirty="0">
+                <a:solidFill>
+                  <a:srgbClr val="595959"/>
+                </a:solidFill>
+                <a:latin typeface="Myriad Pro" panose="020B0503030403020204" pitchFamily="34" charset="0"/>
+                <a:ea typeface="ＭＳ Ｐゴシック" panose="020B0600070205080204" pitchFamily="34" charset="-128"/>
+              </a:rPr>
+              <a:t>Dado que una capa densa es una operación </a:t>
+            </a:r>
+            <a:r>
+              <a:rPr lang="es-CR" sz="1800" b="1" dirty="0">
+                <a:solidFill>
+                  <a:srgbClr val="595959"/>
+                </a:solidFill>
+                <a:latin typeface="Myriad Pro" panose="020B0503030403020204" pitchFamily="34" charset="0"/>
+                <a:ea typeface="ＭＳ Ｐゴシック" panose="020B0600070205080204" pitchFamily="34" charset="-128"/>
+              </a:rPr>
+              <a:t>lineal</a:t>
+            </a:r>
+            <a:r>
+              <a:rPr lang="es-CR" sz="1800" dirty="0">
+                <a:solidFill>
+                  <a:srgbClr val="595959"/>
+                </a:solidFill>
+                <a:latin typeface="Myriad Pro" panose="020B0503030403020204" pitchFamily="34" charset="0"/>
+                <a:ea typeface="ＭＳ Ｐゴシック" panose="020B0600070205080204" pitchFamily="34" charset="-128"/>
+              </a:rPr>
+              <a:t>, una secuencia de capas densas solo puede aproximarse a una función lineal. El problema es que la clasificación de dígitos MNIST es inherentemente un proceso no lineal. Para esto, la inserción de una activación </a:t>
+            </a:r>
+            <a:r>
+              <a:rPr lang="es-CR" sz="1800" b="1" dirty="0" err="1">
+                <a:solidFill>
+                  <a:srgbClr val="595959"/>
+                </a:solidFill>
+                <a:latin typeface="Courier" pitchFamily="2" charset="0"/>
+                <a:ea typeface="ＭＳ Ｐゴシック" panose="020B0600070205080204" pitchFamily="34" charset="-128"/>
+              </a:rPr>
+              <a:t>relu</a:t>
+            </a:r>
+            <a:r>
+              <a:rPr lang="es-CR" sz="1800" dirty="0">
+                <a:solidFill>
+                  <a:srgbClr val="595959"/>
+                </a:solidFill>
+                <a:latin typeface="Myriad Pro" panose="020B0503030403020204" pitchFamily="34" charset="0"/>
+                <a:ea typeface="ＭＳ Ｐゴシック" panose="020B0600070205080204" pitchFamily="34" charset="-128"/>
+              </a:rPr>
+              <a:t> entre las capas </a:t>
+            </a:r>
+            <a:r>
+              <a:rPr lang="es-CR" sz="1800" b="1" dirty="0">
+                <a:solidFill>
+                  <a:srgbClr val="595959"/>
+                </a:solidFill>
+                <a:latin typeface="Courier" pitchFamily="2" charset="0"/>
+                <a:ea typeface="ＭＳ Ｐゴシック" panose="020B0600070205080204" pitchFamily="34" charset="-128"/>
+              </a:rPr>
+              <a:t>Dense</a:t>
+            </a:r>
+            <a:r>
+              <a:rPr lang="es-CR" sz="1800" dirty="0">
+                <a:solidFill>
+                  <a:srgbClr val="595959"/>
+                </a:solidFill>
+                <a:latin typeface="Myriad Pro" panose="020B0503030403020204" pitchFamily="34" charset="0"/>
+                <a:ea typeface="ＭＳ Ｐゴシック" panose="020B0600070205080204" pitchFamily="34" charset="-128"/>
+              </a:rPr>
+              <a:t> permitirá que una red MLP modele asignaciones no lineales. </a:t>
+            </a:r>
+          </a:p>
+          <a:p>
+            <a:pPr marL="0" indent="0">
+              <a:buNone/>
+            </a:pPr>
+            <a:endParaRPr lang="es-CR" sz="1600" dirty="0">
+              <a:solidFill>
+                <a:srgbClr val="595959"/>
+              </a:solidFill>
+              <a:latin typeface="Myriad Pro" panose="020B0503030403020204" pitchFamily="34" charset="0"/>
+              <a:ea typeface="ＭＳ Ｐゴシック" panose="020B0600070205080204" pitchFamily="34" charset="-128"/>
+            </a:endParaRPr>
+          </a:p>
+          <a:p>
+            <a:pPr>
+              <a:buFont typeface="+mj-lt"/>
+              <a:buAutoNum type="arabicPeriod"/>
+            </a:pPr>
+            <a:endParaRPr lang="es-CR" sz="1600" dirty="0">
+              <a:solidFill>
+                <a:srgbClr val="595959"/>
+              </a:solidFill>
+              <a:latin typeface="Myriad Pro" panose="020B0503030403020204" pitchFamily="34" charset="0"/>
+              <a:ea typeface="ＭＳ Ｐゴシック" panose="020B0600070205080204" pitchFamily="34" charset="-128"/>
+            </a:endParaRPr>
+          </a:p>
+          <a:p>
+            <a:pPr>
+              <a:buFont typeface="+mj-lt"/>
+              <a:buAutoNum type="arabicPeriod"/>
+            </a:pPr>
+            <a:endParaRPr lang="es-CR" sz="1600" dirty="0">
+              <a:solidFill>
+                <a:srgbClr val="595959"/>
+              </a:solidFill>
+              <a:latin typeface="Myriad Pro" panose="020B0503030403020204" pitchFamily="34" charset="0"/>
+              <a:ea typeface="ＭＳ Ｐゴシック" panose="020B0600070205080204" pitchFamily="34" charset="-128"/>
+            </a:endParaRPr>
+          </a:p>
+          <a:p>
+            <a:pPr marL="0" indent="0">
+              <a:buNone/>
+            </a:pPr>
+            <a:endParaRPr lang="es-CR" sz="1600" dirty="0"/>
+          </a:p>
+        </p:txBody>
+      </p:sp>
+      <p:sp>
+        <p:nvSpPr>
+          <p:cNvPr id="4" name="Marcador de número de diapositiva 3">
+            <a:extLst>
+              <a:ext uri="{FF2B5EF4-FFF2-40B4-BE49-F238E27FC236}">
+                <a16:creationId xmlns:a16="http://schemas.microsoft.com/office/drawing/2014/main" id="{4BDFF57A-6F25-D543-9D35-AA774F537E2E}"/>
+              </a:ext>
+            </a:extLst>
+          </p:cNvPr>
+          <p:cNvSpPr>
+            <a:spLocks noGrp="1"/>
+          </p:cNvSpPr>
+          <p:nvPr>
+            <p:ph type="sldNum" sz="quarter" idx="12"/>
+          </p:nvPr>
+        </p:nvSpPr>
+        <p:spPr/>
+        <p:txBody>
+          <a:bodyPr/>
+          <a:lstStyle/>
+          <a:p>
+            <a:fld id="{4624E98C-54E1-8F4C-9379-6BF7059E518B}" type="slidenum">
+              <a:rPr lang="en-US" altLang="es-CR" smtClean="0"/>
+              <a:pPr/>
+              <a:t>11</a:t>
+            </a:fld>
+            <a:endParaRPr lang="en-US" altLang="es-CR"/>
+          </a:p>
+        </p:txBody>
+      </p:sp>
+    </p:spTree>
+    <p:extLst>
+      <p:ext uri="{BB962C8B-B14F-4D97-AF65-F5344CB8AC3E}">
+        <p14:creationId xmlns:p14="http://schemas.microsoft.com/office/powerpoint/2010/main" val="3534800563"/>
+      </p:ext>
+    </p:extLst>
+  </p:cSld>
+  <p:clrMapOvr>
+    <a:masterClrMapping/>
+  </p:clrMapOvr>
+</p:sld>
+</file>
+
+<file path=ppt/slides/slide12.xml><?xml version="1.0" encoding="utf-8"?>
+<p:sld xmlns:a="http://schemas.openxmlformats.org/drawingml/2006/main" xmlns:r="http://schemas.openxmlformats.org/officeDocument/2006/relationships" xmlns:p="http://schemas.openxmlformats.org/presentationml/2006/main">
+  <p:cSld>
+    <p:spTree>
+      <p:nvGrpSpPr>
+        <p:cNvPr id="1" name=""/>
+        <p:cNvGrpSpPr/>
+        <p:nvPr/>
+      </p:nvGrpSpPr>
+      <p:grpSpPr>
+        <a:xfrm>
+          <a:off x="0" y="0"/>
+          <a:ext cx="0" cy="0"/>
+          <a:chOff x="0" y="0"/>
+          <a:chExt cx="0" cy="0"/>
+        </a:xfrm>
+      </p:grpSpPr>
+      <p:sp>
+        <p:nvSpPr>
+          <p:cNvPr id="2" name="Título 1">
+            <a:extLst>
+              <a:ext uri="{FF2B5EF4-FFF2-40B4-BE49-F238E27FC236}">
+                <a16:creationId xmlns:a16="http://schemas.microsoft.com/office/drawing/2014/main" id="{71E7B82D-0842-2043-82AD-93D263AFEAD8}"/>
+              </a:ext>
+            </a:extLst>
+          </p:cNvPr>
+          <p:cNvSpPr>
+            <a:spLocks noGrp="1"/>
+          </p:cNvSpPr>
+          <p:nvPr>
+            <p:ph type="title"/>
+          </p:nvPr>
+        </p:nvSpPr>
+        <p:spPr>
+          <a:xfrm>
+            <a:off x="457200" y="0"/>
+            <a:ext cx="8229600" cy="857250"/>
+          </a:xfrm>
+        </p:spPr>
+        <p:txBody>
+          <a:bodyPr/>
+          <a:lstStyle/>
+          <a:p>
+            <a:r>
+              <a:rPr lang="es-ES" altLang="es-CR" sz="3200" b="1" dirty="0">
+                <a:solidFill>
+                  <a:srgbClr val="7F7F7F"/>
+                </a:solidFill>
+                <a:latin typeface="Century Gothic" panose="020B0502020202020204" pitchFamily="34" charset="0"/>
+                <a:ea typeface="ＭＳ Ｐゴシック" panose="020B0600070205080204" pitchFamily="34" charset="-128"/>
+              </a:rPr>
+              <a:t>Construir un modelo usando MLP y Keras </a:t>
+            </a:r>
+            <a:endParaRPr lang="es-CR" sz="3200" b="1" dirty="0">
+              <a:latin typeface="Century Gothic" panose="020B0502020202020204" pitchFamily="34" charset="0"/>
+            </a:endParaRPr>
+          </a:p>
+        </p:txBody>
+      </p:sp>
+      <p:sp>
+        <p:nvSpPr>
+          <p:cNvPr id="3" name="Marcador de contenido 2">
+            <a:extLst>
+              <a:ext uri="{FF2B5EF4-FFF2-40B4-BE49-F238E27FC236}">
+                <a16:creationId xmlns:a16="http://schemas.microsoft.com/office/drawing/2014/main" id="{66C88812-F42A-C24B-A06E-30FB949DBF0D}"/>
+              </a:ext>
+            </a:extLst>
+          </p:cNvPr>
+          <p:cNvSpPr>
+            <a:spLocks noGrp="1"/>
+          </p:cNvSpPr>
+          <p:nvPr>
+            <p:ph idx="1"/>
+          </p:nvPr>
+        </p:nvSpPr>
+        <p:spPr>
+          <a:xfrm>
+            <a:off x="200722" y="857251"/>
+            <a:ext cx="4148254" cy="3748204"/>
+          </a:xfrm>
+        </p:spPr>
+        <p:txBody>
+          <a:bodyPr/>
+          <a:lstStyle/>
+          <a:p>
+            <a:pPr marL="0" indent="0" algn="just">
+              <a:buNone/>
+            </a:pPr>
+            <a:endParaRPr lang="es-CR" sz="1800" dirty="0">
+              <a:solidFill>
+                <a:srgbClr val="595959"/>
+              </a:solidFill>
+              <a:latin typeface="Courier" pitchFamily="2" charset="0"/>
+              <a:ea typeface="ＭＳ Ｐゴシック" panose="020B0600070205080204" pitchFamily="34" charset="-128"/>
+            </a:endParaRPr>
+          </a:p>
+          <a:p>
+            <a:pPr marL="0" indent="0" algn="just">
+              <a:buNone/>
+            </a:pPr>
+            <a:r>
+              <a:rPr lang="es-CR" sz="1800" dirty="0" err="1">
+                <a:solidFill>
+                  <a:srgbClr val="595959"/>
+                </a:solidFill>
+                <a:latin typeface="Courier" pitchFamily="2" charset="0"/>
+                <a:ea typeface="ＭＳ Ｐゴシック" panose="020B0600070205080204" pitchFamily="34" charset="-128"/>
+              </a:rPr>
+              <a:t>relu</a:t>
+            </a:r>
+            <a:r>
+              <a:rPr lang="es-CR" sz="1800" dirty="0">
+                <a:solidFill>
+                  <a:srgbClr val="595959"/>
+                </a:solidFill>
+                <a:latin typeface="Myriad Pro" panose="020B0503030403020204" pitchFamily="34" charset="0"/>
+                <a:ea typeface="ＭＳ Ｐゴシック" panose="020B0600070205080204" pitchFamily="34" charset="-128"/>
+              </a:rPr>
+              <a:t> o ReLU es una función no-lineal simple. Es muy parecido a un </a:t>
+            </a:r>
+            <a:r>
+              <a:rPr lang="es-CR" sz="1800" b="1" dirty="0">
+                <a:solidFill>
+                  <a:srgbClr val="595959"/>
+                </a:solidFill>
+                <a:latin typeface="Myriad Pro" panose="020B0503030403020204" pitchFamily="34" charset="0"/>
+                <a:ea typeface="ＭＳ Ｐゴシック" panose="020B0600070205080204" pitchFamily="34" charset="-128"/>
+              </a:rPr>
+              <a:t>filtro</a:t>
+            </a:r>
+            <a:r>
+              <a:rPr lang="es-CR" sz="1800" dirty="0">
+                <a:solidFill>
+                  <a:srgbClr val="595959"/>
+                </a:solidFill>
+                <a:latin typeface="Myriad Pro" panose="020B0503030403020204" pitchFamily="34" charset="0"/>
+                <a:ea typeface="ＭＳ Ｐゴシック" panose="020B0600070205080204" pitchFamily="34" charset="-128"/>
+              </a:rPr>
+              <a:t> que permite que las entradas positivas pasen sin cambios mientras sujeta todo lo demás a cero. Matemáticamente, </a:t>
+            </a:r>
+            <a:r>
+              <a:rPr lang="es-CR" sz="1800" dirty="0" err="1">
+                <a:solidFill>
+                  <a:srgbClr val="595959"/>
+                </a:solidFill>
+                <a:latin typeface="Courier" pitchFamily="2" charset="0"/>
+                <a:ea typeface="ＭＳ Ｐゴシック" panose="020B0600070205080204" pitchFamily="34" charset="-128"/>
+              </a:rPr>
+              <a:t>relu</a:t>
+            </a:r>
+            <a:r>
+              <a:rPr lang="es-CR" sz="1800" dirty="0">
+                <a:solidFill>
+                  <a:srgbClr val="595959"/>
+                </a:solidFill>
+                <a:latin typeface="Myriad Pro" panose="020B0503030403020204" pitchFamily="34" charset="0"/>
+                <a:ea typeface="ＭＳ Ｐゴシック" panose="020B0600070205080204" pitchFamily="34" charset="-128"/>
+              </a:rPr>
+              <a:t> se expresa en la siguiente ecuación y se representa en la siguiente figura: </a:t>
+            </a:r>
+          </a:p>
+          <a:p>
+            <a:pPr marL="0" indent="0" algn="just">
+              <a:buNone/>
+            </a:pPr>
+            <a:endParaRPr lang="es-CR" sz="1800" dirty="0">
+              <a:solidFill>
+                <a:srgbClr val="595959"/>
+              </a:solidFill>
+              <a:latin typeface="Myriad Pro" panose="020B0503030403020204" pitchFamily="34" charset="0"/>
+              <a:ea typeface="ＭＳ Ｐゴシック" panose="020B0600070205080204" pitchFamily="34" charset="-128"/>
+            </a:endParaRPr>
+          </a:p>
+          <a:p>
+            <a:pPr marL="0" indent="0" algn="ctr">
+              <a:buNone/>
+            </a:pPr>
+            <a:r>
+              <a:rPr lang="es-CR" sz="1800" b="1" dirty="0">
+                <a:solidFill>
+                  <a:srgbClr val="595959"/>
+                </a:solidFill>
+                <a:latin typeface="Palatino Linotype" panose="02040502050505030304" pitchFamily="18" charset="0"/>
+                <a:ea typeface="ＭＳ Ｐゴシック" panose="020B0600070205080204" pitchFamily="34" charset="-128"/>
+              </a:rPr>
+              <a:t>ReLU = max(0,x)</a:t>
+            </a:r>
+            <a:endParaRPr lang="es-CR" sz="1800" b="1" dirty="0">
+              <a:solidFill>
+                <a:schemeClr val="tx1">
+                  <a:lumMod val="65000"/>
+                  <a:lumOff val="35000"/>
+                </a:schemeClr>
+              </a:solidFill>
+              <a:latin typeface="Palatino Linotype" panose="02040502050505030304" pitchFamily="18" charset="0"/>
+            </a:endParaRPr>
+          </a:p>
+        </p:txBody>
+      </p:sp>
+      <p:sp>
+        <p:nvSpPr>
+          <p:cNvPr id="4" name="Marcador de número de diapositiva 3">
+            <a:extLst>
+              <a:ext uri="{FF2B5EF4-FFF2-40B4-BE49-F238E27FC236}">
+                <a16:creationId xmlns:a16="http://schemas.microsoft.com/office/drawing/2014/main" id="{4BDFF57A-6F25-D543-9D35-AA774F537E2E}"/>
+              </a:ext>
+            </a:extLst>
+          </p:cNvPr>
+          <p:cNvSpPr>
+            <a:spLocks noGrp="1"/>
+          </p:cNvSpPr>
+          <p:nvPr>
+            <p:ph type="sldNum" sz="quarter" idx="12"/>
+          </p:nvPr>
+        </p:nvSpPr>
+        <p:spPr/>
+        <p:txBody>
+          <a:bodyPr/>
+          <a:lstStyle/>
+          <a:p>
+            <a:fld id="{4624E98C-54E1-8F4C-9379-6BF7059E518B}" type="slidenum">
+              <a:rPr lang="en-US" altLang="es-CR" smtClean="0"/>
+              <a:pPr/>
+              <a:t>12</a:t>
             </a:fld>
             <a:endParaRPr lang="en-US" altLang="es-CR"/>
           </a:p>
@@ -4872,7 +5535,7 @@
 </p:sld>
 </file>
 
-<file path=ppt/slides/slide11.xml><?xml version="1.0" encoding="utf-8"?>
+<file path=ppt/slides/slide13.xml><?xml version="1.0" encoding="utf-8"?>
 <p:sld xmlns:a="http://schemas.openxmlformats.org/drawingml/2006/main" xmlns:r="http://schemas.openxmlformats.org/officeDocument/2006/relationships" xmlns:p="http://schemas.openxmlformats.org/presentationml/2006/main">
   <p:cSld>
     <p:spTree>
@@ -4913,14 +5576,14 @@
             <a:fld id="{4624E98C-54E1-8F4C-9379-6BF7059E518B}" type="slidenum">
               <a:rPr lang="en-US" altLang="es-CR" smtClean="0"/>
               <a:pPr/>
-              <a:t>11</a:t>
+              <a:t>13</a:t>
             </a:fld>
             <a:endParaRPr lang="en-US" altLang="es-CR" dirty="0"/>
           </a:p>
         </p:txBody>
       </p:sp>
-      <mc:AlternateContent xmlns:mc="http://schemas.openxmlformats.org/markup-compatibility/2006">
-        <mc:Choice xmlns:a14="http://schemas.microsoft.com/office/drawing/2010/main" Requires="a14">
+      <mc:AlternateContent xmlns:mc="http://schemas.openxmlformats.org/markup-compatibility/2006" xmlns:a14="http://schemas.microsoft.com/office/drawing/2010/main">
+        <mc:Choice Requires="a14">
           <p:graphicFrame>
             <p:nvGraphicFramePr>
               <p:cNvPr id="5" name="Tabla 7">
@@ -6435,7 +7098,7 @@
             </a:graphic>
           </p:graphicFrame>
         </mc:Choice>
-        <mc:Fallback>
+        <mc:Fallback xmlns="">
           <p:graphicFrame>
             <p:nvGraphicFramePr>
               <p:cNvPr id="5" name="Tabla 7">
@@ -7346,7 +8009,7 @@
 </p:sld>
 </file>
 
-<file path=ppt/slides/slide12.xml><?xml version="1.0" encoding="utf-8"?>
+<file path=ppt/slides/slide14.xml><?xml version="1.0" encoding="utf-8"?>
 <p:sld xmlns:a="http://schemas.openxmlformats.org/drawingml/2006/main" xmlns:r="http://schemas.openxmlformats.org/officeDocument/2006/relationships" xmlns:p="http://schemas.openxmlformats.org/presentationml/2006/main">
   <p:cSld>
     <p:spTree>
@@ -7503,7 +8166,7 @@
             <a:fld id="{4624E98C-54E1-8F4C-9379-6BF7059E518B}" type="slidenum">
               <a:rPr lang="en-US" altLang="es-CR" smtClean="0"/>
               <a:pPr/>
-              <a:t>12</a:t>
+              <a:t>14</a:t>
             </a:fld>
             <a:endParaRPr lang="en-US" altLang="es-CR"/>
           </a:p>
@@ -7522,7 +8185,7 @@
 </p:sld>
 </file>
 
-<file path=ppt/slides/slide13.xml><?xml version="1.0" encoding="utf-8"?>
+<file path=ppt/slides/slide15.xml><?xml version="1.0" encoding="utf-8"?>
 <p:sld xmlns:a="http://schemas.openxmlformats.org/drawingml/2006/main" xmlns:r="http://schemas.openxmlformats.org/officeDocument/2006/relationships" xmlns:p="http://schemas.openxmlformats.org/presentationml/2006/main">
   <p:cSld>
     <p:spTree>
@@ -8077,7 +8740,7 @@
             <a:fld id="{4624E98C-54E1-8F4C-9379-6BF7059E518B}" type="slidenum">
               <a:rPr lang="en-US" altLang="es-CR" smtClean="0"/>
               <a:pPr/>
-              <a:t>13</a:t>
+              <a:t>15</a:t>
             </a:fld>
             <a:endParaRPr lang="en-US" altLang="es-CR"/>
           </a:p>
@@ -8096,7 +8759,7 @@
 </p:sld>
 </file>
 
-<file path=ppt/slides/slide14.xml><?xml version="1.0" encoding="utf-8"?>
+<file path=ppt/slides/slide16.xml><?xml version="1.0" encoding="utf-8"?>
 <p:sld xmlns:a="http://schemas.openxmlformats.org/drawingml/2006/main" xmlns:r="http://schemas.openxmlformats.org/officeDocument/2006/relationships" xmlns:p="http://schemas.openxmlformats.org/presentationml/2006/main">
   <p:cSld>
     <p:spTree>
@@ -8417,7 +9080,7 @@
             <a:fld id="{4624E98C-54E1-8F4C-9379-6BF7059E518B}" type="slidenum">
               <a:rPr lang="en-US" altLang="es-CR" smtClean="0"/>
               <a:pPr/>
-              <a:t>14</a:t>
+              <a:t>16</a:t>
             </a:fld>
             <a:endParaRPr lang="en-US" altLang="es-CR"/>
           </a:p>
@@ -8436,7 +9099,7 @@
 </p:sld>
 </file>
 
-<file path=ppt/slides/slide15.xml><?xml version="1.0" encoding="utf-8"?>
+<file path=ppt/slides/slide17.xml><?xml version="1.0" encoding="utf-8"?>
 <p:sld xmlns:a="http://schemas.openxmlformats.org/drawingml/2006/main" xmlns:r="http://schemas.openxmlformats.org/officeDocument/2006/relationships" xmlns:p="http://schemas.openxmlformats.org/presentationml/2006/main">
   <p:cSld>
     <p:spTree>
@@ -8720,7 +9383,7 @@
             <a:fld id="{4624E98C-54E1-8F4C-9379-6BF7059E518B}" type="slidenum">
               <a:rPr lang="en-US" altLang="es-CR" smtClean="0"/>
               <a:pPr/>
-              <a:t>15</a:t>
+              <a:t>17</a:t>
             </a:fld>
             <a:endParaRPr lang="en-US" altLang="es-CR"/>
           </a:p>
@@ -8739,7 +9402,7 @@
 </p:sld>
 </file>
 
-<file path=ppt/slides/slide16.xml><?xml version="1.0" encoding="utf-8"?>
+<file path=ppt/slides/slide18.xml><?xml version="1.0" encoding="utf-8"?>
 <p:sld xmlns:a="http://schemas.openxmlformats.org/drawingml/2006/main" xmlns:r="http://schemas.openxmlformats.org/officeDocument/2006/relationships" xmlns:p="http://schemas.openxmlformats.org/presentationml/2006/main">
   <p:cSld>
     <p:spTree>
@@ -8842,9 +9505,6 @@
                 <a:solidFill>
                   <a:srgbClr val="595959"/>
                 </a:solidFill>
-                <a:highlight>
-                  <a:srgbClr val="FFFF00"/>
-                </a:highlight>
                 <a:latin typeface="Myriad Pro" panose="020B0503030403020204" pitchFamily="34" charset="0"/>
                 <a:ea typeface="ＭＳ Ｐゴシック" panose="020B0600070205080204" pitchFamily="34" charset="-128"/>
               </a:rPr>
@@ -9017,7 +9677,7 @@
             <a:fld id="{4624E98C-54E1-8F4C-9379-6BF7059E518B}" type="slidenum">
               <a:rPr lang="en-US" altLang="es-CR" smtClean="0"/>
               <a:pPr/>
-              <a:t>16</a:t>
+              <a:t>18</a:t>
             </a:fld>
             <a:endParaRPr lang="en-US" altLang="es-CR"/>
           </a:p>
@@ -9036,7 +9696,7 @@
 </p:sld>
 </file>
 
-<file path=ppt/slides/slide17.xml><?xml version="1.0" encoding="utf-8"?>
+<file path=ppt/slides/slide19.xml><?xml version="1.0" encoding="utf-8"?>
 <p:sld xmlns:a="http://schemas.openxmlformats.org/drawingml/2006/main" xmlns:r="http://schemas.openxmlformats.org/officeDocument/2006/relationships" xmlns:p="http://schemas.openxmlformats.org/presentationml/2006/main">
   <p:cSld>
     <p:spTree>
@@ -11133,7 +11793,7 @@
             <a:fld id="{4624E98C-54E1-8F4C-9379-6BF7059E518B}" type="slidenum">
               <a:rPr lang="en-US" altLang="es-CR" smtClean="0"/>
               <a:pPr/>
-              <a:t>17</a:t>
+              <a:t>19</a:t>
             </a:fld>
             <a:endParaRPr lang="en-US" altLang="es-CR"/>
           </a:p>
@@ -11143,555 +11803,6 @@
     <p:extLst>
       <p:ext uri="{BB962C8B-B14F-4D97-AF65-F5344CB8AC3E}">
         <p14:creationId xmlns:p14="http://schemas.microsoft.com/office/powerpoint/2010/main" val="169226538"/>
-      </p:ext>
-    </p:extLst>
-  </p:cSld>
-  <p:clrMapOvr>
-    <a:masterClrMapping/>
-  </p:clrMapOvr>
-</p:sld>
-</file>
-
-<file path=ppt/slides/slide18.xml><?xml version="1.0" encoding="utf-8"?>
-<p:sld xmlns:a="http://schemas.openxmlformats.org/drawingml/2006/main" xmlns:r="http://schemas.openxmlformats.org/officeDocument/2006/relationships" xmlns:p="http://schemas.openxmlformats.org/presentationml/2006/main">
-  <p:cSld>
-    <p:spTree>
-      <p:nvGrpSpPr>
-        <p:cNvPr id="1" name=""/>
-        <p:cNvGrpSpPr/>
-        <p:nvPr/>
-      </p:nvGrpSpPr>
-      <p:grpSpPr>
-        <a:xfrm>
-          <a:off x="0" y="0"/>
-          <a:ext cx="0" cy="0"/>
-          <a:chOff x="0" y="0"/>
-          <a:chExt cx="0" cy="0"/>
-        </a:xfrm>
-      </p:grpSpPr>
-      <p:sp>
-        <p:nvSpPr>
-          <p:cNvPr id="2" name="Título 1">
-            <a:extLst>
-              <a:ext uri="{FF2B5EF4-FFF2-40B4-BE49-F238E27FC236}">
-                <a16:creationId xmlns:a16="http://schemas.microsoft.com/office/drawing/2014/main" id="{71E7B82D-0842-2043-82AD-93D263AFEAD8}"/>
-              </a:ext>
-            </a:extLst>
-          </p:cNvPr>
-          <p:cNvSpPr>
-            <a:spLocks noGrp="1"/>
-          </p:cNvSpPr>
-          <p:nvPr>
-            <p:ph type="title"/>
-          </p:nvPr>
-        </p:nvSpPr>
-        <p:spPr>
-          <a:xfrm>
-            <a:off x="200722" y="266818"/>
-            <a:ext cx="8742556" cy="857250"/>
-          </a:xfrm>
-        </p:spPr>
-        <p:txBody>
-          <a:bodyPr/>
-          <a:lstStyle/>
-          <a:p>
-            <a:r>
-              <a:rPr lang="es-ES" altLang="es-CR" sz="3200" b="1" dirty="0">
-                <a:solidFill>
-                  <a:srgbClr val="7F7F7F"/>
-                </a:solidFill>
-                <a:latin typeface="Century Gothic" panose="020B0502020202020204" pitchFamily="34" charset="0"/>
-                <a:ea typeface="ＭＳ Ｐゴシック" panose="020B0600070205080204" pitchFamily="34" charset="-128"/>
-              </a:rPr>
-              <a:t>Función de pérdida</a:t>
-            </a:r>
-            <a:endParaRPr lang="es-CR" sz="3200" b="1" dirty="0">
-              <a:latin typeface="Century Gothic" panose="020B0502020202020204" pitchFamily="34" charset="0"/>
-            </a:endParaRPr>
-          </a:p>
-        </p:txBody>
-      </p:sp>
-      <p:sp>
-        <p:nvSpPr>
-          <p:cNvPr id="4" name="Marcador de número de diapositiva 3">
-            <a:extLst>
-              <a:ext uri="{FF2B5EF4-FFF2-40B4-BE49-F238E27FC236}">
-                <a16:creationId xmlns:a16="http://schemas.microsoft.com/office/drawing/2014/main" id="{4BDFF57A-6F25-D543-9D35-AA774F537E2E}"/>
-              </a:ext>
-            </a:extLst>
-          </p:cNvPr>
-          <p:cNvSpPr>
-            <a:spLocks noGrp="1"/>
-          </p:cNvSpPr>
-          <p:nvPr>
-            <p:ph type="sldNum" sz="quarter" idx="12"/>
-          </p:nvPr>
-        </p:nvSpPr>
-        <p:spPr/>
-        <p:txBody>
-          <a:bodyPr/>
-          <a:lstStyle/>
-          <a:p>
-            <a:fld id="{4624E98C-54E1-8F4C-9379-6BF7059E518B}" type="slidenum">
-              <a:rPr lang="en-US" altLang="es-CR" smtClean="0"/>
-              <a:pPr/>
-              <a:t>18</a:t>
-            </a:fld>
-            <a:endParaRPr lang="en-US" altLang="es-CR"/>
-          </a:p>
-        </p:txBody>
-      </p:sp>
-      <p:sp>
-        <p:nvSpPr>
-          <p:cNvPr id="6" name="Marcador de contenido 5">
-            <a:extLst>
-              <a:ext uri="{FF2B5EF4-FFF2-40B4-BE49-F238E27FC236}">
-                <a16:creationId xmlns:a16="http://schemas.microsoft.com/office/drawing/2014/main" id="{D9596168-69A3-B943-9A6C-BA8A1F6BC4B3}"/>
-              </a:ext>
-            </a:extLst>
-          </p:cNvPr>
-          <p:cNvSpPr>
-            <a:spLocks noGrp="1"/>
-          </p:cNvSpPr>
-          <p:nvPr>
-            <p:ph idx="1"/>
-          </p:nvPr>
-        </p:nvSpPr>
-        <p:spPr>
-          <a:xfrm>
-            <a:off x="200722" y="1124068"/>
-            <a:ext cx="8742555" cy="3634856"/>
-          </a:xfrm>
-        </p:spPr>
-        <p:txBody>
-          <a:bodyPr/>
-          <a:lstStyle/>
-          <a:p>
-            <a:pPr marL="0" indent="0" algn="just">
-              <a:buNone/>
-            </a:pPr>
-            <a:r>
-              <a:rPr lang="es-CR" sz="2400" dirty="0">
-                <a:solidFill>
-                  <a:srgbClr val="595959"/>
-                </a:solidFill>
-                <a:latin typeface="Myriad Pro" panose="020B0503030403020204" pitchFamily="34" charset="0"/>
-                <a:ea typeface="ＭＳ Ｐゴシック" panose="020B0600070205080204" pitchFamily="34" charset="-128"/>
-              </a:rPr>
-              <a:t>La elección de la función de pérdida </a:t>
-            </a:r>
-            <a:r>
-              <a:rPr lang="es-CR" sz="2400" b="1" dirty="0">
-                <a:solidFill>
-                  <a:srgbClr val="595959"/>
-                </a:solidFill>
-                <a:latin typeface="Myriad Pro" panose="020B0503030403020204" pitchFamily="34" charset="0"/>
-                <a:ea typeface="ＭＳ Ｐゴシック" panose="020B0600070205080204" pitchFamily="34" charset="-128"/>
-              </a:rPr>
-              <a:t>no</a:t>
-            </a:r>
-            <a:r>
-              <a:rPr lang="es-CR" sz="2400" dirty="0">
-                <a:solidFill>
-                  <a:srgbClr val="595959"/>
-                </a:solidFill>
-                <a:latin typeface="Myriad Pro" panose="020B0503030403020204" pitchFamily="34" charset="0"/>
-                <a:ea typeface="ＭＳ Ｐゴシック" panose="020B0600070205080204" pitchFamily="34" charset="-128"/>
-              </a:rPr>
-              <a:t> </a:t>
-            </a:r>
-            <a:r>
-              <a:rPr lang="es-CR" sz="2400" b="1" dirty="0">
-                <a:solidFill>
-                  <a:srgbClr val="595959"/>
-                </a:solidFill>
-                <a:latin typeface="Myriad Pro" panose="020B0503030403020204" pitchFamily="34" charset="0"/>
-                <a:ea typeface="ＭＳ Ｐゴシック" panose="020B0600070205080204" pitchFamily="34" charset="-128"/>
-              </a:rPr>
-              <a:t>es arbitraria</a:t>
-            </a:r>
-            <a:r>
-              <a:rPr lang="es-CR" sz="2400" dirty="0">
-                <a:solidFill>
-                  <a:srgbClr val="595959"/>
-                </a:solidFill>
-                <a:latin typeface="Myriad Pro" panose="020B0503030403020204" pitchFamily="34" charset="0"/>
-                <a:ea typeface="ＭＳ Ｐゴシック" panose="020B0600070205080204" pitchFamily="34" charset="-128"/>
-              </a:rPr>
-              <a:t> sino que debe ser un criterio que el modelo está aprendiendo. Para la clasificación por categoría, </a:t>
-            </a:r>
-            <a:r>
-              <a:rPr lang="es-CR" sz="2400" dirty="0">
-                <a:solidFill>
-                  <a:srgbClr val="595959"/>
-                </a:solidFill>
-                <a:latin typeface="Courier" pitchFamily="2" charset="0"/>
-                <a:ea typeface="ＭＳ Ｐゴシック" panose="020B0600070205080204" pitchFamily="34" charset="-128"/>
-              </a:rPr>
-              <a:t>categorical_crossentropy </a:t>
-            </a:r>
-            <a:r>
-              <a:rPr lang="es-CR" sz="2400" dirty="0">
-                <a:solidFill>
-                  <a:srgbClr val="595959"/>
-                </a:solidFill>
-                <a:latin typeface="Myriad Pro" panose="020B0503030403020204" pitchFamily="34" charset="0"/>
-                <a:ea typeface="ＭＳ Ｐゴシック" panose="020B0600070205080204" pitchFamily="34" charset="-128"/>
-              </a:rPr>
-              <a:t>o </a:t>
-            </a:r>
-            <a:r>
-              <a:rPr lang="es-CR" sz="2400" dirty="0">
-                <a:solidFill>
-                  <a:srgbClr val="595959"/>
-                </a:solidFill>
-                <a:latin typeface="Courier" pitchFamily="2" charset="0"/>
-                <a:ea typeface="ＭＳ Ｐゴシック" panose="020B0600070205080204" pitchFamily="34" charset="-128"/>
-              </a:rPr>
-              <a:t>mean_squared_error </a:t>
-            </a:r>
-            <a:r>
-              <a:rPr lang="es-CR" sz="2400" dirty="0">
-                <a:solidFill>
-                  <a:srgbClr val="595959"/>
-                </a:solidFill>
-                <a:latin typeface="Myriad Pro" panose="020B0503030403020204" pitchFamily="34" charset="0"/>
-                <a:ea typeface="ＭＳ Ｐゴシック" panose="020B0600070205080204" pitchFamily="34" charset="-128"/>
-              </a:rPr>
-              <a:t>es una buena opción después de la capa de activación de </a:t>
-            </a:r>
-            <a:r>
-              <a:rPr lang="es-CR" sz="2400" dirty="0">
-                <a:solidFill>
-                  <a:srgbClr val="595959"/>
-                </a:solidFill>
-                <a:latin typeface="Courier" pitchFamily="2" charset="0"/>
-                <a:ea typeface="ＭＳ Ｐゴシック" panose="020B0600070205080204" pitchFamily="34" charset="-128"/>
-              </a:rPr>
-              <a:t>softmax</a:t>
-            </a:r>
-            <a:r>
-              <a:rPr lang="es-CR" sz="2400" dirty="0">
-                <a:solidFill>
-                  <a:srgbClr val="595959"/>
-                </a:solidFill>
-                <a:latin typeface="Myriad Pro" panose="020B0503030403020204" pitchFamily="34" charset="0"/>
-                <a:ea typeface="ＭＳ Ｐゴシック" panose="020B0600070205080204" pitchFamily="34" charset="-128"/>
-              </a:rPr>
-              <a:t>. La función de pérdida </a:t>
-            </a:r>
-            <a:r>
-              <a:rPr lang="es-CR" sz="2400" dirty="0">
-                <a:solidFill>
-                  <a:srgbClr val="595959"/>
-                </a:solidFill>
-                <a:latin typeface="Courier" pitchFamily="2" charset="0"/>
-                <a:ea typeface="ＭＳ Ｐゴシック" panose="020B0600070205080204" pitchFamily="34" charset="-128"/>
-              </a:rPr>
-              <a:t>binary_crossentropy </a:t>
-            </a:r>
-            <a:r>
-              <a:rPr lang="es-CR" sz="2400" dirty="0">
-                <a:solidFill>
-                  <a:srgbClr val="595959"/>
-                </a:solidFill>
-                <a:latin typeface="Myriad Pro" panose="020B0503030403020204" pitchFamily="34" charset="0"/>
-                <a:ea typeface="ＭＳ Ｐゴシック" panose="020B0600070205080204" pitchFamily="34" charset="-128"/>
-              </a:rPr>
-              <a:t>se usa normalmente después de la capa de activación </a:t>
-            </a:r>
-            <a:r>
-              <a:rPr lang="es-CR" sz="2400" dirty="0">
-                <a:solidFill>
-                  <a:srgbClr val="595959"/>
-                </a:solidFill>
-                <a:latin typeface="Courier" pitchFamily="2" charset="0"/>
-                <a:ea typeface="ＭＳ Ｐゴシック" panose="020B0600070205080204" pitchFamily="34" charset="-128"/>
-              </a:rPr>
-              <a:t>sigmoid</a:t>
-            </a:r>
-            <a:r>
-              <a:rPr lang="es-CR" sz="2400" dirty="0">
-                <a:solidFill>
-                  <a:srgbClr val="595959"/>
-                </a:solidFill>
-                <a:latin typeface="Myriad Pro" panose="020B0503030403020204" pitchFamily="34" charset="0"/>
-                <a:ea typeface="ＭＳ Ｐゴシック" panose="020B0600070205080204" pitchFamily="34" charset="-128"/>
-              </a:rPr>
-              <a:t>, mientras que </a:t>
-            </a:r>
-            <a:r>
-              <a:rPr lang="es-CR" sz="2400" dirty="0">
-                <a:solidFill>
-                  <a:srgbClr val="595959"/>
-                </a:solidFill>
-                <a:latin typeface="Courier" pitchFamily="2" charset="0"/>
-                <a:ea typeface="ＭＳ Ｐゴシック" panose="020B0600070205080204" pitchFamily="34" charset="-128"/>
-              </a:rPr>
-              <a:t>mean_squared_error </a:t>
-            </a:r>
-            <a:r>
-              <a:rPr lang="es-CR" sz="2400" dirty="0">
-                <a:solidFill>
-                  <a:srgbClr val="595959"/>
-                </a:solidFill>
-                <a:latin typeface="Myriad Pro" panose="020B0503030403020204" pitchFamily="34" charset="0"/>
-                <a:ea typeface="ＭＳ Ｐゴシック" panose="020B0600070205080204" pitchFamily="34" charset="-128"/>
-              </a:rPr>
-              <a:t>es una opción para la salida </a:t>
-            </a:r>
-            <a:r>
-              <a:rPr lang="es-CR" sz="2400" dirty="0">
-                <a:solidFill>
-                  <a:srgbClr val="595959"/>
-                </a:solidFill>
-                <a:latin typeface="Courier" pitchFamily="2" charset="0"/>
-                <a:ea typeface="ＭＳ Ｐゴシック" panose="020B0600070205080204" pitchFamily="34" charset="-128"/>
-              </a:rPr>
-              <a:t>tanh</a:t>
-            </a:r>
-            <a:r>
-              <a:rPr lang="es-CR" sz="2400" dirty="0">
-                <a:solidFill>
-                  <a:srgbClr val="595959"/>
-                </a:solidFill>
-                <a:latin typeface="Myriad Pro" panose="020B0503030403020204" pitchFamily="34" charset="0"/>
-                <a:ea typeface="ＭＳ Ｐゴシック" panose="020B0600070205080204" pitchFamily="34" charset="-128"/>
-              </a:rPr>
-              <a:t>.</a:t>
-            </a:r>
-            <a:endParaRPr lang="es-CR" sz="2400" dirty="0"/>
-          </a:p>
-        </p:txBody>
-      </p:sp>
-    </p:spTree>
-    <p:extLst>
-      <p:ext uri="{BB962C8B-B14F-4D97-AF65-F5344CB8AC3E}">
-        <p14:creationId xmlns:p14="http://schemas.microsoft.com/office/powerpoint/2010/main" val="395882804"/>
-      </p:ext>
-    </p:extLst>
-  </p:cSld>
-  <p:clrMapOvr>
-    <a:masterClrMapping/>
-  </p:clrMapOvr>
-</p:sld>
-</file>
-
-<file path=ppt/slides/slide19.xml><?xml version="1.0" encoding="utf-8"?>
-<p:sld xmlns:a="http://schemas.openxmlformats.org/drawingml/2006/main" xmlns:r="http://schemas.openxmlformats.org/officeDocument/2006/relationships" xmlns:p="http://schemas.openxmlformats.org/presentationml/2006/main">
-  <p:cSld>
-    <p:spTree>
-      <p:nvGrpSpPr>
-        <p:cNvPr id="1" name=""/>
-        <p:cNvGrpSpPr/>
-        <p:nvPr/>
-      </p:nvGrpSpPr>
-      <p:grpSpPr>
-        <a:xfrm>
-          <a:off x="0" y="0"/>
-          <a:ext cx="0" cy="0"/>
-          <a:chOff x="0" y="0"/>
-          <a:chExt cx="0" cy="0"/>
-        </a:xfrm>
-      </p:grpSpPr>
-      <p:sp>
-        <p:nvSpPr>
-          <p:cNvPr id="2" name="Título 1">
-            <a:extLst>
-              <a:ext uri="{FF2B5EF4-FFF2-40B4-BE49-F238E27FC236}">
-                <a16:creationId xmlns:a16="http://schemas.microsoft.com/office/drawing/2014/main" id="{71E7B82D-0842-2043-82AD-93D263AFEAD8}"/>
-              </a:ext>
-            </a:extLst>
-          </p:cNvPr>
-          <p:cNvSpPr>
-            <a:spLocks noGrp="1"/>
-          </p:cNvSpPr>
-          <p:nvPr>
-            <p:ph type="title"/>
-          </p:nvPr>
-        </p:nvSpPr>
-        <p:spPr>
-          <a:xfrm>
-            <a:off x="200722" y="266818"/>
-            <a:ext cx="8742556" cy="857250"/>
-          </a:xfrm>
-        </p:spPr>
-        <p:txBody>
-          <a:bodyPr/>
-          <a:lstStyle/>
-          <a:p>
-            <a:r>
-              <a:rPr lang="es-ES" altLang="es-CR" sz="3200" b="1" dirty="0">
-                <a:solidFill>
-                  <a:srgbClr val="7F7F7F"/>
-                </a:solidFill>
-                <a:latin typeface="Century Gothic" panose="020B0502020202020204" pitchFamily="34" charset="0"/>
-                <a:ea typeface="ＭＳ Ｐゴシック" panose="020B0600070205080204" pitchFamily="34" charset="-128"/>
-              </a:rPr>
-              <a:t>Optimización</a:t>
-            </a:r>
-            <a:endParaRPr lang="es-CR" sz="3200" b="1" dirty="0">
-              <a:latin typeface="Century Gothic" panose="020B0502020202020204" pitchFamily="34" charset="0"/>
-            </a:endParaRPr>
-          </a:p>
-        </p:txBody>
-      </p:sp>
-      <p:sp>
-        <p:nvSpPr>
-          <p:cNvPr id="4" name="Marcador de número de diapositiva 3">
-            <a:extLst>
-              <a:ext uri="{FF2B5EF4-FFF2-40B4-BE49-F238E27FC236}">
-                <a16:creationId xmlns:a16="http://schemas.microsoft.com/office/drawing/2014/main" id="{4BDFF57A-6F25-D543-9D35-AA774F537E2E}"/>
-              </a:ext>
-            </a:extLst>
-          </p:cNvPr>
-          <p:cNvSpPr>
-            <a:spLocks noGrp="1"/>
-          </p:cNvSpPr>
-          <p:nvPr>
-            <p:ph type="sldNum" sz="quarter" idx="12"/>
-          </p:nvPr>
-        </p:nvSpPr>
-        <p:spPr/>
-        <p:txBody>
-          <a:bodyPr/>
-          <a:lstStyle/>
-          <a:p>
-            <a:fld id="{4624E98C-54E1-8F4C-9379-6BF7059E518B}" type="slidenum">
-              <a:rPr lang="en-US" altLang="es-CR" smtClean="0"/>
-              <a:pPr/>
-              <a:t>19</a:t>
-            </a:fld>
-            <a:endParaRPr lang="en-US" altLang="es-CR"/>
-          </a:p>
-        </p:txBody>
-      </p:sp>
-      <p:sp>
-        <p:nvSpPr>
-          <p:cNvPr id="6" name="Marcador de contenido 5">
-            <a:extLst>
-              <a:ext uri="{FF2B5EF4-FFF2-40B4-BE49-F238E27FC236}">
-                <a16:creationId xmlns:a16="http://schemas.microsoft.com/office/drawing/2014/main" id="{D9596168-69A3-B943-9A6C-BA8A1F6BC4B3}"/>
-              </a:ext>
-            </a:extLst>
-          </p:cNvPr>
-          <p:cNvSpPr>
-            <a:spLocks noGrp="1"/>
-          </p:cNvSpPr>
-          <p:nvPr>
-            <p:ph idx="1"/>
-          </p:nvPr>
-        </p:nvSpPr>
-        <p:spPr>
-          <a:xfrm>
-            <a:off x="200722" y="1124068"/>
-            <a:ext cx="8742555" cy="3634856"/>
-          </a:xfrm>
-        </p:spPr>
-        <p:txBody>
-          <a:bodyPr/>
-          <a:lstStyle/>
-          <a:p>
-            <a:pPr marL="0" indent="0" algn="just">
-              <a:buNone/>
-            </a:pPr>
-            <a:r>
-              <a:rPr lang="es-CR" sz="2000" dirty="0">
-                <a:solidFill>
-                  <a:srgbClr val="595959"/>
-                </a:solidFill>
-                <a:latin typeface="Myriad Pro" panose="020B0503030403020204" pitchFamily="34" charset="0"/>
-                <a:ea typeface="ＭＳ Ｐゴシック" panose="020B0600070205080204" pitchFamily="34" charset="-128"/>
-              </a:rPr>
-              <a:t>Con la optimización, el objetivo es </a:t>
-            </a:r>
-            <a:r>
-              <a:rPr lang="es-CR" sz="2000" b="1" dirty="0">
-                <a:solidFill>
-                  <a:srgbClr val="595959"/>
-                </a:solidFill>
-                <a:latin typeface="Myriad Pro" panose="020B0503030403020204" pitchFamily="34" charset="0"/>
-                <a:ea typeface="ＭＳ Ｐゴシック" panose="020B0600070205080204" pitchFamily="34" charset="-128"/>
-              </a:rPr>
-              <a:t>minimizar</a:t>
-            </a:r>
-            <a:r>
-              <a:rPr lang="es-CR" sz="2000" dirty="0">
-                <a:solidFill>
-                  <a:srgbClr val="595959"/>
-                </a:solidFill>
-                <a:latin typeface="Myriad Pro" panose="020B0503030403020204" pitchFamily="34" charset="0"/>
-                <a:ea typeface="ＭＳ Ｐゴシック" panose="020B0600070205080204" pitchFamily="34" charset="-128"/>
-              </a:rPr>
-              <a:t> la función de pérdida. La idea es que, si la pérdida se reduce a un nivel aceptable, el modelo ha aprendido indirectamente la función que asigna entradas a salidas. En Keras, hay varias opciones para optimizar. Los optimizadores más utilizados son el </a:t>
-            </a:r>
-            <a:r>
-              <a:rPr lang="es-CR" sz="2000" b="1" dirty="0">
-                <a:solidFill>
-                  <a:srgbClr val="595959"/>
-                </a:solidFill>
-                <a:latin typeface="Myriad Pro" panose="020B0503030403020204" pitchFamily="34" charset="0"/>
-                <a:ea typeface="ＭＳ Ｐゴシック" panose="020B0600070205080204" pitchFamily="34" charset="-128"/>
-              </a:rPr>
-              <a:t>descenso de gradiente estocástico (SGD)</a:t>
-            </a:r>
-            <a:r>
-              <a:rPr lang="es-CR" sz="2000" dirty="0">
-                <a:solidFill>
-                  <a:srgbClr val="595959"/>
-                </a:solidFill>
-                <a:latin typeface="Myriad Pro" panose="020B0503030403020204" pitchFamily="34" charset="0"/>
-                <a:ea typeface="ＭＳ Ｐゴシック" panose="020B0600070205080204" pitchFamily="34" charset="-128"/>
-              </a:rPr>
-              <a:t>, los </a:t>
-            </a:r>
-            <a:r>
-              <a:rPr lang="es-CR" sz="2000" b="1" dirty="0">
-                <a:solidFill>
-                  <a:srgbClr val="595959"/>
-                </a:solidFill>
-                <a:latin typeface="Myriad Pro" panose="020B0503030403020204" pitchFamily="34" charset="0"/>
-                <a:ea typeface="ＭＳ Ｐゴシック" panose="020B0600070205080204" pitchFamily="34" charset="-128"/>
-              </a:rPr>
-              <a:t>momentos adaptativos (Adam) </a:t>
-            </a:r>
-            <a:r>
-              <a:rPr lang="es-CR" sz="2000" dirty="0">
-                <a:solidFill>
-                  <a:srgbClr val="595959"/>
-                </a:solidFill>
-                <a:latin typeface="Myriad Pro" panose="020B0503030403020204" pitchFamily="34" charset="0"/>
-                <a:ea typeface="ＭＳ Ｐゴシック" panose="020B0600070205080204" pitchFamily="34" charset="-128"/>
-              </a:rPr>
-              <a:t>y la </a:t>
-            </a:r>
-            <a:r>
-              <a:rPr lang="es-CR" sz="2000" b="1" dirty="0">
-                <a:solidFill>
-                  <a:srgbClr val="595959"/>
-                </a:solidFill>
-                <a:latin typeface="Myriad Pro" panose="020B0503030403020204" pitchFamily="34" charset="0"/>
-                <a:ea typeface="ＭＳ Ｐゴシック" panose="020B0600070205080204" pitchFamily="34" charset="-128"/>
-              </a:rPr>
-              <a:t>propagación cuadrática media de raíz (RMSprop)</a:t>
-            </a:r>
-            <a:r>
-              <a:rPr lang="es-CR" sz="2000" dirty="0">
-                <a:solidFill>
-                  <a:srgbClr val="595959"/>
-                </a:solidFill>
-                <a:latin typeface="Myriad Pro" panose="020B0503030403020204" pitchFamily="34" charset="0"/>
-                <a:ea typeface="ＭＳ Ｐゴシック" panose="020B0600070205080204" pitchFamily="34" charset="-128"/>
-              </a:rPr>
-              <a:t>. Cada optimizador presenta parámetros ajustables como la tasa de aprendizaje, el impulso y el decaimiento. Adam y RMSprop son variaciones de SGD con tasas de aprendizaje adaptativo. En la red de clasificadores propuesta, se utiliza Adam ya que tiene la mayor precisión de prueba.</a:t>
-            </a:r>
-          </a:p>
-        </p:txBody>
-      </p:sp>
-    </p:spTree>
-    <p:extLst>
-      <p:ext uri="{BB962C8B-B14F-4D97-AF65-F5344CB8AC3E}">
-        <p14:creationId xmlns:p14="http://schemas.microsoft.com/office/powerpoint/2010/main" val="2673813964"/>
       </p:ext>
     </p:extLst>
   </p:cSld>
@@ -12049,7 +12160,7 @@
                 <a:latin typeface="Century Gothic" panose="020B0502020202020204" pitchFamily="34" charset="0"/>
                 <a:ea typeface="ＭＳ Ｐゴシック" panose="020B0600070205080204" pitchFamily="34" charset="-128"/>
               </a:rPr>
-              <a:t>Optimización</a:t>
+              <a:t>Función de pérdida</a:t>
             </a:r>
             <a:endParaRPr lang="es-CR" sz="3200" b="1" dirty="0">
               <a:latin typeface="Century Gothic" panose="020B0502020202020204" pitchFamily="34" charset="0"/>
@@ -12117,162 +12228,203 @@
               <a:buNone/>
             </a:pPr>
             <a:r>
-              <a:rPr lang="es-CR" sz="2000" dirty="0">
+              <a:rPr lang="es-CR" sz="2400" dirty="0">
                 <a:solidFill>
                   <a:srgbClr val="595959"/>
                 </a:solidFill>
                 <a:latin typeface="Myriad Pro" panose="020B0503030403020204" pitchFamily="34" charset="0"/>
                 <a:ea typeface="ＭＳ Ｐゴシック" panose="020B0600070205080204" pitchFamily="34" charset="-128"/>
               </a:rPr>
-              <a:t>SGD se considera el optimizador más fundamental. Es una versión más simple del descenso de gradientes en cálculo. </a:t>
-            </a:r>
-          </a:p>
-          <a:p>
-            <a:pPr marL="0" indent="0" algn="just">
-              <a:buNone/>
-            </a:pPr>
-            <a:endParaRPr lang="es-CR" sz="2000" dirty="0">
-              <a:solidFill>
-                <a:srgbClr val="595959"/>
-              </a:solidFill>
-              <a:latin typeface="Myriad Pro" panose="020B0503030403020204" pitchFamily="34" charset="0"/>
-              <a:ea typeface="ＭＳ Ｐゴシック" panose="020B0600070205080204" pitchFamily="34" charset="-128"/>
-            </a:endParaRPr>
-          </a:p>
-          <a:p>
-            <a:pPr marL="0" indent="0" algn="just">
-              <a:buNone/>
-            </a:pPr>
-            <a:r>
-              <a:rPr lang="es-CR" sz="2000" dirty="0">
+              <a:t>La elección de la función de pérdida </a:t>
+            </a:r>
+            <a:r>
+              <a:rPr lang="es-CR" sz="2400" b="1" dirty="0">
                 <a:solidFill>
                   <a:srgbClr val="595959"/>
                 </a:solidFill>
                 <a:latin typeface="Myriad Pro" panose="020B0503030403020204" pitchFamily="34" charset="0"/>
                 <a:ea typeface="ＭＳ Ｐゴシック" panose="020B0600070205080204" pitchFamily="34" charset="-128"/>
               </a:rPr>
-              <a:t>Dado que la optimización se basa en la diferenciación, se deduce que un criterio importante de la </a:t>
-            </a:r>
-            <a:r>
-              <a:rPr lang="es-CR" sz="2000" b="1" dirty="0">
+              <a:t>no</a:t>
+            </a:r>
+            <a:r>
+              <a:rPr lang="es-CR" sz="2400" dirty="0">
                 <a:solidFill>
                   <a:srgbClr val="595959"/>
                 </a:solidFill>
                 <a:latin typeface="Myriad Pro" panose="020B0503030403020204" pitchFamily="34" charset="0"/>
                 <a:ea typeface="ＭＳ Ｐゴシック" panose="020B0600070205080204" pitchFamily="34" charset="-128"/>
               </a:rPr>
-              <a:t>función de pérdida</a:t>
-            </a:r>
-            <a:r>
-              <a:rPr lang="es-CR" sz="2000" dirty="0">
+              <a:t> </a:t>
+            </a:r>
+            <a:r>
+              <a:rPr lang="es-CR" sz="2400" b="1" dirty="0">
                 <a:solidFill>
                   <a:srgbClr val="595959"/>
                 </a:solidFill>
                 <a:latin typeface="Myriad Pro" panose="020B0503030403020204" pitchFamily="34" charset="0"/>
                 <a:ea typeface="ＭＳ Ｐゴシック" panose="020B0600070205080204" pitchFamily="34" charset="-128"/>
               </a:rPr>
-              <a:t> es que debe ser </a:t>
-            </a:r>
-            <a:r>
-              <a:rPr lang="es-CR" sz="2000" b="1" dirty="0">
+              <a:t>es arbitraria</a:t>
+            </a:r>
+            <a:r>
+              <a:rPr lang="es-CR" sz="2400" dirty="0">
                 <a:solidFill>
                   <a:srgbClr val="595959"/>
                 </a:solidFill>
                 <a:latin typeface="Myriad Pro" panose="020B0503030403020204" pitchFamily="34" charset="0"/>
                 <a:ea typeface="ＭＳ Ｐゴシック" panose="020B0600070205080204" pitchFamily="34" charset="-128"/>
               </a:rPr>
-              <a:t>suave o diferenciable.</a:t>
-            </a:r>
-            <a:r>
-              <a:rPr lang="es-CR" sz="2000" dirty="0">
+              <a:t> sino que debe ser un criterio que el modelo está aprendiendo. Para la clasificación por categoría, </a:t>
+            </a:r>
+            <a:r>
+              <a:rPr lang="es-CR" sz="2400" dirty="0">
+                <a:solidFill>
+                  <a:srgbClr val="595959"/>
+                </a:solidFill>
+                <a:latin typeface="Courier" pitchFamily="2" charset="0"/>
+                <a:ea typeface="ＭＳ Ｐゴシック" panose="020B0600070205080204" pitchFamily="34" charset="-128"/>
+              </a:rPr>
+              <a:t>categorical_crossentropy </a:t>
+            </a:r>
+            <a:r>
+              <a:rPr lang="es-CR" sz="2400" dirty="0">
                 <a:solidFill>
                   <a:srgbClr val="595959"/>
                 </a:solidFill>
                 <a:latin typeface="Myriad Pro" panose="020B0503030403020204" pitchFamily="34" charset="0"/>
                 <a:ea typeface="ＭＳ Ｐゴシック" panose="020B0600070205080204" pitchFamily="34" charset="-128"/>
               </a:rPr>
-              <a:t> Esta es una importante restricción a tener en cuenta al introducir una nueva función de pérdida.</a:t>
-            </a:r>
-          </a:p>
-          <a:p>
-            <a:pPr marL="0" indent="0" algn="just">
-              <a:buNone/>
-            </a:pPr>
-            <a:endParaRPr lang="es-CR" sz="2000" dirty="0">
-              <a:solidFill>
-                <a:srgbClr val="595959"/>
-              </a:solidFill>
-              <a:latin typeface="Myriad Pro" panose="020B0503030403020204" pitchFamily="34" charset="0"/>
-              <a:ea typeface="ＭＳ Ｐゴシック" panose="020B0600070205080204" pitchFamily="34" charset="-128"/>
-            </a:endParaRPr>
-          </a:p>
-          <a:p>
-            <a:pPr marL="0" indent="0" algn="just">
-              <a:buNone/>
-            </a:pPr>
-            <a:r>
-              <a:rPr lang="es-CR" sz="2000" dirty="0">
+              <a:t>o </a:t>
+            </a:r>
+            <a:r>
+              <a:rPr lang="es-CR" sz="2400" dirty="0">
+                <a:solidFill>
+                  <a:srgbClr val="595959"/>
+                </a:solidFill>
+                <a:latin typeface="Courier" pitchFamily="2" charset="0"/>
+                <a:ea typeface="ＭＳ Ｐゴシック" panose="020B0600070205080204" pitchFamily="34" charset="-128"/>
+              </a:rPr>
+              <a:t>mean_squared_error </a:t>
+            </a:r>
+            <a:r>
+              <a:rPr lang="es-CR" sz="2400" dirty="0">
                 <a:solidFill>
                   <a:srgbClr val="595959"/>
                 </a:solidFill>
                 <a:latin typeface="Myriad Pro" panose="020B0503030403020204" pitchFamily="34" charset="0"/>
                 <a:ea typeface="ＭＳ Ｐゴシック" panose="020B0600070205080204" pitchFamily="34" charset="-128"/>
               </a:rPr>
-              <a:t>Dado el conjunto de datos de entrenamiento, la elección de la función de pérdida, el optimizador y el regularizador, el modelo ahora se puede entrenar llamando a la función </a:t>
-            </a:r>
-            <a:r>
-              <a:rPr lang="es-CR" sz="2000" dirty="0">
+              <a:t>es una buena opción después de la capa de activación de </a:t>
+            </a:r>
+            <a:r>
+              <a:rPr lang="es-CR" sz="2400" dirty="0">
                 <a:solidFill>
                   <a:srgbClr val="595959"/>
                 </a:solidFill>
                 <a:latin typeface="Courier" pitchFamily="2" charset="0"/>
                 <a:ea typeface="ＭＳ Ｐゴシック" panose="020B0600070205080204" pitchFamily="34" charset="-128"/>
               </a:rPr>
-              <a:t>fit()</a:t>
-            </a:r>
-          </a:p>
-          <a:p>
-            <a:pPr marL="0" indent="0" algn="just">
-              <a:buNone/>
-            </a:pPr>
-            <a:endParaRPr lang="es-CR" sz="2000" dirty="0">
-              <a:solidFill>
-                <a:srgbClr val="595959"/>
-              </a:solidFill>
-              <a:latin typeface="Myriad Pro" panose="020B0503030403020204" pitchFamily="34" charset="0"/>
-              <a:ea typeface="ＭＳ Ｐゴシック" panose="020B0600070205080204" pitchFamily="34" charset="-128"/>
-            </a:endParaRPr>
-          </a:p>
-          <a:p>
-            <a:pPr marL="0" indent="0" algn="just">
-              <a:buNone/>
-            </a:pPr>
-            <a:endParaRPr lang="es-CR" sz="2000" dirty="0">
-              <a:solidFill>
-                <a:srgbClr val="595959"/>
-              </a:solidFill>
-              <a:latin typeface="Myriad Pro" panose="020B0503030403020204" pitchFamily="34" charset="0"/>
-              <a:ea typeface="ＭＳ Ｐゴシック" panose="020B0600070205080204" pitchFamily="34" charset="-128"/>
-            </a:endParaRPr>
-          </a:p>
-          <a:p>
-            <a:pPr marL="0" indent="0" algn="just">
-              <a:buNone/>
-            </a:pPr>
-            <a:endParaRPr lang="es-CR" sz="2000" dirty="0">
-              <a:solidFill>
-                <a:srgbClr val="595959"/>
-              </a:solidFill>
-              <a:latin typeface="Myriad Pro" panose="020B0503030403020204" pitchFamily="34" charset="0"/>
-              <a:ea typeface="ＭＳ Ｐゴシック" panose="020B0600070205080204" pitchFamily="34" charset="-128"/>
-            </a:endParaRPr>
+              <a:t>softmax</a:t>
+            </a:r>
+            <a:r>
+              <a:rPr lang="es-CR" sz="2400" dirty="0">
+                <a:solidFill>
+                  <a:srgbClr val="595959"/>
+                </a:solidFill>
+                <a:latin typeface="Myriad Pro" panose="020B0503030403020204" pitchFamily="34" charset="0"/>
+                <a:ea typeface="ＭＳ Ｐゴシック" panose="020B0600070205080204" pitchFamily="34" charset="-128"/>
+              </a:rPr>
+              <a:t>. La función de pérdida </a:t>
+            </a:r>
+            <a:r>
+              <a:rPr lang="es-CR" sz="2400" dirty="0">
+                <a:solidFill>
+                  <a:srgbClr val="595959"/>
+                </a:solidFill>
+                <a:latin typeface="Courier" pitchFamily="2" charset="0"/>
+                <a:ea typeface="ＭＳ Ｐゴシック" panose="020B0600070205080204" pitchFamily="34" charset="-128"/>
+              </a:rPr>
+              <a:t>binary_crossentropy </a:t>
+            </a:r>
+            <a:r>
+              <a:rPr lang="es-CR" sz="2400" dirty="0">
+                <a:solidFill>
+                  <a:srgbClr val="595959"/>
+                </a:solidFill>
+                <a:latin typeface="Myriad Pro" panose="020B0503030403020204" pitchFamily="34" charset="0"/>
+                <a:ea typeface="ＭＳ Ｐゴシック" panose="020B0600070205080204" pitchFamily="34" charset="-128"/>
+              </a:rPr>
+              <a:t>se usa normalmente después de la capa de activación </a:t>
+            </a:r>
+            <a:r>
+              <a:rPr lang="es-CR" sz="2400" dirty="0">
+                <a:solidFill>
+                  <a:srgbClr val="595959"/>
+                </a:solidFill>
+                <a:latin typeface="Courier" pitchFamily="2" charset="0"/>
+                <a:ea typeface="ＭＳ Ｐゴシック" panose="020B0600070205080204" pitchFamily="34" charset="-128"/>
+              </a:rPr>
+              <a:t>sigmoid</a:t>
+            </a:r>
+            <a:r>
+              <a:rPr lang="es-CR" sz="2400" dirty="0">
+                <a:solidFill>
+                  <a:srgbClr val="595959"/>
+                </a:solidFill>
+                <a:latin typeface="Myriad Pro" panose="020B0503030403020204" pitchFamily="34" charset="0"/>
+                <a:ea typeface="ＭＳ Ｐゴシック" panose="020B0600070205080204" pitchFamily="34" charset="-128"/>
+              </a:rPr>
+              <a:t>, mientras que </a:t>
+            </a:r>
+            <a:r>
+              <a:rPr lang="es-CR" sz="2400" dirty="0">
+                <a:solidFill>
+                  <a:srgbClr val="595959"/>
+                </a:solidFill>
+                <a:latin typeface="Courier" pitchFamily="2" charset="0"/>
+                <a:ea typeface="ＭＳ Ｐゴシック" panose="020B0600070205080204" pitchFamily="34" charset="-128"/>
+              </a:rPr>
+              <a:t>mean_squared_error </a:t>
+            </a:r>
+            <a:r>
+              <a:rPr lang="es-CR" sz="2400" dirty="0">
+                <a:solidFill>
+                  <a:srgbClr val="595959"/>
+                </a:solidFill>
+                <a:latin typeface="Myriad Pro" panose="020B0503030403020204" pitchFamily="34" charset="0"/>
+                <a:ea typeface="ＭＳ Ｐゴシック" panose="020B0600070205080204" pitchFamily="34" charset="-128"/>
+              </a:rPr>
+              <a:t>es una opción para la salida </a:t>
+            </a:r>
+            <a:r>
+              <a:rPr lang="es-CR" sz="2400" dirty="0">
+                <a:solidFill>
+                  <a:srgbClr val="595959"/>
+                </a:solidFill>
+                <a:latin typeface="Courier" pitchFamily="2" charset="0"/>
+                <a:ea typeface="ＭＳ Ｐゴシック" panose="020B0600070205080204" pitchFamily="34" charset="-128"/>
+              </a:rPr>
+              <a:t>tanh</a:t>
+            </a:r>
+            <a:r>
+              <a:rPr lang="es-CR" sz="2400" dirty="0">
+                <a:solidFill>
+                  <a:srgbClr val="595959"/>
+                </a:solidFill>
+                <a:latin typeface="Myriad Pro" panose="020B0503030403020204" pitchFamily="34" charset="0"/>
+                <a:ea typeface="ＭＳ Ｐゴシック" panose="020B0600070205080204" pitchFamily="34" charset="-128"/>
+              </a:rPr>
+              <a:t>.</a:t>
+            </a:r>
+            <a:endParaRPr lang="es-CR" sz="2400" dirty="0"/>
           </a:p>
         </p:txBody>
       </p:sp>
     </p:spTree>
     <p:extLst>
       <p:ext uri="{BB962C8B-B14F-4D97-AF65-F5344CB8AC3E}">
-        <p14:creationId xmlns:p14="http://schemas.microsoft.com/office/powerpoint/2010/main" val="2598740980"/>
+        <p14:creationId xmlns:p14="http://schemas.microsoft.com/office/powerpoint/2010/main" val="395882804"/>
       </p:ext>
     </p:extLst>
   </p:cSld>
@@ -12401,280 +12553,102 @@
               <a:buNone/>
             </a:pPr>
             <a:r>
-              <a:rPr lang="es-CR" sz="1800" dirty="0">
+              <a:rPr lang="es-CR" sz="2000" dirty="0">
                 <a:solidFill>
                   <a:srgbClr val="595959"/>
                 </a:solidFill>
                 <a:latin typeface="Myriad Pro" panose="020B0503030403020204" pitchFamily="34" charset="0"/>
                 <a:ea typeface="ＭＳ Ｐゴシック" panose="020B0600070205080204" pitchFamily="34" charset="-128"/>
               </a:rPr>
-              <a:t>Una característica útil de Keras es que, con solo proporcionar los datos </a:t>
-            </a:r>
-            <a:r>
-              <a:rPr lang="es-CR" sz="1800" b="1" dirty="0">
-                <a:solidFill>
-                  <a:srgbClr val="595959"/>
-                </a:solidFill>
-                <a:latin typeface="Courier" pitchFamily="2" charset="0"/>
-                <a:ea typeface="ＭＳ Ｐゴシック" panose="020B0600070205080204" pitchFamily="34" charset="-128"/>
-              </a:rPr>
-              <a:t>x</a:t>
-            </a:r>
-            <a:r>
-              <a:rPr lang="es-CR" sz="1800" dirty="0">
+              <a:t>Con la optimización, el objetivo es </a:t>
+            </a:r>
+            <a:r>
+              <a:rPr lang="es-CR" sz="2000" b="1" dirty="0">
                 <a:solidFill>
                   <a:srgbClr val="595959"/>
                 </a:solidFill>
                 <a:latin typeface="Myriad Pro" panose="020B0503030403020204" pitchFamily="34" charset="0"/>
                 <a:ea typeface="ＭＳ Ｐゴシック" panose="020B0600070205080204" pitchFamily="34" charset="-128"/>
               </a:rPr>
-              <a:t> y </a:t>
-            </a:r>
-            <a:r>
-              <a:rPr lang="es-CR" sz="1800" b="1" dirty="0">
-                <a:solidFill>
-                  <a:srgbClr val="595959"/>
-                </a:solidFill>
-                <a:latin typeface="Courier" pitchFamily="2" charset="0"/>
-                <a:ea typeface="ＭＳ Ｐゴシック" panose="020B0600070205080204" pitchFamily="34" charset="-128"/>
-              </a:rPr>
-              <a:t>y</a:t>
-            </a:r>
-            <a:r>
-              <a:rPr lang="es-CR" sz="1800" dirty="0">
+              <a:t>minimizar</a:t>
+            </a:r>
+            <a:r>
+              <a:rPr lang="es-CR" sz="2000" dirty="0">
                 <a:solidFill>
                   <a:srgbClr val="595959"/>
                 </a:solidFill>
                 <a:latin typeface="Myriad Pro" panose="020B0503030403020204" pitchFamily="34" charset="0"/>
                 <a:ea typeface="ＭＳ Ｐゴシック" panose="020B0600070205080204" pitchFamily="34" charset="-128"/>
               </a:rPr>
-              <a:t>, el número de </a:t>
-            </a:r>
-            <a:r>
-              <a:rPr lang="es-CR" sz="1800" b="1" dirty="0">
+              <a:t> la función de pérdida. La idea es que, si la pérdida se reduce a un nivel aceptable, el modelo ha aprendido indirectamente la función que asigna entradas a salidas. En Keras, hay varias opciones para optimizar. Los optimizadores más utilizados son el </a:t>
+            </a:r>
+            <a:r>
+              <a:rPr lang="es-CR" sz="2000" b="1" dirty="0">
                 <a:solidFill>
                   <a:srgbClr val="595959"/>
                 </a:solidFill>
                 <a:latin typeface="Myriad Pro" panose="020B0503030403020204" pitchFamily="34" charset="0"/>
                 <a:ea typeface="ＭＳ Ｐゴシック" panose="020B0600070205080204" pitchFamily="34" charset="-128"/>
               </a:rPr>
-              <a:t>epochs</a:t>
-            </a:r>
-            <a:r>
-              <a:rPr lang="es-CR" sz="1800" dirty="0">
+              <a:t>descenso de gradiente estocástico (SGD)</a:t>
+            </a:r>
+            <a:r>
+              <a:rPr lang="es-CR" sz="2000" dirty="0">
                 <a:solidFill>
                   <a:srgbClr val="595959"/>
                 </a:solidFill>
                 <a:latin typeface="Myriad Pro" panose="020B0503030403020204" pitchFamily="34" charset="0"/>
                 <a:ea typeface="ＭＳ Ｐゴシック" panose="020B0600070205080204" pitchFamily="34" charset="-128"/>
               </a:rPr>
-              <a:t> para entrenar y el </a:t>
-            </a:r>
-            <a:r>
-              <a:rPr lang="es-CR" sz="1800" b="1" dirty="0">
+              <a:t>, los </a:t>
+            </a:r>
+            <a:r>
+              <a:rPr lang="es-CR" sz="2000" b="1" dirty="0">
                 <a:solidFill>
                   <a:srgbClr val="595959"/>
                 </a:solidFill>
                 <a:latin typeface="Myriad Pro" panose="020B0503030403020204" pitchFamily="34" charset="0"/>
                 <a:ea typeface="ＭＳ Ｐゴシック" panose="020B0600070205080204" pitchFamily="34" charset="-128"/>
               </a:rPr>
-              <a:t>tamaño</a:t>
-            </a:r>
-            <a:r>
-              <a:rPr lang="es-CR" sz="1800" dirty="0">
+              <a:t>momentos adaptativos (Adam) </a:t>
+            </a:r>
+            <a:r>
+              <a:rPr lang="es-CR" sz="2000" dirty="0">
                 <a:solidFill>
                   <a:srgbClr val="595959"/>
                 </a:solidFill>
                 <a:latin typeface="Myriad Pro" panose="020B0503030403020204" pitchFamily="34" charset="0"/>
                 <a:ea typeface="ＭＳ Ｐゴシック" panose="020B0600070205080204" pitchFamily="34" charset="-128"/>
               </a:rPr>
-              <a:t> del lote, </a:t>
-            </a:r>
-            <a:r>
-              <a:rPr lang="es-CR" sz="1800" dirty="0">
-                <a:solidFill>
-                  <a:srgbClr val="595959"/>
-                </a:solidFill>
-                <a:latin typeface="Courier" pitchFamily="2" charset="0"/>
-                <a:ea typeface="ＭＳ Ｐゴシック" panose="020B0600070205080204" pitchFamily="34" charset="-128"/>
-              </a:rPr>
-              <a:t>fit()</a:t>
-            </a:r>
-            <a:r>
-              <a:rPr lang="es-CR" sz="1800" dirty="0">
+              <a:t>y la </a:t>
+            </a:r>
+            <a:r>
+              <a:rPr lang="es-CR" sz="2000" b="1" dirty="0">
                 <a:solidFill>
                   <a:srgbClr val="595959"/>
                 </a:solidFill>
                 <a:latin typeface="Myriad Pro" panose="020B0503030403020204" pitchFamily="34" charset="0"/>
                 <a:ea typeface="ＭＳ Ｐゴシック" panose="020B0600070205080204" pitchFamily="34" charset="-128"/>
               </a:rPr>
-              <a:t> hace el resto. En otros marcos de deep learning, esto se traduce en múltiples tareas, como preparar los datos de entrada y salida en el formato adecuado, cargarlos, monitorearlos, etc. Todo esto dentro de un bucle </a:t>
-            </a:r>
-            <a:r>
-              <a:rPr lang="es-CR" sz="1800" dirty="0">
-                <a:solidFill>
-                  <a:srgbClr val="595959"/>
-                </a:solidFill>
-                <a:latin typeface="Courier" pitchFamily="2" charset="0"/>
-                <a:ea typeface="ＭＳ Ｐゴシック" panose="020B0600070205080204" pitchFamily="34" charset="-128"/>
-              </a:rPr>
-              <a:t>for</a:t>
-            </a:r>
-            <a:r>
-              <a:rPr lang="es-CR" sz="1800" dirty="0">
+              <a:t>propagación cuadrática media de raíz (RMSprop)</a:t>
+            </a:r>
+            <a:r>
+              <a:rPr lang="es-CR" sz="2000" dirty="0">
                 <a:solidFill>
                   <a:srgbClr val="595959"/>
                 </a:solidFill>
                 <a:latin typeface="Myriad Pro" panose="020B0503030403020204" pitchFamily="34" charset="0"/>
                 <a:ea typeface="ＭＳ Ｐゴシック" panose="020B0600070205080204" pitchFamily="34" charset="-128"/>
               </a:rPr>
-              <a:t>, sin embargo en Keras, todo se hace en una sola línea.</a:t>
-            </a:r>
-          </a:p>
-          <a:p>
-            <a:pPr marL="0" indent="0" algn="just">
-              <a:buNone/>
-            </a:pPr>
-            <a:endParaRPr lang="es-CR" sz="1800" dirty="0">
-              <a:solidFill>
-                <a:srgbClr val="595959"/>
-              </a:solidFill>
-              <a:latin typeface="Myriad Pro" panose="020B0503030403020204" pitchFamily="34" charset="0"/>
-              <a:ea typeface="ＭＳ Ｐゴシック" panose="020B0600070205080204" pitchFamily="34" charset="-128"/>
-            </a:endParaRPr>
-          </a:p>
-          <a:p>
-            <a:pPr marL="0" indent="0" algn="just">
-              <a:buNone/>
-            </a:pPr>
-            <a:r>
-              <a:rPr lang="es-CR" sz="1800" dirty="0">
-                <a:solidFill>
-                  <a:srgbClr val="595959"/>
-                </a:solidFill>
-                <a:latin typeface="Myriad Pro" panose="020B0503030403020204" pitchFamily="34" charset="0"/>
-                <a:ea typeface="ＭＳ Ｐゴシック" panose="020B0600070205080204" pitchFamily="34" charset="-128"/>
-              </a:rPr>
-              <a:t>En la función </a:t>
-            </a:r>
-            <a:r>
-              <a:rPr lang="es-CR" sz="1800" dirty="0">
-                <a:solidFill>
-                  <a:srgbClr val="595959"/>
-                </a:solidFill>
-                <a:latin typeface="Courier" pitchFamily="2" charset="0"/>
-                <a:ea typeface="ＭＳ Ｐゴシック" panose="020B0600070205080204" pitchFamily="34" charset="-128"/>
-              </a:rPr>
-              <a:t>fit()</a:t>
-            </a:r>
-            <a:r>
-              <a:rPr lang="es-CR" sz="1800" dirty="0">
-                <a:solidFill>
-                  <a:srgbClr val="595959"/>
-                </a:solidFill>
-                <a:latin typeface="Myriad Pro" panose="020B0503030403020204" pitchFamily="34" charset="0"/>
-                <a:ea typeface="ＭＳ Ｐゴシック" panose="020B0600070205080204" pitchFamily="34" charset="-128"/>
-              </a:rPr>
-              <a:t>, un epoch es el muestreo completo de todos los datos de entrenamiento. El parámetro </a:t>
-            </a:r>
-            <a:r>
-              <a:rPr lang="es-CR" sz="1800" b="1" dirty="0">
-                <a:solidFill>
-                  <a:srgbClr val="595959"/>
-                </a:solidFill>
-                <a:latin typeface="Courier" pitchFamily="2" charset="0"/>
-                <a:ea typeface="ＭＳ Ｐゴシック" panose="020B0600070205080204" pitchFamily="34" charset="-128"/>
-              </a:rPr>
-              <a:t>batch_size</a:t>
-            </a:r>
-            <a:r>
-              <a:rPr lang="es-CR" sz="1800" dirty="0">
-                <a:solidFill>
-                  <a:srgbClr val="595959"/>
-                </a:solidFill>
-                <a:latin typeface="Myriad Pro" panose="020B0503030403020204" pitchFamily="34" charset="0"/>
-                <a:ea typeface="ＭＳ Ｐゴシック" panose="020B0600070205080204" pitchFamily="34" charset="-128"/>
-              </a:rPr>
-              <a:t> es el tamaño de muestra del número de entradas a procesar en cada paso de entrenamiento. Para completar un epoch, </a:t>
-            </a:r>
-            <a:r>
-              <a:rPr lang="es-CR" sz="1800" dirty="0">
-                <a:solidFill>
-                  <a:srgbClr val="595959"/>
-                </a:solidFill>
-                <a:latin typeface="Courier" pitchFamily="2" charset="0"/>
-                <a:ea typeface="ＭＳ Ｐゴシック" panose="020B0600070205080204" pitchFamily="34" charset="-128"/>
-              </a:rPr>
-              <a:t>fit()</a:t>
-            </a:r>
-            <a:r>
-              <a:rPr lang="es-CR" sz="1800" dirty="0">
-                <a:solidFill>
-                  <a:srgbClr val="595959"/>
-                </a:solidFill>
-                <a:latin typeface="Myriad Pro" panose="020B0503030403020204" pitchFamily="34" charset="0"/>
-                <a:ea typeface="ＭＳ Ｐゴシック" panose="020B0600070205080204" pitchFamily="34" charset="-128"/>
-              </a:rPr>
-              <a:t> procesará el número de pasos igual al tamaño del conjunto de datos del entrenamiento dividido por el tamaño del lote más 1 para compensar cualquier parte fraccional.</a:t>
-            </a:r>
-          </a:p>
-          <a:p>
-            <a:pPr marL="0" indent="0" algn="just">
-              <a:buNone/>
-            </a:pPr>
-            <a:endParaRPr lang="es-CR" sz="2000" dirty="0">
-              <a:solidFill>
-                <a:srgbClr val="595959"/>
-              </a:solidFill>
-              <a:latin typeface="Myriad Pro" panose="020B0503030403020204" pitchFamily="34" charset="0"/>
-              <a:ea typeface="ＭＳ Ｐゴシック" panose="020B0600070205080204" pitchFamily="34" charset="-128"/>
-            </a:endParaRPr>
-          </a:p>
-          <a:p>
-            <a:pPr marL="0" indent="0" algn="just">
-              <a:buNone/>
-            </a:pPr>
-            <a:r>
-              <a:rPr lang="es-CR" sz="2000" dirty="0">
-                <a:solidFill>
-                  <a:srgbClr val="595959"/>
-                </a:solidFill>
-                <a:latin typeface="Myriad Pro" panose="020B0503030403020204" pitchFamily="34" charset="0"/>
-                <a:ea typeface="ＭＳ Ｐゴシック" panose="020B0600070205080204" pitchFamily="34" charset="-128"/>
-              </a:rPr>
-              <a:t> </a:t>
-            </a:r>
-          </a:p>
-          <a:p>
-            <a:pPr marL="0" indent="0" algn="just">
-              <a:buNone/>
-            </a:pPr>
-            <a:endParaRPr lang="es-CR" sz="2000" dirty="0">
-              <a:solidFill>
-                <a:srgbClr val="595959"/>
-              </a:solidFill>
-              <a:latin typeface="Myriad Pro" panose="020B0503030403020204" pitchFamily="34" charset="0"/>
-              <a:ea typeface="ＭＳ Ｐゴシック" panose="020B0600070205080204" pitchFamily="34" charset="-128"/>
-            </a:endParaRPr>
-          </a:p>
-          <a:p>
-            <a:pPr marL="0" indent="0" algn="just">
-              <a:buNone/>
-            </a:pPr>
-            <a:endParaRPr lang="es-CR" sz="2000" dirty="0">
-              <a:solidFill>
-                <a:srgbClr val="595959"/>
-              </a:solidFill>
-              <a:latin typeface="Myriad Pro" panose="020B0503030403020204" pitchFamily="34" charset="0"/>
-              <a:ea typeface="ＭＳ Ｐゴシック" panose="020B0600070205080204" pitchFamily="34" charset="-128"/>
-            </a:endParaRPr>
+              <a:t>. Cada optimizador presenta parámetros ajustables como la tasa de aprendizaje, el impulso y el decaimiento. Adam y RMSprop son variaciones de SGD con tasas de aprendizaje adaptativo. En la red de clasificadores propuesta, se utiliza Adam ya que tiene la mayor precisión de prueba.</a:t>
+            </a:r>
           </a:p>
         </p:txBody>
       </p:sp>
     </p:spTree>
     <p:extLst>
       <p:ext uri="{BB962C8B-B14F-4D97-AF65-F5344CB8AC3E}">
-        <p14:creationId xmlns:p14="http://schemas.microsoft.com/office/powerpoint/2010/main" val="1290809786"/>
+        <p14:creationId xmlns:p14="http://schemas.microsoft.com/office/powerpoint/2010/main" val="2673813964"/>
       </p:ext>
     </p:extLst>
   </p:cSld>
@@ -12717,6 +12691,692 @@
             <p:ph type="title"/>
           </p:nvPr>
         </p:nvSpPr>
+        <p:spPr>
+          <a:xfrm>
+            <a:off x="200722" y="266818"/>
+            <a:ext cx="8742556" cy="857250"/>
+          </a:xfrm>
+        </p:spPr>
+        <p:txBody>
+          <a:bodyPr/>
+          <a:lstStyle/>
+          <a:p>
+            <a:r>
+              <a:rPr lang="es-ES" altLang="es-CR" sz="3200" b="1" dirty="0">
+                <a:solidFill>
+                  <a:srgbClr val="7F7F7F"/>
+                </a:solidFill>
+                <a:latin typeface="Century Gothic" panose="020B0502020202020204" pitchFamily="34" charset="0"/>
+                <a:ea typeface="ＭＳ Ｐゴシック" panose="020B0600070205080204" pitchFamily="34" charset="-128"/>
+              </a:rPr>
+              <a:t>Optimización</a:t>
+            </a:r>
+            <a:endParaRPr lang="es-CR" sz="3200" b="1" dirty="0">
+              <a:latin typeface="Century Gothic" panose="020B0502020202020204" pitchFamily="34" charset="0"/>
+            </a:endParaRPr>
+          </a:p>
+        </p:txBody>
+      </p:sp>
+      <p:sp>
+        <p:nvSpPr>
+          <p:cNvPr id="4" name="Marcador de número de diapositiva 3">
+            <a:extLst>
+              <a:ext uri="{FF2B5EF4-FFF2-40B4-BE49-F238E27FC236}">
+                <a16:creationId xmlns:a16="http://schemas.microsoft.com/office/drawing/2014/main" id="{4BDFF57A-6F25-D543-9D35-AA774F537E2E}"/>
+              </a:ext>
+            </a:extLst>
+          </p:cNvPr>
+          <p:cNvSpPr>
+            <a:spLocks noGrp="1"/>
+          </p:cNvSpPr>
+          <p:nvPr>
+            <p:ph type="sldNum" sz="quarter" idx="12"/>
+          </p:nvPr>
+        </p:nvSpPr>
+        <p:spPr/>
+        <p:txBody>
+          <a:bodyPr/>
+          <a:lstStyle/>
+          <a:p>
+            <a:fld id="{4624E98C-54E1-8F4C-9379-6BF7059E518B}" type="slidenum">
+              <a:rPr lang="en-US" altLang="es-CR" smtClean="0"/>
+              <a:pPr/>
+              <a:t>22</a:t>
+            </a:fld>
+            <a:endParaRPr lang="en-US" altLang="es-CR"/>
+          </a:p>
+        </p:txBody>
+      </p:sp>
+      <p:sp>
+        <p:nvSpPr>
+          <p:cNvPr id="6" name="Marcador de contenido 5">
+            <a:extLst>
+              <a:ext uri="{FF2B5EF4-FFF2-40B4-BE49-F238E27FC236}">
+                <a16:creationId xmlns:a16="http://schemas.microsoft.com/office/drawing/2014/main" id="{D9596168-69A3-B943-9A6C-BA8A1F6BC4B3}"/>
+              </a:ext>
+            </a:extLst>
+          </p:cNvPr>
+          <p:cNvSpPr>
+            <a:spLocks noGrp="1"/>
+          </p:cNvSpPr>
+          <p:nvPr>
+            <p:ph idx="1"/>
+          </p:nvPr>
+        </p:nvSpPr>
+        <p:spPr>
+          <a:xfrm>
+            <a:off x="200722" y="1124068"/>
+            <a:ext cx="8742555" cy="3634856"/>
+          </a:xfrm>
+        </p:spPr>
+        <p:txBody>
+          <a:bodyPr/>
+          <a:lstStyle/>
+          <a:p>
+            <a:pPr marL="0" indent="0" algn="just">
+              <a:buNone/>
+            </a:pPr>
+            <a:r>
+              <a:rPr lang="es-CR" sz="2000" dirty="0">
+                <a:solidFill>
+                  <a:srgbClr val="595959"/>
+                </a:solidFill>
+                <a:latin typeface="Myriad Pro" panose="020B0503030403020204" pitchFamily="34" charset="0"/>
+                <a:ea typeface="ＭＳ Ｐゴシック" panose="020B0600070205080204" pitchFamily="34" charset="-128"/>
+              </a:rPr>
+              <a:t>SGD se considera el optimizador más fundamental. Es una versión más simple del descenso de gradientes en cálculo. </a:t>
+            </a:r>
+          </a:p>
+          <a:p>
+            <a:pPr marL="0" indent="0" algn="just">
+              <a:buNone/>
+            </a:pPr>
+            <a:endParaRPr lang="es-CR" sz="2000" dirty="0">
+              <a:solidFill>
+                <a:srgbClr val="595959"/>
+              </a:solidFill>
+              <a:latin typeface="Myriad Pro" panose="020B0503030403020204" pitchFamily="34" charset="0"/>
+              <a:ea typeface="ＭＳ Ｐゴシック" panose="020B0600070205080204" pitchFamily="34" charset="-128"/>
+            </a:endParaRPr>
+          </a:p>
+          <a:p>
+            <a:pPr marL="0" indent="0" algn="just">
+              <a:buNone/>
+            </a:pPr>
+            <a:r>
+              <a:rPr lang="es-CR" sz="2000" dirty="0">
+                <a:solidFill>
+                  <a:srgbClr val="595959"/>
+                </a:solidFill>
+                <a:latin typeface="Myriad Pro" panose="020B0503030403020204" pitchFamily="34" charset="0"/>
+                <a:ea typeface="ＭＳ Ｐゴシック" panose="020B0600070205080204" pitchFamily="34" charset="-128"/>
+              </a:rPr>
+              <a:t>Dado que la optimización se basa en la diferenciación, se deduce que un criterio importante de la </a:t>
+            </a:r>
+            <a:r>
+              <a:rPr lang="es-CR" sz="2000" b="1" dirty="0">
+                <a:solidFill>
+                  <a:srgbClr val="595959"/>
+                </a:solidFill>
+                <a:latin typeface="Myriad Pro" panose="020B0503030403020204" pitchFamily="34" charset="0"/>
+                <a:ea typeface="ＭＳ Ｐゴシック" panose="020B0600070205080204" pitchFamily="34" charset="-128"/>
+              </a:rPr>
+              <a:t>función de pérdida</a:t>
+            </a:r>
+            <a:r>
+              <a:rPr lang="es-CR" sz="2000" dirty="0">
+                <a:solidFill>
+                  <a:srgbClr val="595959"/>
+                </a:solidFill>
+                <a:latin typeface="Myriad Pro" panose="020B0503030403020204" pitchFamily="34" charset="0"/>
+                <a:ea typeface="ＭＳ Ｐゴシック" panose="020B0600070205080204" pitchFamily="34" charset="-128"/>
+              </a:rPr>
+              <a:t> es que debe ser </a:t>
+            </a:r>
+            <a:r>
+              <a:rPr lang="es-CR" sz="2000" b="1" dirty="0">
+                <a:solidFill>
+                  <a:srgbClr val="595959"/>
+                </a:solidFill>
+                <a:latin typeface="Myriad Pro" panose="020B0503030403020204" pitchFamily="34" charset="0"/>
+                <a:ea typeface="ＭＳ Ｐゴシック" panose="020B0600070205080204" pitchFamily="34" charset="-128"/>
+              </a:rPr>
+              <a:t>suave o diferenciable.</a:t>
+            </a:r>
+            <a:r>
+              <a:rPr lang="es-CR" sz="2000" dirty="0">
+                <a:solidFill>
+                  <a:srgbClr val="595959"/>
+                </a:solidFill>
+                <a:latin typeface="Myriad Pro" panose="020B0503030403020204" pitchFamily="34" charset="0"/>
+                <a:ea typeface="ＭＳ Ｐゴシック" panose="020B0600070205080204" pitchFamily="34" charset="-128"/>
+              </a:rPr>
+              <a:t> Esta es una importante restricción a tener en cuenta al introducir una nueva función de pérdida.</a:t>
+            </a:r>
+          </a:p>
+          <a:p>
+            <a:pPr marL="0" indent="0" algn="just">
+              <a:buNone/>
+            </a:pPr>
+            <a:endParaRPr lang="es-CR" sz="2000" dirty="0">
+              <a:solidFill>
+                <a:srgbClr val="595959"/>
+              </a:solidFill>
+              <a:latin typeface="Myriad Pro" panose="020B0503030403020204" pitchFamily="34" charset="0"/>
+              <a:ea typeface="ＭＳ Ｐゴシック" panose="020B0600070205080204" pitchFamily="34" charset="-128"/>
+            </a:endParaRPr>
+          </a:p>
+          <a:p>
+            <a:pPr marL="0" indent="0" algn="just">
+              <a:buNone/>
+            </a:pPr>
+            <a:r>
+              <a:rPr lang="es-CR" sz="2000" dirty="0">
+                <a:solidFill>
+                  <a:srgbClr val="595959"/>
+                </a:solidFill>
+                <a:latin typeface="Myriad Pro" panose="020B0503030403020204" pitchFamily="34" charset="0"/>
+                <a:ea typeface="ＭＳ Ｐゴシック" panose="020B0600070205080204" pitchFamily="34" charset="-128"/>
+              </a:rPr>
+              <a:t>Dado el conjunto de datos de entrenamiento, la elección de la función de pérdida, el optimizador y el regularizador, el modelo ahora se puede entrenar llamando a la función </a:t>
+            </a:r>
+            <a:r>
+              <a:rPr lang="es-CR" sz="2000" dirty="0">
+                <a:solidFill>
+                  <a:srgbClr val="595959"/>
+                </a:solidFill>
+                <a:latin typeface="Courier" pitchFamily="2" charset="0"/>
+                <a:ea typeface="ＭＳ Ｐゴシック" panose="020B0600070205080204" pitchFamily="34" charset="-128"/>
+              </a:rPr>
+              <a:t>fit()</a:t>
+            </a:r>
+          </a:p>
+          <a:p>
+            <a:pPr marL="0" indent="0" algn="just">
+              <a:buNone/>
+            </a:pPr>
+            <a:endParaRPr lang="es-CR" sz="2000" dirty="0">
+              <a:solidFill>
+                <a:srgbClr val="595959"/>
+              </a:solidFill>
+              <a:latin typeface="Myriad Pro" panose="020B0503030403020204" pitchFamily="34" charset="0"/>
+              <a:ea typeface="ＭＳ Ｐゴシック" panose="020B0600070205080204" pitchFamily="34" charset="-128"/>
+            </a:endParaRPr>
+          </a:p>
+          <a:p>
+            <a:pPr marL="0" indent="0" algn="just">
+              <a:buNone/>
+            </a:pPr>
+            <a:endParaRPr lang="es-CR" sz="2000" dirty="0">
+              <a:solidFill>
+                <a:srgbClr val="595959"/>
+              </a:solidFill>
+              <a:latin typeface="Myriad Pro" panose="020B0503030403020204" pitchFamily="34" charset="0"/>
+              <a:ea typeface="ＭＳ Ｐゴシック" panose="020B0600070205080204" pitchFamily="34" charset="-128"/>
+            </a:endParaRPr>
+          </a:p>
+          <a:p>
+            <a:pPr marL="0" indent="0" algn="just">
+              <a:buNone/>
+            </a:pPr>
+            <a:endParaRPr lang="es-CR" sz="2000" dirty="0">
+              <a:solidFill>
+                <a:srgbClr val="595959"/>
+              </a:solidFill>
+              <a:latin typeface="Myriad Pro" panose="020B0503030403020204" pitchFamily="34" charset="0"/>
+              <a:ea typeface="ＭＳ Ｐゴシック" panose="020B0600070205080204" pitchFamily="34" charset="-128"/>
+            </a:endParaRPr>
+          </a:p>
+        </p:txBody>
+      </p:sp>
+    </p:spTree>
+    <p:extLst>
+      <p:ext uri="{BB962C8B-B14F-4D97-AF65-F5344CB8AC3E}">
+        <p14:creationId xmlns:p14="http://schemas.microsoft.com/office/powerpoint/2010/main" val="2598740980"/>
+      </p:ext>
+    </p:extLst>
+  </p:cSld>
+  <p:clrMapOvr>
+    <a:masterClrMapping/>
+  </p:clrMapOvr>
+</p:sld>
+</file>
+
+<file path=ppt/slides/slide23.xml><?xml version="1.0" encoding="utf-8"?>
+<p:sld xmlns:a="http://schemas.openxmlformats.org/drawingml/2006/main" xmlns:r="http://schemas.openxmlformats.org/officeDocument/2006/relationships" xmlns:p="http://schemas.openxmlformats.org/presentationml/2006/main">
+  <p:cSld>
+    <p:spTree>
+      <p:nvGrpSpPr>
+        <p:cNvPr id="1" name=""/>
+        <p:cNvGrpSpPr/>
+        <p:nvPr/>
+      </p:nvGrpSpPr>
+      <p:grpSpPr>
+        <a:xfrm>
+          <a:off x="0" y="0"/>
+          <a:ext cx="0" cy="0"/>
+          <a:chOff x="0" y="0"/>
+          <a:chExt cx="0" cy="0"/>
+        </a:xfrm>
+      </p:grpSpPr>
+      <p:sp>
+        <p:nvSpPr>
+          <p:cNvPr id="2" name="Título 1">
+            <a:extLst>
+              <a:ext uri="{FF2B5EF4-FFF2-40B4-BE49-F238E27FC236}">
+                <a16:creationId xmlns:a16="http://schemas.microsoft.com/office/drawing/2014/main" id="{71E7B82D-0842-2043-82AD-93D263AFEAD8}"/>
+              </a:ext>
+            </a:extLst>
+          </p:cNvPr>
+          <p:cNvSpPr>
+            <a:spLocks noGrp="1"/>
+          </p:cNvSpPr>
+          <p:nvPr>
+            <p:ph type="title"/>
+          </p:nvPr>
+        </p:nvSpPr>
+        <p:spPr>
+          <a:xfrm>
+            <a:off x="200722" y="266818"/>
+            <a:ext cx="8742556" cy="857250"/>
+          </a:xfrm>
+        </p:spPr>
+        <p:txBody>
+          <a:bodyPr/>
+          <a:lstStyle/>
+          <a:p>
+            <a:r>
+              <a:rPr lang="es-ES" altLang="es-CR" sz="3200" b="1" dirty="0">
+                <a:solidFill>
+                  <a:srgbClr val="7F7F7F"/>
+                </a:solidFill>
+                <a:latin typeface="Century Gothic" panose="020B0502020202020204" pitchFamily="34" charset="0"/>
+                <a:ea typeface="ＭＳ Ｐゴシック" panose="020B0600070205080204" pitchFamily="34" charset="-128"/>
+              </a:rPr>
+              <a:t>Optimización</a:t>
+            </a:r>
+            <a:endParaRPr lang="es-CR" sz="3200" b="1" dirty="0">
+              <a:latin typeface="Century Gothic" panose="020B0502020202020204" pitchFamily="34" charset="0"/>
+            </a:endParaRPr>
+          </a:p>
+        </p:txBody>
+      </p:sp>
+      <p:sp>
+        <p:nvSpPr>
+          <p:cNvPr id="4" name="Marcador de número de diapositiva 3">
+            <a:extLst>
+              <a:ext uri="{FF2B5EF4-FFF2-40B4-BE49-F238E27FC236}">
+                <a16:creationId xmlns:a16="http://schemas.microsoft.com/office/drawing/2014/main" id="{4BDFF57A-6F25-D543-9D35-AA774F537E2E}"/>
+              </a:ext>
+            </a:extLst>
+          </p:cNvPr>
+          <p:cNvSpPr>
+            <a:spLocks noGrp="1"/>
+          </p:cNvSpPr>
+          <p:nvPr>
+            <p:ph type="sldNum" sz="quarter" idx="12"/>
+          </p:nvPr>
+        </p:nvSpPr>
+        <p:spPr/>
+        <p:txBody>
+          <a:bodyPr/>
+          <a:lstStyle/>
+          <a:p>
+            <a:fld id="{4624E98C-54E1-8F4C-9379-6BF7059E518B}" type="slidenum">
+              <a:rPr lang="en-US" altLang="es-CR" smtClean="0"/>
+              <a:pPr/>
+              <a:t>23</a:t>
+            </a:fld>
+            <a:endParaRPr lang="en-US" altLang="es-CR"/>
+          </a:p>
+        </p:txBody>
+      </p:sp>
+      <p:sp>
+        <p:nvSpPr>
+          <p:cNvPr id="6" name="Marcador de contenido 5">
+            <a:extLst>
+              <a:ext uri="{FF2B5EF4-FFF2-40B4-BE49-F238E27FC236}">
+                <a16:creationId xmlns:a16="http://schemas.microsoft.com/office/drawing/2014/main" id="{D9596168-69A3-B943-9A6C-BA8A1F6BC4B3}"/>
+              </a:ext>
+            </a:extLst>
+          </p:cNvPr>
+          <p:cNvSpPr>
+            <a:spLocks noGrp="1"/>
+          </p:cNvSpPr>
+          <p:nvPr>
+            <p:ph idx="1"/>
+          </p:nvPr>
+        </p:nvSpPr>
+        <p:spPr>
+          <a:xfrm>
+            <a:off x="200722" y="1124068"/>
+            <a:ext cx="8742555" cy="3634856"/>
+          </a:xfrm>
+        </p:spPr>
+        <p:txBody>
+          <a:bodyPr/>
+          <a:lstStyle/>
+          <a:p>
+            <a:pPr marL="0" indent="0" algn="just">
+              <a:buNone/>
+            </a:pPr>
+            <a:r>
+              <a:rPr lang="es-CR" sz="1800" dirty="0">
+                <a:solidFill>
+                  <a:srgbClr val="595959"/>
+                </a:solidFill>
+                <a:latin typeface="Myriad Pro" panose="020B0503030403020204" pitchFamily="34" charset="0"/>
+                <a:ea typeface="ＭＳ Ｐゴシック" panose="020B0600070205080204" pitchFamily="34" charset="-128"/>
+              </a:rPr>
+              <a:t>Una característica útil de Keras es que, con solo proporcionar los datos </a:t>
+            </a:r>
+            <a:r>
+              <a:rPr lang="es-CR" sz="1800" b="1" dirty="0">
+                <a:solidFill>
+                  <a:srgbClr val="595959"/>
+                </a:solidFill>
+                <a:latin typeface="Courier" pitchFamily="2" charset="0"/>
+                <a:ea typeface="ＭＳ Ｐゴシック" panose="020B0600070205080204" pitchFamily="34" charset="-128"/>
+              </a:rPr>
+              <a:t>x</a:t>
+            </a:r>
+            <a:r>
+              <a:rPr lang="es-CR" sz="1800" dirty="0">
+                <a:solidFill>
+                  <a:srgbClr val="595959"/>
+                </a:solidFill>
+                <a:latin typeface="Myriad Pro" panose="020B0503030403020204" pitchFamily="34" charset="0"/>
+                <a:ea typeface="ＭＳ Ｐゴシック" panose="020B0600070205080204" pitchFamily="34" charset="-128"/>
+              </a:rPr>
+              <a:t> y </a:t>
+            </a:r>
+            <a:r>
+              <a:rPr lang="es-CR" sz="1800" b="1" dirty="0">
+                <a:solidFill>
+                  <a:srgbClr val="595959"/>
+                </a:solidFill>
+                <a:latin typeface="Courier" pitchFamily="2" charset="0"/>
+                <a:ea typeface="ＭＳ Ｐゴシック" panose="020B0600070205080204" pitchFamily="34" charset="-128"/>
+              </a:rPr>
+              <a:t>y</a:t>
+            </a:r>
+            <a:r>
+              <a:rPr lang="es-CR" sz="1800" dirty="0">
+                <a:solidFill>
+                  <a:srgbClr val="595959"/>
+                </a:solidFill>
+                <a:latin typeface="Myriad Pro" panose="020B0503030403020204" pitchFamily="34" charset="0"/>
+                <a:ea typeface="ＭＳ Ｐゴシック" panose="020B0600070205080204" pitchFamily="34" charset="-128"/>
+              </a:rPr>
+              <a:t>, el número de </a:t>
+            </a:r>
+            <a:r>
+              <a:rPr lang="es-CR" sz="1800" b="1" dirty="0">
+                <a:solidFill>
+                  <a:srgbClr val="595959"/>
+                </a:solidFill>
+                <a:latin typeface="Myriad Pro" panose="020B0503030403020204" pitchFamily="34" charset="0"/>
+                <a:ea typeface="ＭＳ Ｐゴシック" panose="020B0600070205080204" pitchFamily="34" charset="-128"/>
+              </a:rPr>
+              <a:t>epochs</a:t>
+            </a:r>
+            <a:r>
+              <a:rPr lang="es-CR" sz="1800" dirty="0">
+                <a:solidFill>
+                  <a:srgbClr val="595959"/>
+                </a:solidFill>
+                <a:latin typeface="Myriad Pro" panose="020B0503030403020204" pitchFamily="34" charset="0"/>
+                <a:ea typeface="ＭＳ Ｐゴシック" panose="020B0600070205080204" pitchFamily="34" charset="-128"/>
+              </a:rPr>
+              <a:t> para entrenar y el </a:t>
+            </a:r>
+            <a:r>
+              <a:rPr lang="es-CR" sz="1800" b="1" dirty="0">
+                <a:solidFill>
+                  <a:srgbClr val="595959"/>
+                </a:solidFill>
+                <a:latin typeface="Myriad Pro" panose="020B0503030403020204" pitchFamily="34" charset="0"/>
+                <a:ea typeface="ＭＳ Ｐゴシック" panose="020B0600070205080204" pitchFamily="34" charset="-128"/>
+              </a:rPr>
+              <a:t>tamaño</a:t>
+            </a:r>
+            <a:r>
+              <a:rPr lang="es-CR" sz="1800" dirty="0">
+                <a:solidFill>
+                  <a:srgbClr val="595959"/>
+                </a:solidFill>
+                <a:latin typeface="Myriad Pro" panose="020B0503030403020204" pitchFamily="34" charset="0"/>
+                <a:ea typeface="ＭＳ Ｐゴシック" panose="020B0600070205080204" pitchFamily="34" charset="-128"/>
+              </a:rPr>
+              <a:t> del lote, </a:t>
+            </a:r>
+            <a:r>
+              <a:rPr lang="es-CR" sz="1800" dirty="0">
+                <a:solidFill>
+                  <a:srgbClr val="595959"/>
+                </a:solidFill>
+                <a:latin typeface="Courier" pitchFamily="2" charset="0"/>
+                <a:ea typeface="ＭＳ Ｐゴシック" panose="020B0600070205080204" pitchFamily="34" charset="-128"/>
+              </a:rPr>
+              <a:t>fit()</a:t>
+            </a:r>
+            <a:r>
+              <a:rPr lang="es-CR" sz="1800" dirty="0">
+                <a:solidFill>
+                  <a:srgbClr val="595959"/>
+                </a:solidFill>
+                <a:latin typeface="Myriad Pro" panose="020B0503030403020204" pitchFamily="34" charset="0"/>
+                <a:ea typeface="ＭＳ Ｐゴシック" panose="020B0600070205080204" pitchFamily="34" charset="-128"/>
+              </a:rPr>
+              <a:t> hace el resto. En otros marcos de deep learning, esto se traduce en múltiples tareas, como preparar los datos de entrada y salida en el formato adecuado, cargarlos, monitorearlos, etc. Todo esto dentro de un bucle </a:t>
+            </a:r>
+            <a:r>
+              <a:rPr lang="es-CR" sz="1800" dirty="0">
+                <a:solidFill>
+                  <a:srgbClr val="595959"/>
+                </a:solidFill>
+                <a:latin typeface="Courier" pitchFamily="2" charset="0"/>
+                <a:ea typeface="ＭＳ Ｐゴシック" panose="020B0600070205080204" pitchFamily="34" charset="-128"/>
+              </a:rPr>
+              <a:t>for</a:t>
+            </a:r>
+            <a:r>
+              <a:rPr lang="es-CR" sz="1800" dirty="0">
+                <a:solidFill>
+                  <a:srgbClr val="595959"/>
+                </a:solidFill>
+                <a:latin typeface="Myriad Pro" panose="020B0503030403020204" pitchFamily="34" charset="0"/>
+                <a:ea typeface="ＭＳ Ｐゴシック" panose="020B0600070205080204" pitchFamily="34" charset="-128"/>
+              </a:rPr>
+              <a:t>, sin embargo en Keras, todo se hace en una sola línea.</a:t>
+            </a:r>
+          </a:p>
+          <a:p>
+            <a:pPr marL="0" indent="0" algn="just">
+              <a:buNone/>
+            </a:pPr>
+            <a:endParaRPr lang="es-CR" sz="1800" dirty="0">
+              <a:solidFill>
+                <a:srgbClr val="595959"/>
+              </a:solidFill>
+              <a:latin typeface="Myriad Pro" panose="020B0503030403020204" pitchFamily="34" charset="0"/>
+              <a:ea typeface="ＭＳ Ｐゴシック" panose="020B0600070205080204" pitchFamily="34" charset="-128"/>
+            </a:endParaRPr>
+          </a:p>
+          <a:p>
+            <a:pPr marL="0" indent="0" algn="just">
+              <a:buNone/>
+            </a:pPr>
+            <a:r>
+              <a:rPr lang="es-CR" sz="1800" dirty="0">
+                <a:solidFill>
+                  <a:srgbClr val="595959"/>
+                </a:solidFill>
+                <a:latin typeface="Myriad Pro" panose="020B0503030403020204" pitchFamily="34" charset="0"/>
+                <a:ea typeface="ＭＳ Ｐゴシック" panose="020B0600070205080204" pitchFamily="34" charset="-128"/>
+              </a:rPr>
+              <a:t>En la función </a:t>
+            </a:r>
+            <a:r>
+              <a:rPr lang="es-CR" sz="1800" dirty="0">
+                <a:solidFill>
+                  <a:srgbClr val="595959"/>
+                </a:solidFill>
+                <a:latin typeface="Courier" pitchFamily="2" charset="0"/>
+                <a:ea typeface="ＭＳ Ｐゴシック" panose="020B0600070205080204" pitchFamily="34" charset="-128"/>
+              </a:rPr>
+              <a:t>fit()</a:t>
+            </a:r>
+            <a:r>
+              <a:rPr lang="es-CR" sz="1800" dirty="0">
+                <a:solidFill>
+                  <a:srgbClr val="595959"/>
+                </a:solidFill>
+                <a:latin typeface="Myriad Pro" panose="020B0503030403020204" pitchFamily="34" charset="0"/>
+                <a:ea typeface="ＭＳ Ｐゴシック" panose="020B0600070205080204" pitchFamily="34" charset="-128"/>
+              </a:rPr>
+              <a:t>, un epoch es el muestreo completo de todos los datos de entrenamiento. El parámetro </a:t>
+            </a:r>
+            <a:r>
+              <a:rPr lang="es-CR" sz="1800" b="1" dirty="0">
+                <a:solidFill>
+                  <a:srgbClr val="595959"/>
+                </a:solidFill>
+                <a:latin typeface="Courier" pitchFamily="2" charset="0"/>
+                <a:ea typeface="ＭＳ Ｐゴシック" panose="020B0600070205080204" pitchFamily="34" charset="-128"/>
+              </a:rPr>
+              <a:t>batch_size</a:t>
+            </a:r>
+            <a:r>
+              <a:rPr lang="es-CR" sz="1800" dirty="0">
+                <a:solidFill>
+                  <a:srgbClr val="595959"/>
+                </a:solidFill>
+                <a:latin typeface="Myriad Pro" panose="020B0503030403020204" pitchFamily="34" charset="0"/>
+                <a:ea typeface="ＭＳ Ｐゴシック" panose="020B0600070205080204" pitchFamily="34" charset="-128"/>
+              </a:rPr>
+              <a:t> es el tamaño de muestra del número de entradas a procesar en cada paso de entrenamiento. Para completar un epoch, </a:t>
+            </a:r>
+            <a:r>
+              <a:rPr lang="es-CR" sz="1800" dirty="0">
+                <a:solidFill>
+                  <a:srgbClr val="595959"/>
+                </a:solidFill>
+                <a:latin typeface="Courier" pitchFamily="2" charset="0"/>
+                <a:ea typeface="ＭＳ Ｐゴシック" panose="020B0600070205080204" pitchFamily="34" charset="-128"/>
+              </a:rPr>
+              <a:t>fit()</a:t>
+            </a:r>
+            <a:r>
+              <a:rPr lang="es-CR" sz="1800" dirty="0">
+                <a:solidFill>
+                  <a:srgbClr val="595959"/>
+                </a:solidFill>
+                <a:latin typeface="Myriad Pro" panose="020B0503030403020204" pitchFamily="34" charset="0"/>
+                <a:ea typeface="ＭＳ Ｐゴシック" panose="020B0600070205080204" pitchFamily="34" charset="-128"/>
+              </a:rPr>
+              <a:t> procesará el número de pasos igual al tamaño del conjunto de datos del entrenamiento dividido por el tamaño del lote más 1 para compensar cualquier parte fraccional.</a:t>
+            </a:r>
+          </a:p>
+          <a:p>
+            <a:pPr marL="0" indent="0" algn="just">
+              <a:buNone/>
+            </a:pPr>
+            <a:endParaRPr lang="es-CR" sz="2000" dirty="0">
+              <a:solidFill>
+                <a:srgbClr val="595959"/>
+              </a:solidFill>
+              <a:latin typeface="Myriad Pro" panose="020B0503030403020204" pitchFamily="34" charset="0"/>
+              <a:ea typeface="ＭＳ Ｐゴシック" panose="020B0600070205080204" pitchFamily="34" charset="-128"/>
+            </a:endParaRPr>
+          </a:p>
+          <a:p>
+            <a:pPr marL="0" indent="0" algn="just">
+              <a:buNone/>
+            </a:pPr>
+            <a:r>
+              <a:rPr lang="es-CR" sz="2000" dirty="0">
+                <a:solidFill>
+                  <a:srgbClr val="595959"/>
+                </a:solidFill>
+                <a:latin typeface="Myriad Pro" panose="020B0503030403020204" pitchFamily="34" charset="0"/>
+                <a:ea typeface="ＭＳ Ｐゴシック" panose="020B0600070205080204" pitchFamily="34" charset="-128"/>
+              </a:rPr>
+              <a:t> </a:t>
+            </a:r>
+          </a:p>
+          <a:p>
+            <a:pPr marL="0" indent="0" algn="just">
+              <a:buNone/>
+            </a:pPr>
+            <a:endParaRPr lang="es-CR" sz="2000" dirty="0">
+              <a:solidFill>
+                <a:srgbClr val="595959"/>
+              </a:solidFill>
+              <a:latin typeface="Myriad Pro" panose="020B0503030403020204" pitchFamily="34" charset="0"/>
+              <a:ea typeface="ＭＳ Ｐゴシック" panose="020B0600070205080204" pitchFamily="34" charset="-128"/>
+            </a:endParaRPr>
+          </a:p>
+          <a:p>
+            <a:pPr marL="0" indent="0" algn="just">
+              <a:buNone/>
+            </a:pPr>
+            <a:endParaRPr lang="es-CR" sz="2000" dirty="0">
+              <a:solidFill>
+                <a:srgbClr val="595959"/>
+              </a:solidFill>
+              <a:latin typeface="Myriad Pro" panose="020B0503030403020204" pitchFamily="34" charset="0"/>
+              <a:ea typeface="ＭＳ Ｐゴシック" panose="020B0600070205080204" pitchFamily="34" charset="-128"/>
+            </a:endParaRPr>
+          </a:p>
+        </p:txBody>
+      </p:sp>
+    </p:spTree>
+    <p:extLst>
+      <p:ext uri="{BB962C8B-B14F-4D97-AF65-F5344CB8AC3E}">
+        <p14:creationId xmlns:p14="http://schemas.microsoft.com/office/powerpoint/2010/main" val="1290809786"/>
+      </p:ext>
+    </p:extLst>
+  </p:cSld>
+  <p:clrMapOvr>
+    <a:masterClrMapping/>
+  </p:clrMapOvr>
+</p:sld>
+</file>
+
+<file path=ppt/slides/slide24.xml><?xml version="1.0" encoding="utf-8"?>
+<p:sld xmlns:a="http://schemas.openxmlformats.org/drawingml/2006/main" xmlns:r="http://schemas.openxmlformats.org/officeDocument/2006/relationships" xmlns:p="http://schemas.openxmlformats.org/presentationml/2006/main">
+  <p:cSld>
+    <p:spTree>
+      <p:nvGrpSpPr>
+        <p:cNvPr id="1" name=""/>
+        <p:cNvGrpSpPr/>
+        <p:nvPr/>
+      </p:nvGrpSpPr>
+      <p:grpSpPr>
+        <a:xfrm>
+          <a:off x="0" y="0"/>
+          <a:ext cx="0" cy="0"/>
+          <a:chOff x="0" y="0"/>
+          <a:chExt cx="0" cy="0"/>
+        </a:xfrm>
+      </p:grpSpPr>
+      <p:sp>
+        <p:nvSpPr>
+          <p:cNvPr id="2" name="Título 1">
+            <a:extLst>
+              <a:ext uri="{FF2B5EF4-FFF2-40B4-BE49-F238E27FC236}">
+                <a16:creationId xmlns:a16="http://schemas.microsoft.com/office/drawing/2014/main" id="{71E7B82D-0842-2043-82AD-93D263AFEAD8}"/>
+              </a:ext>
+            </a:extLst>
+          </p:cNvPr>
+          <p:cNvSpPr>
+            <a:spLocks noGrp="1"/>
+          </p:cNvSpPr>
+          <p:nvPr>
+            <p:ph type="title"/>
+          </p:nvPr>
+        </p:nvSpPr>
         <p:spPr/>
         <p:txBody>
           <a:bodyPr/>
@@ -12916,7 +13576,7 @@
             <a:fld id="{4624E98C-54E1-8F4C-9379-6BF7059E518B}" type="slidenum">
               <a:rPr lang="en-US" altLang="es-CR" smtClean="0"/>
               <a:pPr/>
-              <a:t>22</a:t>
+              <a:t>24</a:t>
             </a:fld>
             <a:endParaRPr lang="en-US" altLang="es-CR"/>
           </a:p>
@@ -14331,7 +14991,7 @@
 </p:sld>
 </file>
 
-<file path=ppt/slides/slide23.xml><?xml version="1.0" encoding="utf-8"?>
+<file path=ppt/slides/slide25.xml><?xml version="1.0" encoding="utf-8"?>
 <p:sld xmlns:a="http://schemas.openxmlformats.org/drawingml/2006/main" xmlns:r="http://schemas.openxmlformats.org/officeDocument/2006/relationships" xmlns:p="http://schemas.openxmlformats.org/presentationml/2006/main">
   <p:cSld>
     <p:spTree>
@@ -14637,7 +15297,7 @@
             <a:fld id="{4624E98C-54E1-8F4C-9379-6BF7059E518B}" type="slidenum">
               <a:rPr lang="en-US" altLang="es-CR" smtClean="0"/>
               <a:pPr/>
-              <a:t>23</a:t>
+              <a:t>25</a:t>
             </a:fld>
             <a:endParaRPr lang="en-US" altLang="es-CR"/>
           </a:p>
@@ -14686,7 +15346,7 @@
 </p:sld>
 </file>
 
-<file path=ppt/slides/slide24.xml><?xml version="1.0" encoding="utf-8"?>
+<file path=ppt/slides/slide26.xml><?xml version="1.0" encoding="utf-8"?>
 <p:sld xmlns:a="http://schemas.openxmlformats.org/drawingml/2006/main" xmlns:r="http://schemas.openxmlformats.org/officeDocument/2006/relationships" xmlns:p="http://schemas.openxmlformats.org/presentationml/2006/main">
   <p:cSld>
     <p:spTree>
@@ -14769,7 +15429,7 @@
             <a:fld id="{4624E98C-54E1-8F4C-9379-6BF7059E518B}" type="slidenum">
               <a:rPr lang="en-US" altLang="es-CR" smtClean="0"/>
               <a:pPr/>
-              <a:t>24</a:t>
+              <a:t>26</a:t>
             </a:fld>
             <a:endParaRPr lang="en-US" altLang="es-CR" dirty="0"/>
           </a:p>
@@ -15038,44 +15698,14 @@
               <a:buChar char="•"/>
             </a:pPr>
             <a:r>
-              <a:rPr lang="es-CR" sz="2400" dirty="0" err="1">
+              <a:rPr lang="es-CR" sz="2400" dirty="0">
                 <a:solidFill>
                   <a:srgbClr val="595959"/>
                 </a:solidFill>
                 <a:latin typeface="Myriad Pro" panose="020B0503030403020204" pitchFamily="34" charset="0"/>
                 <a:ea typeface="ＭＳ Ｐゴシック" panose="020B0600070205080204" pitchFamily="34" charset="-128"/>
               </a:rPr>
-              <a:t>Multilayer</a:t>
-            </a:r>
-            <a:r>
-              <a:rPr lang="es-CR" sz="2400" dirty="0">
-                <a:solidFill>
-                  <a:srgbClr val="595959"/>
-                </a:solidFill>
-                <a:latin typeface="Myriad Pro" panose="020B0503030403020204" pitchFamily="34" charset="0"/>
-                <a:ea typeface="ＭＳ Ｐゴシック" panose="020B0600070205080204" pitchFamily="34" charset="-128"/>
-              </a:rPr>
-              <a:t> </a:t>
-            </a:r>
-            <a:r>
-              <a:rPr lang="es-CR" sz="2400" dirty="0" err="1">
-                <a:solidFill>
-                  <a:srgbClr val="595959"/>
-                </a:solidFill>
-                <a:latin typeface="Myriad Pro" panose="020B0503030403020204" pitchFamily="34" charset="0"/>
-                <a:ea typeface="ＭＳ Ｐゴシック" panose="020B0600070205080204" pitchFamily="34" charset="-128"/>
-              </a:rPr>
-              <a:t>Perceptron</a:t>
-            </a:r>
-            <a:r>
-              <a:rPr lang="es-CR" sz="2400" dirty="0">
-                <a:solidFill>
-                  <a:srgbClr val="595959"/>
-                </a:solidFill>
-                <a:latin typeface="Myriad Pro" panose="020B0503030403020204" pitchFamily="34" charset="0"/>
-                <a:ea typeface="ＭＳ Ｐゴシック" panose="020B0600070205080204" pitchFamily="34" charset="-128"/>
-              </a:rPr>
-              <a:t> (MLP) </a:t>
+              <a:t>Multilayer Perceptron (MLP) </a:t>
             </a:r>
             <a:endParaRPr lang="es-CR" sz="2400" dirty="0"/>
           </a:p>
@@ -15118,47 +15748,7 @@
                 <a:latin typeface="Myriad Pro" panose="020B0503030403020204" pitchFamily="34" charset="0"/>
                 <a:ea typeface="ＭＳ Ｐゴシック" panose="020B0600070205080204" pitchFamily="34" charset="-128"/>
               </a:rPr>
-              <a:t>La red MLP (</a:t>
-            </a:r>
-            <a:r>
-              <a:rPr lang="es-CR" sz="1600" dirty="0" err="1">
-                <a:solidFill>
-                  <a:srgbClr val="595959"/>
-                </a:solidFill>
-                <a:latin typeface="Myriad Pro" panose="020B0503030403020204" pitchFamily="34" charset="0"/>
-                <a:ea typeface="ＭＳ Ｐゴシック" panose="020B0600070205080204" pitchFamily="34" charset="-128"/>
-              </a:rPr>
-              <a:t>Multilayer</a:t>
-            </a:r>
-            <a:r>
-              <a:rPr lang="es-CR" sz="1600" dirty="0">
-                <a:solidFill>
-                  <a:srgbClr val="595959"/>
-                </a:solidFill>
-                <a:latin typeface="Myriad Pro" panose="020B0503030403020204" pitchFamily="34" charset="0"/>
-                <a:ea typeface="ＭＳ Ｐゴシック" panose="020B0600070205080204" pitchFamily="34" charset="-128"/>
-              </a:rPr>
-              <a:t> </a:t>
-            </a:r>
-            <a:r>
-              <a:rPr lang="es-CR" sz="1600" dirty="0" err="1">
-                <a:solidFill>
-                  <a:srgbClr val="595959"/>
-                </a:solidFill>
-                <a:latin typeface="Myriad Pro" panose="020B0503030403020204" pitchFamily="34" charset="0"/>
-                <a:ea typeface="ＭＳ Ｐゴシック" panose="020B0600070205080204" pitchFamily="34" charset="-128"/>
-              </a:rPr>
-              <a:t>Perceptron</a:t>
-            </a:r>
-            <a:r>
-              <a:rPr lang="es-CR" sz="1600" dirty="0">
-                <a:solidFill>
-                  <a:srgbClr val="595959"/>
-                </a:solidFill>
-                <a:latin typeface="Myriad Pro" panose="020B0503030403020204" pitchFamily="34" charset="0"/>
-                <a:ea typeface="ＭＳ Ｐゴシック" panose="020B0600070205080204" pitchFamily="34" charset="-128"/>
-              </a:rPr>
-              <a:t>) se usará para construir un clasificador simple usando </a:t>
+              <a:t>La red MLP (Multilayer Perceptron) se usará para construir un clasificador simple usando </a:t>
             </a:r>
             <a:r>
               <a:rPr lang="es-CR" sz="1600" dirty="0" err="1">
@@ -15507,7 +16097,7 @@
         <p:spPr>
           <a:xfrm>
             <a:off x="457199" y="3943351"/>
-            <a:ext cx="8229601" cy="646331"/>
+            <a:ext cx="8229601" cy="584775"/>
           </a:xfrm>
           <a:prstGeom prst="rect">
             <a:avLst/>
@@ -15524,7 +16114,7 @@
               <a:buNone/>
             </a:pPr>
             <a:r>
-              <a:rPr lang="es-CR" dirty="0">
+              <a:rPr lang="es-CR" sz="1600" dirty="0">
                 <a:solidFill>
                   <a:srgbClr val="595959"/>
                 </a:solidFill>
@@ -16015,6 +16605,2551 @@
 </file>
 
 <file path=ppt/slides/slide7.xml><?xml version="1.0" encoding="utf-8"?>
+<p:sld xmlns:a="http://schemas.openxmlformats.org/drawingml/2006/main" xmlns:r="http://schemas.openxmlformats.org/officeDocument/2006/relationships" xmlns:p="http://schemas.openxmlformats.org/presentationml/2006/main">
+  <p:cSld>
+    <p:spTree>
+      <p:nvGrpSpPr>
+        <p:cNvPr id="1" name=""/>
+        <p:cNvGrpSpPr/>
+        <p:nvPr/>
+      </p:nvGrpSpPr>
+      <p:grpSpPr>
+        <a:xfrm>
+          <a:off x="0" y="0"/>
+          <a:ext cx="0" cy="0"/>
+          <a:chOff x="0" y="0"/>
+          <a:chExt cx="0" cy="0"/>
+        </a:xfrm>
+      </p:grpSpPr>
+      <p:sp>
+        <p:nvSpPr>
+          <p:cNvPr id="2" name="Título 1">
+            <a:extLst>
+              <a:ext uri="{FF2B5EF4-FFF2-40B4-BE49-F238E27FC236}">
+                <a16:creationId xmlns:a16="http://schemas.microsoft.com/office/drawing/2014/main" id="{71E7B82D-0842-2043-82AD-93D263AFEAD8}"/>
+              </a:ext>
+            </a:extLst>
+          </p:cNvPr>
+          <p:cNvSpPr>
+            <a:spLocks noGrp="1"/>
+          </p:cNvSpPr>
+          <p:nvPr>
+            <p:ph type="title"/>
+          </p:nvPr>
+        </p:nvSpPr>
+        <p:spPr/>
+        <p:txBody>
+          <a:bodyPr/>
+          <a:lstStyle/>
+          <a:p>
+            <a:pPr marL="571500" indent="-571500" algn="l">
+              <a:buFont typeface="Arial" panose="020B0604020202020204" pitchFamily="34" charset="0"/>
+              <a:buChar char="•"/>
+            </a:pPr>
+            <a:r>
+              <a:rPr lang="es-CR" sz="2400" dirty="0">
+                <a:solidFill>
+                  <a:srgbClr val="595959"/>
+                </a:solidFill>
+                <a:latin typeface="Myriad Pro" panose="020B0503030403020204" pitchFamily="34" charset="0"/>
+                <a:ea typeface="ＭＳ Ｐゴシック" panose="020B0600070205080204" pitchFamily="34" charset="-128"/>
+              </a:rPr>
+              <a:t>One-Hot </a:t>
+            </a:r>
+            <a:endParaRPr lang="es-CR" sz="2400" dirty="0"/>
+          </a:p>
+        </p:txBody>
+      </p:sp>
+      <p:sp>
+        <p:nvSpPr>
+          <p:cNvPr id="3" name="Marcador de contenido 2">
+            <a:extLst>
+              <a:ext uri="{FF2B5EF4-FFF2-40B4-BE49-F238E27FC236}">
+                <a16:creationId xmlns:a16="http://schemas.microsoft.com/office/drawing/2014/main" id="{66C88812-F42A-C24B-A06E-30FB949DBF0D}"/>
+              </a:ext>
+            </a:extLst>
+          </p:cNvPr>
+          <p:cNvSpPr>
+            <a:spLocks noGrp="1"/>
+          </p:cNvSpPr>
+          <p:nvPr>
+            <p:ph idx="1"/>
+          </p:nvPr>
+        </p:nvSpPr>
+        <p:spPr>
+          <a:xfrm>
+            <a:off x="215154" y="1063625"/>
+            <a:ext cx="8229599" cy="3275293"/>
+          </a:xfrm>
+        </p:spPr>
+        <p:txBody>
+          <a:bodyPr anchor="ctr"/>
+          <a:lstStyle/>
+          <a:p>
+            <a:pPr marL="0" indent="0" algn="just">
+              <a:buNone/>
+            </a:pPr>
+            <a:r>
+              <a:rPr lang="es-CR" sz="2400" dirty="0">
+                <a:solidFill>
+                  <a:srgbClr val="595959"/>
+                </a:solidFill>
+                <a:latin typeface="Myriad Pro" panose="020B0503030403020204" pitchFamily="34" charset="0"/>
+                <a:ea typeface="ＭＳ Ｐゴシック" panose="020B0600070205080204" pitchFamily="34" charset="-128"/>
+              </a:rPr>
+              <a:t>En este punto, las etiquetas están en formato de dígitos, es decir, de 0 a 9. Esta representación escalar dispersa de etiquetas no es adecuada para la capa de predicción de la red neuronal que genera probabilidades por clase. Un formato más adecuado se llama </a:t>
+            </a:r>
+            <a:r>
+              <a:rPr lang="es-CR" sz="2400" b="1" dirty="0">
+                <a:solidFill>
+                  <a:srgbClr val="595959"/>
+                </a:solidFill>
+                <a:latin typeface="Myriad Pro" panose="020B0503030403020204" pitchFamily="34" charset="0"/>
+                <a:ea typeface="ＭＳ Ｐゴシック" panose="020B0600070205080204" pitchFamily="34" charset="-128"/>
+              </a:rPr>
+              <a:t>vector </a:t>
+            </a:r>
+            <a:r>
+              <a:rPr lang="es-CR" sz="2400" b="1" dirty="0" err="1">
+                <a:solidFill>
+                  <a:srgbClr val="595959"/>
+                </a:solidFill>
+                <a:latin typeface="Myriad Pro" panose="020B0503030403020204" pitchFamily="34" charset="0"/>
+                <a:ea typeface="ＭＳ Ｐゴシック" panose="020B0600070205080204" pitchFamily="34" charset="-128"/>
+              </a:rPr>
+              <a:t>one-hot</a:t>
+            </a:r>
+            <a:r>
+              <a:rPr lang="es-CR" sz="2400" dirty="0">
+                <a:solidFill>
+                  <a:srgbClr val="595959"/>
+                </a:solidFill>
+                <a:latin typeface="Myriad Pro" panose="020B0503030403020204" pitchFamily="34" charset="0"/>
+                <a:ea typeface="ＭＳ Ｐゴシック" panose="020B0600070205080204" pitchFamily="34" charset="-128"/>
+              </a:rPr>
+              <a:t>, un vector de 10 dimensiones con todos los elementos 0, excepto el índice de la clase de dígitos.</a:t>
+            </a:r>
+          </a:p>
+        </p:txBody>
+      </p:sp>
+      <p:sp>
+        <p:nvSpPr>
+          <p:cNvPr id="4" name="Marcador de número de diapositiva 3">
+            <a:extLst>
+              <a:ext uri="{FF2B5EF4-FFF2-40B4-BE49-F238E27FC236}">
+                <a16:creationId xmlns:a16="http://schemas.microsoft.com/office/drawing/2014/main" id="{4BDFF57A-6F25-D543-9D35-AA774F537E2E}"/>
+              </a:ext>
+            </a:extLst>
+          </p:cNvPr>
+          <p:cNvSpPr>
+            <a:spLocks noGrp="1"/>
+          </p:cNvSpPr>
+          <p:nvPr>
+            <p:ph type="sldNum" sz="quarter" idx="12"/>
+          </p:nvPr>
+        </p:nvSpPr>
+        <p:spPr/>
+        <p:txBody>
+          <a:bodyPr/>
+          <a:lstStyle/>
+          <a:p>
+            <a:fld id="{4624E98C-54E1-8F4C-9379-6BF7059E518B}" type="slidenum">
+              <a:rPr lang="en-US" altLang="es-CR" smtClean="0"/>
+              <a:pPr/>
+              <a:t>7</a:t>
+            </a:fld>
+            <a:endParaRPr lang="en-US" altLang="es-CR"/>
+          </a:p>
+        </p:txBody>
+      </p:sp>
+    </p:spTree>
+    <p:extLst>
+      <p:ext uri="{BB962C8B-B14F-4D97-AF65-F5344CB8AC3E}">
+        <p14:creationId xmlns:p14="http://schemas.microsoft.com/office/powerpoint/2010/main" val="4091512165"/>
+      </p:ext>
+    </p:extLst>
+  </p:cSld>
+  <p:clrMapOvr>
+    <a:masterClrMapping/>
+  </p:clrMapOvr>
+</p:sld>
+</file>
+
+<file path=ppt/slides/slide8.xml><?xml version="1.0" encoding="utf-8"?>
+<p:sld xmlns:a="http://schemas.openxmlformats.org/drawingml/2006/main" xmlns:r="http://schemas.openxmlformats.org/officeDocument/2006/relationships" xmlns:p="http://schemas.openxmlformats.org/presentationml/2006/main">
+  <p:cSld>
+    <p:spTree>
+      <p:nvGrpSpPr>
+        <p:cNvPr id="1" name=""/>
+        <p:cNvGrpSpPr/>
+        <p:nvPr/>
+      </p:nvGrpSpPr>
+      <p:grpSpPr>
+        <a:xfrm>
+          <a:off x="0" y="0"/>
+          <a:ext cx="0" cy="0"/>
+          <a:chOff x="0" y="0"/>
+          <a:chExt cx="0" cy="0"/>
+        </a:xfrm>
+      </p:grpSpPr>
+      <p:sp>
+        <p:nvSpPr>
+          <p:cNvPr id="4" name="Marcador de número de diapositiva 3">
+            <a:extLst>
+              <a:ext uri="{FF2B5EF4-FFF2-40B4-BE49-F238E27FC236}">
+                <a16:creationId xmlns:a16="http://schemas.microsoft.com/office/drawing/2014/main" id="{4BDFF57A-6F25-D543-9D35-AA774F537E2E}"/>
+              </a:ext>
+            </a:extLst>
+          </p:cNvPr>
+          <p:cNvSpPr>
+            <a:spLocks noGrp="1"/>
+          </p:cNvSpPr>
+          <p:nvPr>
+            <p:ph type="sldNum" sz="quarter" idx="12"/>
+          </p:nvPr>
+        </p:nvSpPr>
+        <p:spPr/>
+        <p:txBody>
+          <a:bodyPr/>
+          <a:lstStyle/>
+          <a:p>
+            <a:fld id="{4624E98C-54E1-8F4C-9379-6BF7059E518B}" type="slidenum">
+              <a:rPr lang="en-US" altLang="es-CR" smtClean="0"/>
+              <a:pPr/>
+              <a:t>8</a:t>
+            </a:fld>
+            <a:endParaRPr lang="en-US" altLang="es-CR"/>
+          </a:p>
+        </p:txBody>
+      </p:sp>
+      <p:graphicFrame>
+        <p:nvGraphicFramePr>
+          <p:cNvPr id="5" name="Tabla 7">
+            <a:extLst>
+              <a:ext uri="{FF2B5EF4-FFF2-40B4-BE49-F238E27FC236}">
+                <a16:creationId xmlns:a16="http://schemas.microsoft.com/office/drawing/2014/main" id="{97013EE8-4068-D341-B51E-6E88CC27AE89}"/>
+              </a:ext>
+            </a:extLst>
+          </p:cNvPr>
+          <p:cNvGraphicFramePr>
+            <a:graphicFrameLocks noGrp="1"/>
+          </p:cNvGraphicFramePr>
+          <p:nvPr>
+            <p:extLst>
+              <p:ext uri="{D42A27DB-BD31-4B8C-83A1-F6EECF244321}">
+                <p14:modId xmlns:p14="http://schemas.microsoft.com/office/powerpoint/2010/main" val="2403734215"/>
+              </p:ext>
+            </p:extLst>
+          </p:nvPr>
+        </p:nvGraphicFramePr>
+        <p:xfrm>
+          <a:off x="330135" y="582255"/>
+          <a:ext cx="1649505" cy="3915907"/>
+        </p:xfrm>
+        <a:graphic>
+          <a:graphicData uri="http://schemas.openxmlformats.org/drawingml/2006/table">
+            <a:tbl>
+              <a:tblPr firstRow="1" bandRow="1">
+                <a:tableStyleId>{FABFCF23-3B69-468F-B69F-88F6DE6A72F2}</a:tableStyleId>
+              </a:tblPr>
+              <a:tblGrid>
+                <a:gridCol w="1649505">
+                  <a:extLst>
+                    <a:ext uri="{9D8B030D-6E8A-4147-A177-3AD203B41FA5}">
+                      <a16:colId xmlns:a16="http://schemas.microsoft.com/office/drawing/2014/main" val="1169190977"/>
+                    </a:ext>
+                  </a:extLst>
+                </a:gridCol>
+              </a:tblGrid>
+              <a:tr h="563107">
+                <a:tc>
+                  <a:txBody>
+                    <a:bodyPr/>
+                    <a:lstStyle/>
+                    <a:p>
+                      <a:pPr algn="ctr"/>
+                      <a:r>
+                        <a:rPr lang="es-CR" sz="1600" b="1" dirty="0">
+                          <a:solidFill>
+                            <a:schemeClr val="bg1"/>
+                          </a:solidFill>
+                          <a:latin typeface="Myriad Pro" panose="020B0503030403020204" pitchFamily="34" charset="0"/>
+                        </a:rPr>
+                        <a:t>Etiquetas</a:t>
+                      </a:r>
+                      <a:endParaRPr lang="es-CR" sz="1600" dirty="0">
+                        <a:solidFill>
+                          <a:schemeClr val="bg1"/>
+                        </a:solidFill>
+                        <a:latin typeface="Palatino Linotype" panose="02040502050505030304" pitchFamily="18" charset="0"/>
+                      </a:endParaRPr>
+                    </a:p>
+                  </a:txBody>
+                  <a:tcPr anchor="ctr"/>
+                </a:tc>
+                <a:extLst>
+                  <a:ext uri="{0D108BD9-81ED-4DB2-BD59-A6C34878D82A}">
+                    <a16:rowId xmlns:a16="http://schemas.microsoft.com/office/drawing/2014/main" val="3707656740"/>
+                  </a:ext>
+                </a:extLst>
+              </a:tr>
+              <a:tr h="321776">
+                <a:tc>
+                  <a:txBody>
+                    <a:bodyPr/>
+                    <a:lstStyle/>
+                    <a:p>
+                      <a:r>
+                        <a:rPr lang="es-CR" sz="1600" dirty="0">
+                          <a:ln>
+                            <a:noFill/>
+                          </a:ln>
+                        </a:rPr>
+                        <a:t>0</a:t>
+                      </a:r>
+                    </a:p>
+                  </a:txBody>
+                  <a:tcPr marL="90000">
+                    <a:noFill/>
+                  </a:tcPr>
+                </a:tc>
+                <a:extLst>
+                  <a:ext uri="{0D108BD9-81ED-4DB2-BD59-A6C34878D82A}">
+                    <a16:rowId xmlns:a16="http://schemas.microsoft.com/office/drawing/2014/main" val="2261495271"/>
+                  </a:ext>
+                </a:extLst>
+              </a:tr>
+              <a:tr h="321776">
+                <a:tc>
+                  <a:txBody>
+                    <a:bodyPr/>
+                    <a:lstStyle/>
+                    <a:p>
+                      <a:r>
+                        <a:rPr lang="es-CR" sz="1600" dirty="0">
+                          <a:ln>
+                            <a:noFill/>
+                          </a:ln>
+                        </a:rPr>
+                        <a:t>1</a:t>
+                      </a:r>
+                    </a:p>
+                  </a:txBody>
+                  <a:tcPr marL="90000">
+                    <a:noFill/>
+                  </a:tcPr>
+                </a:tc>
+                <a:extLst>
+                  <a:ext uri="{0D108BD9-81ED-4DB2-BD59-A6C34878D82A}">
+                    <a16:rowId xmlns:a16="http://schemas.microsoft.com/office/drawing/2014/main" val="304394047"/>
+                  </a:ext>
+                </a:extLst>
+              </a:tr>
+              <a:tr h="321776">
+                <a:tc>
+                  <a:txBody>
+                    <a:bodyPr/>
+                    <a:lstStyle/>
+                    <a:p>
+                      <a:r>
+                        <a:rPr lang="es-CR" sz="1600" dirty="0">
+                          <a:ln>
+                            <a:noFill/>
+                          </a:ln>
+                        </a:rPr>
+                        <a:t>2</a:t>
+                      </a:r>
+                    </a:p>
+                  </a:txBody>
+                  <a:tcPr marL="90000">
+                    <a:noFill/>
+                  </a:tcPr>
+                </a:tc>
+                <a:extLst>
+                  <a:ext uri="{0D108BD9-81ED-4DB2-BD59-A6C34878D82A}">
+                    <a16:rowId xmlns:a16="http://schemas.microsoft.com/office/drawing/2014/main" val="1291218108"/>
+                  </a:ext>
+                </a:extLst>
+              </a:tr>
+              <a:tr h="321776">
+                <a:tc>
+                  <a:txBody>
+                    <a:bodyPr/>
+                    <a:lstStyle/>
+                    <a:p>
+                      <a:r>
+                        <a:rPr lang="es-CR" sz="1600" dirty="0">
+                          <a:ln>
+                            <a:noFill/>
+                          </a:ln>
+                        </a:rPr>
+                        <a:t>3</a:t>
+                      </a:r>
+                    </a:p>
+                  </a:txBody>
+                  <a:tcPr marL="90000">
+                    <a:noFill/>
+                  </a:tcPr>
+                </a:tc>
+                <a:extLst>
+                  <a:ext uri="{0D108BD9-81ED-4DB2-BD59-A6C34878D82A}">
+                    <a16:rowId xmlns:a16="http://schemas.microsoft.com/office/drawing/2014/main" val="3706507864"/>
+                  </a:ext>
+                </a:extLst>
+              </a:tr>
+              <a:tr h="321776">
+                <a:tc>
+                  <a:txBody>
+                    <a:bodyPr/>
+                    <a:lstStyle/>
+                    <a:p>
+                      <a:r>
+                        <a:rPr lang="es-CR" sz="1600" dirty="0">
+                          <a:ln>
+                            <a:noFill/>
+                          </a:ln>
+                        </a:rPr>
+                        <a:t>4</a:t>
+                      </a:r>
+                    </a:p>
+                  </a:txBody>
+                  <a:tcPr marL="90000">
+                    <a:noFill/>
+                  </a:tcPr>
+                </a:tc>
+                <a:extLst>
+                  <a:ext uri="{0D108BD9-81ED-4DB2-BD59-A6C34878D82A}">
+                    <a16:rowId xmlns:a16="http://schemas.microsoft.com/office/drawing/2014/main" val="2407734471"/>
+                  </a:ext>
+                </a:extLst>
+              </a:tr>
+              <a:tr h="321776">
+                <a:tc>
+                  <a:txBody>
+                    <a:bodyPr/>
+                    <a:lstStyle/>
+                    <a:p>
+                      <a:r>
+                        <a:rPr lang="es-CR" sz="1600" dirty="0">
+                          <a:ln>
+                            <a:noFill/>
+                          </a:ln>
+                        </a:rPr>
+                        <a:t>5</a:t>
+                      </a:r>
+                    </a:p>
+                  </a:txBody>
+                  <a:tcPr marL="90000">
+                    <a:noFill/>
+                  </a:tcPr>
+                </a:tc>
+                <a:extLst>
+                  <a:ext uri="{0D108BD9-81ED-4DB2-BD59-A6C34878D82A}">
+                    <a16:rowId xmlns:a16="http://schemas.microsoft.com/office/drawing/2014/main" val="1165991496"/>
+                  </a:ext>
+                </a:extLst>
+              </a:tr>
+              <a:tr h="321776">
+                <a:tc>
+                  <a:txBody>
+                    <a:bodyPr/>
+                    <a:lstStyle/>
+                    <a:p>
+                      <a:r>
+                        <a:rPr lang="es-CR" sz="1600" dirty="0">
+                          <a:ln>
+                            <a:noFill/>
+                          </a:ln>
+                        </a:rPr>
+                        <a:t>6</a:t>
+                      </a:r>
+                    </a:p>
+                  </a:txBody>
+                  <a:tcPr marL="90000">
+                    <a:noFill/>
+                  </a:tcPr>
+                </a:tc>
+                <a:extLst>
+                  <a:ext uri="{0D108BD9-81ED-4DB2-BD59-A6C34878D82A}">
+                    <a16:rowId xmlns:a16="http://schemas.microsoft.com/office/drawing/2014/main" val="2769094969"/>
+                  </a:ext>
+                </a:extLst>
+              </a:tr>
+              <a:tr h="321776">
+                <a:tc>
+                  <a:txBody>
+                    <a:bodyPr/>
+                    <a:lstStyle/>
+                    <a:p>
+                      <a:r>
+                        <a:rPr lang="es-CR" sz="1600" dirty="0">
+                          <a:ln>
+                            <a:noFill/>
+                          </a:ln>
+                        </a:rPr>
+                        <a:t>7</a:t>
+                      </a:r>
+                    </a:p>
+                  </a:txBody>
+                  <a:tcPr marL="90000">
+                    <a:noFill/>
+                  </a:tcPr>
+                </a:tc>
+                <a:extLst>
+                  <a:ext uri="{0D108BD9-81ED-4DB2-BD59-A6C34878D82A}">
+                    <a16:rowId xmlns:a16="http://schemas.microsoft.com/office/drawing/2014/main" val="1171484170"/>
+                  </a:ext>
+                </a:extLst>
+              </a:tr>
+              <a:tr h="321776">
+                <a:tc>
+                  <a:txBody>
+                    <a:bodyPr/>
+                    <a:lstStyle/>
+                    <a:p>
+                      <a:r>
+                        <a:rPr lang="es-CR" sz="1600" dirty="0">
+                          <a:ln>
+                            <a:noFill/>
+                          </a:ln>
+                        </a:rPr>
+                        <a:t>8</a:t>
+                      </a:r>
+                    </a:p>
+                  </a:txBody>
+                  <a:tcPr marL="90000">
+                    <a:noFill/>
+                  </a:tcPr>
+                </a:tc>
+                <a:extLst>
+                  <a:ext uri="{0D108BD9-81ED-4DB2-BD59-A6C34878D82A}">
+                    <a16:rowId xmlns:a16="http://schemas.microsoft.com/office/drawing/2014/main" val="2834054874"/>
+                  </a:ext>
+                </a:extLst>
+              </a:tr>
+              <a:tr h="321776">
+                <a:tc>
+                  <a:txBody>
+                    <a:bodyPr/>
+                    <a:lstStyle/>
+                    <a:p>
+                      <a:r>
+                        <a:rPr lang="es-CR" sz="1600" dirty="0">
+                          <a:ln>
+                            <a:noFill/>
+                          </a:ln>
+                        </a:rPr>
+                        <a:t>9</a:t>
+                      </a:r>
+                    </a:p>
+                  </a:txBody>
+                  <a:tcPr marL="90000">
+                    <a:noFill/>
+                  </a:tcPr>
+                </a:tc>
+                <a:extLst>
+                  <a:ext uri="{0D108BD9-81ED-4DB2-BD59-A6C34878D82A}">
+                    <a16:rowId xmlns:a16="http://schemas.microsoft.com/office/drawing/2014/main" val="727473146"/>
+                  </a:ext>
+                </a:extLst>
+              </a:tr>
+            </a:tbl>
+          </a:graphicData>
+        </a:graphic>
+      </p:graphicFrame>
+      <p:graphicFrame>
+        <p:nvGraphicFramePr>
+          <p:cNvPr id="8" name="Tabla 8">
+            <a:extLst>
+              <a:ext uri="{FF2B5EF4-FFF2-40B4-BE49-F238E27FC236}">
+                <a16:creationId xmlns:a16="http://schemas.microsoft.com/office/drawing/2014/main" id="{9163E842-BCD2-D542-8D2C-33D1AF6F0E7C}"/>
+              </a:ext>
+            </a:extLst>
+          </p:cNvPr>
+          <p:cNvGraphicFramePr>
+            <a:graphicFrameLocks noGrp="1"/>
+          </p:cNvGraphicFramePr>
+          <p:nvPr>
+            <p:extLst>
+              <p:ext uri="{D42A27DB-BD31-4B8C-83A1-F6EECF244321}">
+                <p14:modId xmlns:p14="http://schemas.microsoft.com/office/powerpoint/2010/main" val="3199329100"/>
+              </p:ext>
+            </p:extLst>
+          </p:nvPr>
+        </p:nvGraphicFramePr>
+        <p:xfrm>
+          <a:off x="4654235" y="582252"/>
+          <a:ext cx="4159630" cy="3915910"/>
+        </p:xfrm>
+        <a:graphic>
+          <a:graphicData uri="http://schemas.openxmlformats.org/drawingml/2006/table">
+            <a:tbl>
+              <a:tblPr firstRow="1" bandRow="1">
+                <a:tableStyleId>{FABFCF23-3B69-468F-B69F-88F6DE6A72F2}</a:tableStyleId>
+              </a:tblPr>
+              <a:tblGrid>
+                <a:gridCol w="415963">
+                  <a:extLst>
+                    <a:ext uri="{9D8B030D-6E8A-4147-A177-3AD203B41FA5}">
+                      <a16:colId xmlns:a16="http://schemas.microsoft.com/office/drawing/2014/main" val="2416250575"/>
+                    </a:ext>
+                  </a:extLst>
+                </a:gridCol>
+                <a:gridCol w="415963">
+                  <a:extLst>
+                    <a:ext uri="{9D8B030D-6E8A-4147-A177-3AD203B41FA5}">
+                      <a16:colId xmlns:a16="http://schemas.microsoft.com/office/drawing/2014/main" val="3283726235"/>
+                    </a:ext>
+                  </a:extLst>
+                </a:gridCol>
+                <a:gridCol w="415963">
+                  <a:extLst>
+                    <a:ext uri="{9D8B030D-6E8A-4147-A177-3AD203B41FA5}">
+                      <a16:colId xmlns:a16="http://schemas.microsoft.com/office/drawing/2014/main" val="728285030"/>
+                    </a:ext>
+                  </a:extLst>
+                </a:gridCol>
+                <a:gridCol w="415963">
+                  <a:extLst>
+                    <a:ext uri="{9D8B030D-6E8A-4147-A177-3AD203B41FA5}">
+                      <a16:colId xmlns:a16="http://schemas.microsoft.com/office/drawing/2014/main" val="4197050494"/>
+                    </a:ext>
+                  </a:extLst>
+                </a:gridCol>
+                <a:gridCol w="415963">
+                  <a:extLst>
+                    <a:ext uri="{9D8B030D-6E8A-4147-A177-3AD203B41FA5}">
+                      <a16:colId xmlns:a16="http://schemas.microsoft.com/office/drawing/2014/main" val="3060301786"/>
+                    </a:ext>
+                  </a:extLst>
+                </a:gridCol>
+                <a:gridCol w="415963">
+                  <a:extLst>
+                    <a:ext uri="{9D8B030D-6E8A-4147-A177-3AD203B41FA5}">
+                      <a16:colId xmlns:a16="http://schemas.microsoft.com/office/drawing/2014/main" val="25372673"/>
+                    </a:ext>
+                  </a:extLst>
+                </a:gridCol>
+                <a:gridCol w="415963">
+                  <a:extLst>
+                    <a:ext uri="{9D8B030D-6E8A-4147-A177-3AD203B41FA5}">
+                      <a16:colId xmlns:a16="http://schemas.microsoft.com/office/drawing/2014/main" val="112097182"/>
+                    </a:ext>
+                  </a:extLst>
+                </a:gridCol>
+                <a:gridCol w="415963">
+                  <a:extLst>
+                    <a:ext uri="{9D8B030D-6E8A-4147-A177-3AD203B41FA5}">
+                      <a16:colId xmlns:a16="http://schemas.microsoft.com/office/drawing/2014/main" val="2048470854"/>
+                    </a:ext>
+                  </a:extLst>
+                </a:gridCol>
+                <a:gridCol w="415963">
+                  <a:extLst>
+                    <a:ext uri="{9D8B030D-6E8A-4147-A177-3AD203B41FA5}">
+                      <a16:colId xmlns:a16="http://schemas.microsoft.com/office/drawing/2014/main" val="821449467"/>
+                    </a:ext>
+                  </a:extLst>
+                </a:gridCol>
+                <a:gridCol w="415963">
+                  <a:extLst>
+                    <a:ext uri="{9D8B030D-6E8A-4147-A177-3AD203B41FA5}">
+                      <a16:colId xmlns:a16="http://schemas.microsoft.com/office/drawing/2014/main" val="3836048467"/>
+                    </a:ext>
+                  </a:extLst>
+                </a:gridCol>
+              </a:tblGrid>
+              <a:tr h="365760">
+                <a:tc>
+                  <a:txBody>
+                    <a:bodyPr/>
+                    <a:lstStyle/>
+                    <a:p>
+                      <a:pPr algn="ctr"/>
+                      <a:r>
+                        <a:rPr lang="es-CR" dirty="0"/>
+                        <a:t>0</a:t>
+                      </a:r>
+                    </a:p>
+                  </a:txBody>
+                  <a:tcPr anchor="ctr"/>
+                </a:tc>
+                <a:tc>
+                  <a:txBody>
+                    <a:bodyPr/>
+                    <a:lstStyle/>
+                    <a:p>
+                      <a:pPr algn="ctr"/>
+                      <a:r>
+                        <a:rPr lang="es-CR" dirty="0"/>
+                        <a:t>1</a:t>
+                      </a:r>
+                    </a:p>
+                  </a:txBody>
+                  <a:tcPr anchor="ctr"/>
+                </a:tc>
+                <a:tc>
+                  <a:txBody>
+                    <a:bodyPr/>
+                    <a:lstStyle/>
+                    <a:p>
+                      <a:pPr algn="ctr"/>
+                      <a:r>
+                        <a:rPr lang="es-CR" dirty="0"/>
+                        <a:t>2</a:t>
+                      </a:r>
+                    </a:p>
+                  </a:txBody>
+                  <a:tcPr anchor="ctr"/>
+                </a:tc>
+                <a:tc>
+                  <a:txBody>
+                    <a:bodyPr/>
+                    <a:lstStyle/>
+                    <a:p>
+                      <a:pPr algn="ctr"/>
+                      <a:r>
+                        <a:rPr lang="es-CR" dirty="0"/>
+                        <a:t>3</a:t>
+                      </a:r>
+                    </a:p>
+                  </a:txBody>
+                  <a:tcPr anchor="ctr"/>
+                </a:tc>
+                <a:tc>
+                  <a:txBody>
+                    <a:bodyPr/>
+                    <a:lstStyle/>
+                    <a:p>
+                      <a:pPr algn="ctr"/>
+                      <a:r>
+                        <a:rPr lang="es-CR" dirty="0"/>
+                        <a:t>4</a:t>
+                      </a:r>
+                    </a:p>
+                  </a:txBody>
+                  <a:tcPr anchor="ctr"/>
+                </a:tc>
+                <a:tc>
+                  <a:txBody>
+                    <a:bodyPr/>
+                    <a:lstStyle/>
+                    <a:p>
+                      <a:pPr algn="ctr"/>
+                      <a:r>
+                        <a:rPr lang="es-CR" dirty="0"/>
+                        <a:t>5</a:t>
+                      </a:r>
+                    </a:p>
+                  </a:txBody>
+                  <a:tcPr anchor="ctr"/>
+                </a:tc>
+                <a:tc>
+                  <a:txBody>
+                    <a:bodyPr/>
+                    <a:lstStyle/>
+                    <a:p>
+                      <a:pPr algn="ctr"/>
+                      <a:r>
+                        <a:rPr lang="es-CR" dirty="0"/>
+                        <a:t>6</a:t>
+                      </a:r>
+                    </a:p>
+                  </a:txBody>
+                  <a:tcPr anchor="ctr"/>
+                </a:tc>
+                <a:tc>
+                  <a:txBody>
+                    <a:bodyPr/>
+                    <a:lstStyle/>
+                    <a:p>
+                      <a:pPr algn="ctr"/>
+                      <a:r>
+                        <a:rPr lang="es-CR" dirty="0"/>
+                        <a:t>7</a:t>
+                      </a:r>
+                    </a:p>
+                  </a:txBody>
+                  <a:tcPr anchor="ctr"/>
+                </a:tc>
+                <a:tc>
+                  <a:txBody>
+                    <a:bodyPr/>
+                    <a:lstStyle/>
+                    <a:p>
+                      <a:pPr algn="ctr"/>
+                      <a:r>
+                        <a:rPr lang="es-CR" dirty="0"/>
+                        <a:t>8</a:t>
+                      </a:r>
+                    </a:p>
+                  </a:txBody>
+                  <a:tcPr anchor="ctr"/>
+                </a:tc>
+                <a:tc>
+                  <a:txBody>
+                    <a:bodyPr/>
+                    <a:lstStyle/>
+                    <a:p>
+                      <a:pPr algn="ctr"/>
+                      <a:r>
+                        <a:rPr lang="es-CR" dirty="0"/>
+                        <a:t>9</a:t>
+                      </a:r>
+                    </a:p>
+                  </a:txBody>
+                  <a:tcPr anchor="ctr"/>
+                </a:tc>
+                <a:extLst>
+                  <a:ext uri="{0D108BD9-81ED-4DB2-BD59-A6C34878D82A}">
+                    <a16:rowId xmlns:a16="http://schemas.microsoft.com/office/drawing/2014/main" val="1874573029"/>
+                  </a:ext>
+                </a:extLst>
+              </a:tr>
+              <a:tr h="355015">
+                <a:tc>
+                  <a:txBody>
+                    <a:bodyPr/>
+                    <a:lstStyle/>
+                    <a:p>
+                      <a:r>
+                        <a:rPr lang="es-CR" sz="1600" b="1" dirty="0"/>
+                        <a:t>1</a:t>
+                      </a:r>
+                    </a:p>
+                  </a:txBody>
+                  <a:tcPr>
+                    <a:noFill/>
+                  </a:tcPr>
+                </a:tc>
+                <a:tc>
+                  <a:txBody>
+                    <a:bodyPr/>
+                    <a:lstStyle/>
+                    <a:p>
+                      <a:r>
+                        <a:rPr lang="es-CR" sz="1600" dirty="0"/>
+                        <a:t>0</a:t>
+                      </a:r>
+                    </a:p>
+                  </a:txBody>
+                  <a:tcPr>
+                    <a:noFill/>
+                  </a:tcPr>
+                </a:tc>
+                <a:tc>
+                  <a:txBody>
+                    <a:bodyPr/>
+                    <a:lstStyle/>
+                    <a:p>
+                      <a:r>
+                        <a:rPr lang="es-CR" sz="1600" dirty="0"/>
+                        <a:t>0</a:t>
+                      </a:r>
+                    </a:p>
+                  </a:txBody>
+                  <a:tcPr>
+                    <a:noFill/>
+                  </a:tcPr>
+                </a:tc>
+                <a:tc>
+                  <a:txBody>
+                    <a:bodyPr/>
+                    <a:lstStyle/>
+                    <a:p>
+                      <a:r>
+                        <a:rPr lang="es-CR" sz="1600" dirty="0"/>
+                        <a:t>0</a:t>
+                      </a:r>
+                    </a:p>
+                  </a:txBody>
+                  <a:tcPr>
+                    <a:noFill/>
+                  </a:tcPr>
+                </a:tc>
+                <a:tc>
+                  <a:txBody>
+                    <a:bodyPr/>
+                    <a:lstStyle/>
+                    <a:p>
+                      <a:r>
+                        <a:rPr lang="es-CR" sz="1600" dirty="0"/>
+                        <a:t>0</a:t>
+                      </a:r>
+                    </a:p>
+                  </a:txBody>
+                  <a:tcPr>
+                    <a:noFill/>
+                  </a:tcPr>
+                </a:tc>
+                <a:tc>
+                  <a:txBody>
+                    <a:bodyPr/>
+                    <a:lstStyle/>
+                    <a:p>
+                      <a:r>
+                        <a:rPr lang="es-CR" sz="1600" dirty="0"/>
+                        <a:t>0</a:t>
+                      </a:r>
+                    </a:p>
+                  </a:txBody>
+                  <a:tcPr>
+                    <a:noFill/>
+                  </a:tcPr>
+                </a:tc>
+                <a:tc>
+                  <a:txBody>
+                    <a:bodyPr/>
+                    <a:lstStyle/>
+                    <a:p>
+                      <a:r>
+                        <a:rPr lang="es-CR" sz="1600" dirty="0"/>
+                        <a:t>0</a:t>
+                      </a:r>
+                    </a:p>
+                  </a:txBody>
+                  <a:tcPr>
+                    <a:noFill/>
+                  </a:tcPr>
+                </a:tc>
+                <a:tc>
+                  <a:txBody>
+                    <a:bodyPr/>
+                    <a:lstStyle/>
+                    <a:p>
+                      <a:r>
+                        <a:rPr lang="es-CR" sz="1600" dirty="0"/>
+                        <a:t>0</a:t>
+                      </a:r>
+                    </a:p>
+                  </a:txBody>
+                  <a:tcPr>
+                    <a:noFill/>
+                  </a:tcPr>
+                </a:tc>
+                <a:tc>
+                  <a:txBody>
+                    <a:bodyPr/>
+                    <a:lstStyle/>
+                    <a:p>
+                      <a:r>
+                        <a:rPr lang="es-CR" sz="1600" dirty="0"/>
+                        <a:t>0</a:t>
+                      </a:r>
+                    </a:p>
+                  </a:txBody>
+                  <a:tcPr>
+                    <a:noFill/>
+                  </a:tcPr>
+                </a:tc>
+                <a:tc>
+                  <a:txBody>
+                    <a:bodyPr/>
+                    <a:lstStyle/>
+                    <a:p>
+                      <a:r>
+                        <a:rPr lang="es-CR" sz="1600" dirty="0"/>
+                        <a:t>0</a:t>
+                      </a:r>
+                    </a:p>
+                  </a:txBody>
+                  <a:tcPr>
+                    <a:noFill/>
+                  </a:tcPr>
+                </a:tc>
+                <a:extLst>
+                  <a:ext uri="{0D108BD9-81ED-4DB2-BD59-A6C34878D82A}">
+                    <a16:rowId xmlns:a16="http://schemas.microsoft.com/office/drawing/2014/main" val="1782648065"/>
+                  </a:ext>
+                </a:extLst>
+              </a:tr>
+              <a:tr h="355015">
+                <a:tc>
+                  <a:txBody>
+                    <a:bodyPr/>
+                    <a:lstStyle/>
+                    <a:p>
+                      <a:r>
+                        <a:rPr lang="es-CR" sz="1600" dirty="0"/>
+                        <a:t>0</a:t>
+                      </a:r>
+                    </a:p>
+                  </a:txBody>
+                  <a:tcPr>
+                    <a:noFill/>
+                  </a:tcPr>
+                </a:tc>
+                <a:tc>
+                  <a:txBody>
+                    <a:bodyPr/>
+                    <a:lstStyle/>
+                    <a:p>
+                      <a:r>
+                        <a:rPr lang="es-CR" sz="1600" b="1" dirty="0"/>
+                        <a:t>1</a:t>
+                      </a:r>
+                    </a:p>
+                  </a:txBody>
+                  <a:tcPr>
+                    <a:noFill/>
+                  </a:tcPr>
+                </a:tc>
+                <a:tc>
+                  <a:txBody>
+                    <a:bodyPr/>
+                    <a:lstStyle/>
+                    <a:p>
+                      <a:r>
+                        <a:rPr lang="es-CR" sz="1600" dirty="0"/>
+                        <a:t>0</a:t>
+                      </a:r>
+                    </a:p>
+                  </a:txBody>
+                  <a:tcPr>
+                    <a:noFill/>
+                  </a:tcPr>
+                </a:tc>
+                <a:tc>
+                  <a:txBody>
+                    <a:bodyPr/>
+                    <a:lstStyle/>
+                    <a:p>
+                      <a:r>
+                        <a:rPr lang="es-CR" sz="1600" dirty="0"/>
+                        <a:t>0</a:t>
+                      </a:r>
+                    </a:p>
+                  </a:txBody>
+                  <a:tcPr>
+                    <a:noFill/>
+                  </a:tcPr>
+                </a:tc>
+                <a:tc>
+                  <a:txBody>
+                    <a:bodyPr/>
+                    <a:lstStyle/>
+                    <a:p>
+                      <a:r>
+                        <a:rPr lang="es-CR" sz="1600" dirty="0"/>
+                        <a:t>0</a:t>
+                      </a:r>
+                    </a:p>
+                  </a:txBody>
+                  <a:tcPr>
+                    <a:noFill/>
+                  </a:tcPr>
+                </a:tc>
+                <a:tc>
+                  <a:txBody>
+                    <a:bodyPr/>
+                    <a:lstStyle/>
+                    <a:p>
+                      <a:r>
+                        <a:rPr lang="es-CR" sz="1600" dirty="0"/>
+                        <a:t>0</a:t>
+                      </a:r>
+                    </a:p>
+                  </a:txBody>
+                  <a:tcPr>
+                    <a:noFill/>
+                  </a:tcPr>
+                </a:tc>
+                <a:tc>
+                  <a:txBody>
+                    <a:bodyPr/>
+                    <a:lstStyle/>
+                    <a:p>
+                      <a:r>
+                        <a:rPr lang="es-CR" sz="1600" dirty="0"/>
+                        <a:t>0</a:t>
+                      </a:r>
+                    </a:p>
+                  </a:txBody>
+                  <a:tcPr>
+                    <a:noFill/>
+                  </a:tcPr>
+                </a:tc>
+                <a:tc>
+                  <a:txBody>
+                    <a:bodyPr/>
+                    <a:lstStyle/>
+                    <a:p>
+                      <a:r>
+                        <a:rPr lang="es-CR" sz="1600" dirty="0"/>
+                        <a:t>0</a:t>
+                      </a:r>
+                    </a:p>
+                  </a:txBody>
+                  <a:tcPr>
+                    <a:noFill/>
+                  </a:tcPr>
+                </a:tc>
+                <a:tc>
+                  <a:txBody>
+                    <a:bodyPr/>
+                    <a:lstStyle/>
+                    <a:p>
+                      <a:r>
+                        <a:rPr lang="es-CR" sz="1600" dirty="0"/>
+                        <a:t>0</a:t>
+                      </a:r>
+                    </a:p>
+                  </a:txBody>
+                  <a:tcPr>
+                    <a:noFill/>
+                  </a:tcPr>
+                </a:tc>
+                <a:tc>
+                  <a:txBody>
+                    <a:bodyPr/>
+                    <a:lstStyle/>
+                    <a:p>
+                      <a:r>
+                        <a:rPr lang="es-CR" sz="1600" dirty="0"/>
+                        <a:t>0</a:t>
+                      </a:r>
+                    </a:p>
+                  </a:txBody>
+                  <a:tcPr>
+                    <a:noFill/>
+                  </a:tcPr>
+                </a:tc>
+                <a:extLst>
+                  <a:ext uri="{0D108BD9-81ED-4DB2-BD59-A6C34878D82A}">
+                    <a16:rowId xmlns:a16="http://schemas.microsoft.com/office/drawing/2014/main" val="3763548787"/>
+                  </a:ext>
+                </a:extLst>
+              </a:tr>
+              <a:tr h="355015">
+                <a:tc>
+                  <a:txBody>
+                    <a:bodyPr/>
+                    <a:lstStyle/>
+                    <a:p>
+                      <a:r>
+                        <a:rPr lang="es-CR" sz="1600" dirty="0"/>
+                        <a:t>0</a:t>
+                      </a:r>
+                    </a:p>
+                  </a:txBody>
+                  <a:tcPr>
+                    <a:noFill/>
+                  </a:tcPr>
+                </a:tc>
+                <a:tc>
+                  <a:txBody>
+                    <a:bodyPr/>
+                    <a:lstStyle/>
+                    <a:p>
+                      <a:r>
+                        <a:rPr lang="es-CR" sz="1600" dirty="0"/>
+                        <a:t>0</a:t>
+                      </a:r>
+                    </a:p>
+                  </a:txBody>
+                  <a:tcPr>
+                    <a:noFill/>
+                  </a:tcPr>
+                </a:tc>
+                <a:tc>
+                  <a:txBody>
+                    <a:bodyPr/>
+                    <a:lstStyle/>
+                    <a:p>
+                      <a:r>
+                        <a:rPr lang="es-CR" sz="1600" b="1" dirty="0"/>
+                        <a:t>1</a:t>
+                      </a:r>
+                    </a:p>
+                  </a:txBody>
+                  <a:tcPr>
+                    <a:noFill/>
+                  </a:tcPr>
+                </a:tc>
+                <a:tc>
+                  <a:txBody>
+                    <a:bodyPr/>
+                    <a:lstStyle/>
+                    <a:p>
+                      <a:r>
+                        <a:rPr lang="es-CR" sz="1600" dirty="0"/>
+                        <a:t>0</a:t>
+                      </a:r>
+                    </a:p>
+                  </a:txBody>
+                  <a:tcPr>
+                    <a:noFill/>
+                  </a:tcPr>
+                </a:tc>
+                <a:tc>
+                  <a:txBody>
+                    <a:bodyPr/>
+                    <a:lstStyle/>
+                    <a:p>
+                      <a:r>
+                        <a:rPr lang="es-CR" sz="1600" dirty="0"/>
+                        <a:t>0</a:t>
+                      </a:r>
+                    </a:p>
+                  </a:txBody>
+                  <a:tcPr>
+                    <a:noFill/>
+                  </a:tcPr>
+                </a:tc>
+                <a:tc>
+                  <a:txBody>
+                    <a:bodyPr/>
+                    <a:lstStyle/>
+                    <a:p>
+                      <a:r>
+                        <a:rPr lang="es-CR" sz="1600" dirty="0"/>
+                        <a:t>0</a:t>
+                      </a:r>
+                    </a:p>
+                  </a:txBody>
+                  <a:tcPr>
+                    <a:noFill/>
+                  </a:tcPr>
+                </a:tc>
+                <a:tc>
+                  <a:txBody>
+                    <a:bodyPr/>
+                    <a:lstStyle/>
+                    <a:p>
+                      <a:r>
+                        <a:rPr lang="es-CR" sz="1600" dirty="0"/>
+                        <a:t>0</a:t>
+                      </a:r>
+                    </a:p>
+                  </a:txBody>
+                  <a:tcPr>
+                    <a:noFill/>
+                  </a:tcPr>
+                </a:tc>
+                <a:tc>
+                  <a:txBody>
+                    <a:bodyPr/>
+                    <a:lstStyle/>
+                    <a:p>
+                      <a:r>
+                        <a:rPr lang="es-CR" sz="1600" dirty="0"/>
+                        <a:t>0</a:t>
+                      </a:r>
+                    </a:p>
+                  </a:txBody>
+                  <a:tcPr>
+                    <a:noFill/>
+                  </a:tcPr>
+                </a:tc>
+                <a:tc>
+                  <a:txBody>
+                    <a:bodyPr/>
+                    <a:lstStyle/>
+                    <a:p>
+                      <a:r>
+                        <a:rPr lang="es-CR" sz="1600" dirty="0"/>
+                        <a:t>0</a:t>
+                      </a:r>
+                    </a:p>
+                  </a:txBody>
+                  <a:tcPr>
+                    <a:noFill/>
+                  </a:tcPr>
+                </a:tc>
+                <a:tc>
+                  <a:txBody>
+                    <a:bodyPr/>
+                    <a:lstStyle/>
+                    <a:p>
+                      <a:r>
+                        <a:rPr lang="es-CR" sz="1600" dirty="0"/>
+                        <a:t>0</a:t>
+                      </a:r>
+                    </a:p>
+                  </a:txBody>
+                  <a:tcPr>
+                    <a:noFill/>
+                  </a:tcPr>
+                </a:tc>
+                <a:extLst>
+                  <a:ext uri="{0D108BD9-81ED-4DB2-BD59-A6C34878D82A}">
+                    <a16:rowId xmlns:a16="http://schemas.microsoft.com/office/drawing/2014/main" val="1828585121"/>
+                  </a:ext>
+                </a:extLst>
+              </a:tr>
+              <a:tr h="355015">
+                <a:tc>
+                  <a:txBody>
+                    <a:bodyPr/>
+                    <a:lstStyle/>
+                    <a:p>
+                      <a:r>
+                        <a:rPr lang="es-CR" sz="1600" dirty="0"/>
+                        <a:t>0</a:t>
+                      </a:r>
+                    </a:p>
+                  </a:txBody>
+                  <a:tcPr>
+                    <a:noFill/>
+                  </a:tcPr>
+                </a:tc>
+                <a:tc>
+                  <a:txBody>
+                    <a:bodyPr/>
+                    <a:lstStyle/>
+                    <a:p>
+                      <a:r>
+                        <a:rPr lang="es-CR" sz="1600" dirty="0"/>
+                        <a:t>0</a:t>
+                      </a:r>
+                    </a:p>
+                  </a:txBody>
+                  <a:tcPr>
+                    <a:noFill/>
+                  </a:tcPr>
+                </a:tc>
+                <a:tc>
+                  <a:txBody>
+                    <a:bodyPr/>
+                    <a:lstStyle/>
+                    <a:p>
+                      <a:r>
+                        <a:rPr lang="es-CR" sz="1600" dirty="0"/>
+                        <a:t>0</a:t>
+                      </a:r>
+                    </a:p>
+                  </a:txBody>
+                  <a:tcPr>
+                    <a:noFill/>
+                  </a:tcPr>
+                </a:tc>
+                <a:tc>
+                  <a:txBody>
+                    <a:bodyPr/>
+                    <a:lstStyle/>
+                    <a:p>
+                      <a:r>
+                        <a:rPr lang="es-CR" sz="1600" b="1" dirty="0"/>
+                        <a:t>1</a:t>
+                      </a:r>
+                    </a:p>
+                  </a:txBody>
+                  <a:tcPr>
+                    <a:noFill/>
+                  </a:tcPr>
+                </a:tc>
+                <a:tc>
+                  <a:txBody>
+                    <a:bodyPr/>
+                    <a:lstStyle/>
+                    <a:p>
+                      <a:r>
+                        <a:rPr lang="es-CR" sz="1600" dirty="0"/>
+                        <a:t>0</a:t>
+                      </a:r>
+                    </a:p>
+                  </a:txBody>
+                  <a:tcPr>
+                    <a:noFill/>
+                  </a:tcPr>
+                </a:tc>
+                <a:tc>
+                  <a:txBody>
+                    <a:bodyPr/>
+                    <a:lstStyle/>
+                    <a:p>
+                      <a:r>
+                        <a:rPr lang="es-CR" sz="1600" dirty="0"/>
+                        <a:t>0</a:t>
+                      </a:r>
+                    </a:p>
+                  </a:txBody>
+                  <a:tcPr>
+                    <a:noFill/>
+                  </a:tcPr>
+                </a:tc>
+                <a:tc>
+                  <a:txBody>
+                    <a:bodyPr/>
+                    <a:lstStyle/>
+                    <a:p>
+                      <a:r>
+                        <a:rPr lang="es-CR" sz="1600" dirty="0"/>
+                        <a:t>0</a:t>
+                      </a:r>
+                    </a:p>
+                  </a:txBody>
+                  <a:tcPr>
+                    <a:noFill/>
+                  </a:tcPr>
+                </a:tc>
+                <a:tc>
+                  <a:txBody>
+                    <a:bodyPr/>
+                    <a:lstStyle/>
+                    <a:p>
+                      <a:r>
+                        <a:rPr lang="es-CR" sz="1600" dirty="0"/>
+                        <a:t>0</a:t>
+                      </a:r>
+                    </a:p>
+                  </a:txBody>
+                  <a:tcPr>
+                    <a:noFill/>
+                  </a:tcPr>
+                </a:tc>
+                <a:tc>
+                  <a:txBody>
+                    <a:bodyPr/>
+                    <a:lstStyle/>
+                    <a:p>
+                      <a:r>
+                        <a:rPr lang="es-CR" sz="1600" dirty="0"/>
+                        <a:t>0</a:t>
+                      </a:r>
+                    </a:p>
+                  </a:txBody>
+                  <a:tcPr>
+                    <a:noFill/>
+                  </a:tcPr>
+                </a:tc>
+                <a:tc>
+                  <a:txBody>
+                    <a:bodyPr/>
+                    <a:lstStyle/>
+                    <a:p>
+                      <a:r>
+                        <a:rPr lang="es-CR" sz="1600" dirty="0"/>
+                        <a:t>0</a:t>
+                      </a:r>
+                    </a:p>
+                  </a:txBody>
+                  <a:tcPr>
+                    <a:noFill/>
+                  </a:tcPr>
+                </a:tc>
+                <a:extLst>
+                  <a:ext uri="{0D108BD9-81ED-4DB2-BD59-A6C34878D82A}">
+                    <a16:rowId xmlns:a16="http://schemas.microsoft.com/office/drawing/2014/main" val="4033185661"/>
+                  </a:ext>
+                </a:extLst>
+              </a:tr>
+              <a:tr h="355015">
+                <a:tc>
+                  <a:txBody>
+                    <a:bodyPr/>
+                    <a:lstStyle/>
+                    <a:p>
+                      <a:r>
+                        <a:rPr lang="es-CR" sz="1600" dirty="0"/>
+                        <a:t>0</a:t>
+                      </a:r>
+                    </a:p>
+                  </a:txBody>
+                  <a:tcPr>
+                    <a:noFill/>
+                  </a:tcPr>
+                </a:tc>
+                <a:tc>
+                  <a:txBody>
+                    <a:bodyPr/>
+                    <a:lstStyle/>
+                    <a:p>
+                      <a:r>
+                        <a:rPr lang="es-CR" sz="1600" dirty="0"/>
+                        <a:t>0</a:t>
+                      </a:r>
+                    </a:p>
+                  </a:txBody>
+                  <a:tcPr>
+                    <a:noFill/>
+                  </a:tcPr>
+                </a:tc>
+                <a:tc>
+                  <a:txBody>
+                    <a:bodyPr/>
+                    <a:lstStyle/>
+                    <a:p>
+                      <a:r>
+                        <a:rPr lang="es-CR" sz="1600" dirty="0"/>
+                        <a:t>0</a:t>
+                      </a:r>
+                    </a:p>
+                  </a:txBody>
+                  <a:tcPr>
+                    <a:noFill/>
+                  </a:tcPr>
+                </a:tc>
+                <a:tc>
+                  <a:txBody>
+                    <a:bodyPr/>
+                    <a:lstStyle/>
+                    <a:p>
+                      <a:r>
+                        <a:rPr lang="es-CR" sz="1600" dirty="0"/>
+                        <a:t>0</a:t>
+                      </a:r>
+                    </a:p>
+                  </a:txBody>
+                  <a:tcPr>
+                    <a:noFill/>
+                  </a:tcPr>
+                </a:tc>
+                <a:tc>
+                  <a:txBody>
+                    <a:bodyPr/>
+                    <a:lstStyle/>
+                    <a:p>
+                      <a:r>
+                        <a:rPr lang="es-CR" sz="1600" b="1" dirty="0"/>
+                        <a:t>1</a:t>
+                      </a:r>
+                    </a:p>
+                  </a:txBody>
+                  <a:tcPr>
+                    <a:noFill/>
+                  </a:tcPr>
+                </a:tc>
+                <a:tc>
+                  <a:txBody>
+                    <a:bodyPr/>
+                    <a:lstStyle/>
+                    <a:p>
+                      <a:r>
+                        <a:rPr lang="es-CR" sz="1600" dirty="0"/>
+                        <a:t>0</a:t>
+                      </a:r>
+                    </a:p>
+                  </a:txBody>
+                  <a:tcPr>
+                    <a:noFill/>
+                  </a:tcPr>
+                </a:tc>
+                <a:tc>
+                  <a:txBody>
+                    <a:bodyPr/>
+                    <a:lstStyle/>
+                    <a:p>
+                      <a:r>
+                        <a:rPr lang="es-CR" sz="1600" dirty="0"/>
+                        <a:t>0</a:t>
+                      </a:r>
+                    </a:p>
+                  </a:txBody>
+                  <a:tcPr>
+                    <a:noFill/>
+                  </a:tcPr>
+                </a:tc>
+                <a:tc>
+                  <a:txBody>
+                    <a:bodyPr/>
+                    <a:lstStyle/>
+                    <a:p>
+                      <a:r>
+                        <a:rPr lang="es-CR" sz="1600" dirty="0"/>
+                        <a:t>0</a:t>
+                      </a:r>
+                    </a:p>
+                  </a:txBody>
+                  <a:tcPr>
+                    <a:noFill/>
+                  </a:tcPr>
+                </a:tc>
+                <a:tc>
+                  <a:txBody>
+                    <a:bodyPr/>
+                    <a:lstStyle/>
+                    <a:p>
+                      <a:r>
+                        <a:rPr lang="es-CR" sz="1600" dirty="0"/>
+                        <a:t>0</a:t>
+                      </a:r>
+                    </a:p>
+                  </a:txBody>
+                  <a:tcPr>
+                    <a:noFill/>
+                  </a:tcPr>
+                </a:tc>
+                <a:tc>
+                  <a:txBody>
+                    <a:bodyPr/>
+                    <a:lstStyle/>
+                    <a:p>
+                      <a:r>
+                        <a:rPr lang="es-CR" sz="1600" dirty="0"/>
+                        <a:t>0</a:t>
+                      </a:r>
+                    </a:p>
+                  </a:txBody>
+                  <a:tcPr>
+                    <a:noFill/>
+                  </a:tcPr>
+                </a:tc>
+                <a:extLst>
+                  <a:ext uri="{0D108BD9-81ED-4DB2-BD59-A6C34878D82A}">
+                    <a16:rowId xmlns:a16="http://schemas.microsoft.com/office/drawing/2014/main" val="2522955459"/>
+                  </a:ext>
+                </a:extLst>
+              </a:tr>
+              <a:tr h="355015">
+                <a:tc>
+                  <a:txBody>
+                    <a:bodyPr/>
+                    <a:lstStyle/>
+                    <a:p>
+                      <a:r>
+                        <a:rPr lang="es-CR" sz="1600" dirty="0"/>
+                        <a:t>0</a:t>
+                      </a:r>
+                    </a:p>
+                  </a:txBody>
+                  <a:tcPr>
+                    <a:noFill/>
+                  </a:tcPr>
+                </a:tc>
+                <a:tc>
+                  <a:txBody>
+                    <a:bodyPr/>
+                    <a:lstStyle/>
+                    <a:p>
+                      <a:r>
+                        <a:rPr lang="es-CR" sz="1600" dirty="0"/>
+                        <a:t>0</a:t>
+                      </a:r>
+                    </a:p>
+                  </a:txBody>
+                  <a:tcPr>
+                    <a:noFill/>
+                  </a:tcPr>
+                </a:tc>
+                <a:tc>
+                  <a:txBody>
+                    <a:bodyPr/>
+                    <a:lstStyle/>
+                    <a:p>
+                      <a:r>
+                        <a:rPr lang="es-CR" sz="1600" dirty="0"/>
+                        <a:t>0</a:t>
+                      </a:r>
+                    </a:p>
+                  </a:txBody>
+                  <a:tcPr>
+                    <a:noFill/>
+                  </a:tcPr>
+                </a:tc>
+                <a:tc>
+                  <a:txBody>
+                    <a:bodyPr/>
+                    <a:lstStyle/>
+                    <a:p>
+                      <a:r>
+                        <a:rPr lang="es-CR" sz="1600" dirty="0"/>
+                        <a:t>0</a:t>
+                      </a:r>
+                    </a:p>
+                  </a:txBody>
+                  <a:tcPr>
+                    <a:noFill/>
+                  </a:tcPr>
+                </a:tc>
+                <a:tc>
+                  <a:txBody>
+                    <a:bodyPr/>
+                    <a:lstStyle/>
+                    <a:p>
+                      <a:r>
+                        <a:rPr lang="es-CR" sz="1600" dirty="0"/>
+                        <a:t>0</a:t>
+                      </a:r>
+                    </a:p>
+                  </a:txBody>
+                  <a:tcPr>
+                    <a:noFill/>
+                  </a:tcPr>
+                </a:tc>
+                <a:tc>
+                  <a:txBody>
+                    <a:bodyPr/>
+                    <a:lstStyle/>
+                    <a:p>
+                      <a:r>
+                        <a:rPr lang="es-CR" sz="1600" b="1" dirty="0"/>
+                        <a:t>1</a:t>
+                      </a:r>
+                    </a:p>
+                  </a:txBody>
+                  <a:tcPr>
+                    <a:noFill/>
+                  </a:tcPr>
+                </a:tc>
+                <a:tc>
+                  <a:txBody>
+                    <a:bodyPr/>
+                    <a:lstStyle/>
+                    <a:p>
+                      <a:r>
+                        <a:rPr lang="es-CR" sz="1600" dirty="0"/>
+                        <a:t>0</a:t>
+                      </a:r>
+                    </a:p>
+                  </a:txBody>
+                  <a:tcPr>
+                    <a:noFill/>
+                  </a:tcPr>
+                </a:tc>
+                <a:tc>
+                  <a:txBody>
+                    <a:bodyPr/>
+                    <a:lstStyle/>
+                    <a:p>
+                      <a:r>
+                        <a:rPr lang="es-CR" sz="1600" dirty="0"/>
+                        <a:t>0</a:t>
+                      </a:r>
+                    </a:p>
+                  </a:txBody>
+                  <a:tcPr>
+                    <a:noFill/>
+                  </a:tcPr>
+                </a:tc>
+                <a:tc>
+                  <a:txBody>
+                    <a:bodyPr/>
+                    <a:lstStyle/>
+                    <a:p>
+                      <a:r>
+                        <a:rPr lang="es-CR" sz="1600" dirty="0"/>
+                        <a:t>0</a:t>
+                      </a:r>
+                    </a:p>
+                  </a:txBody>
+                  <a:tcPr>
+                    <a:noFill/>
+                  </a:tcPr>
+                </a:tc>
+                <a:tc>
+                  <a:txBody>
+                    <a:bodyPr/>
+                    <a:lstStyle/>
+                    <a:p>
+                      <a:r>
+                        <a:rPr lang="es-CR" sz="1600" dirty="0"/>
+                        <a:t>0</a:t>
+                      </a:r>
+                    </a:p>
+                  </a:txBody>
+                  <a:tcPr>
+                    <a:noFill/>
+                  </a:tcPr>
+                </a:tc>
+                <a:extLst>
+                  <a:ext uri="{0D108BD9-81ED-4DB2-BD59-A6C34878D82A}">
+                    <a16:rowId xmlns:a16="http://schemas.microsoft.com/office/drawing/2014/main" val="3442994685"/>
+                  </a:ext>
+                </a:extLst>
+              </a:tr>
+              <a:tr h="355015">
+                <a:tc>
+                  <a:txBody>
+                    <a:bodyPr/>
+                    <a:lstStyle/>
+                    <a:p>
+                      <a:r>
+                        <a:rPr lang="es-CR" sz="1600" dirty="0"/>
+                        <a:t>0</a:t>
+                      </a:r>
+                    </a:p>
+                  </a:txBody>
+                  <a:tcPr>
+                    <a:noFill/>
+                  </a:tcPr>
+                </a:tc>
+                <a:tc>
+                  <a:txBody>
+                    <a:bodyPr/>
+                    <a:lstStyle/>
+                    <a:p>
+                      <a:r>
+                        <a:rPr lang="es-CR" sz="1600" dirty="0"/>
+                        <a:t>0</a:t>
+                      </a:r>
+                    </a:p>
+                  </a:txBody>
+                  <a:tcPr>
+                    <a:noFill/>
+                  </a:tcPr>
+                </a:tc>
+                <a:tc>
+                  <a:txBody>
+                    <a:bodyPr/>
+                    <a:lstStyle/>
+                    <a:p>
+                      <a:r>
+                        <a:rPr lang="es-CR" sz="1600" dirty="0"/>
+                        <a:t>0</a:t>
+                      </a:r>
+                    </a:p>
+                  </a:txBody>
+                  <a:tcPr>
+                    <a:noFill/>
+                  </a:tcPr>
+                </a:tc>
+                <a:tc>
+                  <a:txBody>
+                    <a:bodyPr/>
+                    <a:lstStyle/>
+                    <a:p>
+                      <a:r>
+                        <a:rPr lang="es-CR" sz="1600" dirty="0"/>
+                        <a:t>0</a:t>
+                      </a:r>
+                    </a:p>
+                  </a:txBody>
+                  <a:tcPr>
+                    <a:noFill/>
+                  </a:tcPr>
+                </a:tc>
+                <a:tc>
+                  <a:txBody>
+                    <a:bodyPr/>
+                    <a:lstStyle/>
+                    <a:p>
+                      <a:r>
+                        <a:rPr lang="es-CR" sz="1600" dirty="0"/>
+                        <a:t>0</a:t>
+                      </a:r>
+                    </a:p>
+                  </a:txBody>
+                  <a:tcPr>
+                    <a:noFill/>
+                  </a:tcPr>
+                </a:tc>
+                <a:tc>
+                  <a:txBody>
+                    <a:bodyPr/>
+                    <a:lstStyle/>
+                    <a:p>
+                      <a:r>
+                        <a:rPr lang="es-CR" sz="1600" dirty="0"/>
+                        <a:t>0</a:t>
+                      </a:r>
+                    </a:p>
+                  </a:txBody>
+                  <a:tcPr>
+                    <a:noFill/>
+                  </a:tcPr>
+                </a:tc>
+                <a:tc>
+                  <a:txBody>
+                    <a:bodyPr/>
+                    <a:lstStyle/>
+                    <a:p>
+                      <a:r>
+                        <a:rPr lang="es-CR" sz="1600" b="1" dirty="0"/>
+                        <a:t>1</a:t>
+                      </a:r>
+                    </a:p>
+                  </a:txBody>
+                  <a:tcPr>
+                    <a:noFill/>
+                  </a:tcPr>
+                </a:tc>
+                <a:tc>
+                  <a:txBody>
+                    <a:bodyPr/>
+                    <a:lstStyle/>
+                    <a:p>
+                      <a:r>
+                        <a:rPr lang="es-CR" sz="1600" dirty="0"/>
+                        <a:t>0</a:t>
+                      </a:r>
+                    </a:p>
+                  </a:txBody>
+                  <a:tcPr>
+                    <a:noFill/>
+                  </a:tcPr>
+                </a:tc>
+                <a:tc>
+                  <a:txBody>
+                    <a:bodyPr/>
+                    <a:lstStyle/>
+                    <a:p>
+                      <a:r>
+                        <a:rPr lang="es-CR" sz="1600" dirty="0"/>
+                        <a:t>0</a:t>
+                      </a:r>
+                    </a:p>
+                  </a:txBody>
+                  <a:tcPr>
+                    <a:noFill/>
+                  </a:tcPr>
+                </a:tc>
+                <a:tc>
+                  <a:txBody>
+                    <a:bodyPr/>
+                    <a:lstStyle/>
+                    <a:p>
+                      <a:r>
+                        <a:rPr lang="es-CR" sz="1600" dirty="0"/>
+                        <a:t>0</a:t>
+                      </a:r>
+                    </a:p>
+                  </a:txBody>
+                  <a:tcPr>
+                    <a:noFill/>
+                  </a:tcPr>
+                </a:tc>
+                <a:extLst>
+                  <a:ext uri="{0D108BD9-81ED-4DB2-BD59-A6C34878D82A}">
+                    <a16:rowId xmlns:a16="http://schemas.microsoft.com/office/drawing/2014/main" val="262474147"/>
+                  </a:ext>
+                </a:extLst>
+              </a:tr>
+              <a:tr h="355015">
+                <a:tc>
+                  <a:txBody>
+                    <a:bodyPr/>
+                    <a:lstStyle/>
+                    <a:p>
+                      <a:r>
+                        <a:rPr lang="es-CR" sz="1600" dirty="0"/>
+                        <a:t>0</a:t>
+                      </a:r>
+                    </a:p>
+                  </a:txBody>
+                  <a:tcPr>
+                    <a:noFill/>
+                  </a:tcPr>
+                </a:tc>
+                <a:tc>
+                  <a:txBody>
+                    <a:bodyPr/>
+                    <a:lstStyle/>
+                    <a:p>
+                      <a:r>
+                        <a:rPr lang="es-CR" sz="1600" dirty="0"/>
+                        <a:t>0</a:t>
+                      </a:r>
+                    </a:p>
+                  </a:txBody>
+                  <a:tcPr>
+                    <a:noFill/>
+                  </a:tcPr>
+                </a:tc>
+                <a:tc>
+                  <a:txBody>
+                    <a:bodyPr/>
+                    <a:lstStyle/>
+                    <a:p>
+                      <a:r>
+                        <a:rPr lang="es-CR" sz="1600" dirty="0"/>
+                        <a:t>0</a:t>
+                      </a:r>
+                    </a:p>
+                  </a:txBody>
+                  <a:tcPr>
+                    <a:noFill/>
+                  </a:tcPr>
+                </a:tc>
+                <a:tc>
+                  <a:txBody>
+                    <a:bodyPr/>
+                    <a:lstStyle/>
+                    <a:p>
+                      <a:r>
+                        <a:rPr lang="es-CR" sz="1600" dirty="0"/>
+                        <a:t>0</a:t>
+                      </a:r>
+                    </a:p>
+                  </a:txBody>
+                  <a:tcPr>
+                    <a:noFill/>
+                  </a:tcPr>
+                </a:tc>
+                <a:tc>
+                  <a:txBody>
+                    <a:bodyPr/>
+                    <a:lstStyle/>
+                    <a:p>
+                      <a:r>
+                        <a:rPr lang="es-CR" sz="1600" dirty="0"/>
+                        <a:t>0</a:t>
+                      </a:r>
+                    </a:p>
+                  </a:txBody>
+                  <a:tcPr>
+                    <a:noFill/>
+                  </a:tcPr>
+                </a:tc>
+                <a:tc>
+                  <a:txBody>
+                    <a:bodyPr/>
+                    <a:lstStyle/>
+                    <a:p>
+                      <a:r>
+                        <a:rPr lang="es-CR" sz="1600" dirty="0"/>
+                        <a:t>0</a:t>
+                      </a:r>
+                    </a:p>
+                  </a:txBody>
+                  <a:tcPr>
+                    <a:noFill/>
+                  </a:tcPr>
+                </a:tc>
+                <a:tc>
+                  <a:txBody>
+                    <a:bodyPr/>
+                    <a:lstStyle/>
+                    <a:p>
+                      <a:r>
+                        <a:rPr lang="es-CR" sz="1600" dirty="0"/>
+                        <a:t>0</a:t>
+                      </a:r>
+                    </a:p>
+                  </a:txBody>
+                  <a:tcPr>
+                    <a:noFill/>
+                  </a:tcPr>
+                </a:tc>
+                <a:tc>
+                  <a:txBody>
+                    <a:bodyPr/>
+                    <a:lstStyle/>
+                    <a:p>
+                      <a:r>
+                        <a:rPr lang="es-CR" sz="1600" b="1" dirty="0"/>
+                        <a:t>1</a:t>
+                      </a:r>
+                    </a:p>
+                  </a:txBody>
+                  <a:tcPr>
+                    <a:noFill/>
+                  </a:tcPr>
+                </a:tc>
+                <a:tc>
+                  <a:txBody>
+                    <a:bodyPr/>
+                    <a:lstStyle/>
+                    <a:p>
+                      <a:r>
+                        <a:rPr lang="es-CR" sz="1600" dirty="0"/>
+                        <a:t>0</a:t>
+                      </a:r>
+                    </a:p>
+                  </a:txBody>
+                  <a:tcPr>
+                    <a:noFill/>
+                  </a:tcPr>
+                </a:tc>
+                <a:tc>
+                  <a:txBody>
+                    <a:bodyPr/>
+                    <a:lstStyle/>
+                    <a:p>
+                      <a:r>
+                        <a:rPr lang="es-CR" sz="1600" dirty="0"/>
+                        <a:t>0</a:t>
+                      </a:r>
+                    </a:p>
+                  </a:txBody>
+                  <a:tcPr>
+                    <a:noFill/>
+                  </a:tcPr>
+                </a:tc>
+                <a:extLst>
+                  <a:ext uri="{0D108BD9-81ED-4DB2-BD59-A6C34878D82A}">
+                    <a16:rowId xmlns:a16="http://schemas.microsoft.com/office/drawing/2014/main" val="2808042931"/>
+                  </a:ext>
+                </a:extLst>
+              </a:tr>
+              <a:tr h="355015">
+                <a:tc>
+                  <a:txBody>
+                    <a:bodyPr/>
+                    <a:lstStyle/>
+                    <a:p>
+                      <a:r>
+                        <a:rPr lang="es-CR" sz="1600" dirty="0"/>
+                        <a:t>0</a:t>
+                      </a:r>
+                    </a:p>
+                  </a:txBody>
+                  <a:tcPr>
+                    <a:noFill/>
+                  </a:tcPr>
+                </a:tc>
+                <a:tc>
+                  <a:txBody>
+                    <a:bodyPr/>
+                    <a:lstStyle/>
+                    <a:p>
+                      <a:r>
+                        <a:rPr lang="es-CR" sz="1600" dirty="0"/>
+                        <a:t>0</a:t>
+                      </a:r>
+                    </a:p>
+                  </a:txBody>
+                  <a:tcPr>
+                    <a:noFill/>
+                  </a:tcPr>
+                </a:tc>
+                <a:tc>
+                  <a:txBody>
+                    <a:bodyPr/>
+                    <a:lstStyle/>
+                    <a:p>
+                      <a:r>
+                        <a:rPr lang="es-CR" sz="1600" dirty="0"/>
+                        <a:t>0</a:t>
+                      </a:r>
+                    </a:p>
+                  </a:txBody>
+                  <a:tcPr>
+                    <a:noFill/>
+                  </a:tcPr>
+                </a:tc>
+                <a:tc>
+                  <a:txBody>
+                    <a:bodyPr/>
+                    <a:lstStyle/>
+                    <a:p>
+                      <a:r>
+                        <a:rPr lang="es-CR" sz="1600" dirty="0"/>
+                        <a:t>0</a:t>
+                      </a:r>
+                    </a:p>
+                  </a:txBody>
+                  <a:tcPr>
+                    <a:noFill/>
+                  </a:tcPr>
+                </a:tc>
+                <a:tc>
+                  <a:txBody>
+                    <a:bodyPr/>
+                    <a:lstStyle/>
+                    <a:p>
+                      <a:r>
+                        <a:rPr lang="es-CR" sz="1600" dirty="0"/>
+                        <a:t>0</a:t>
+                      </a:r>
+                    </a:p>
+                  </a:txBody>
+                  <a:tcPr>
+                    <a:noFill/>
+                  </a:tcPr>
+                </a:tc>
+                <a:tc>
+                  <a:txBody>
+                    <a:bodyPr/>
+                    <a:lstStyle/>
+                    <a:p>
+                      <a:r>
+                        <a:rPr lang="es-CR" sz="1600" dirty="0"/>
+                        <a:t>0</a:t>
+                      </a:r>
+                    </a:p>
+                  </a:txBody>
+                  <a:tcPr>
+                    <a:noFill/>
+                  </a:tcPr>
+                </a:tc>
+                <a:tc>
+                  <a:txBody>
+                    <a:bodyPr/>
+                    <a:lstStyle/>
+                    <a:p>
+                      <a:r>
+                        <a:rPr lang="es-CR" sz="1600" dirty="0"/>
+                        <a:t>0</a:t>
+                      </a:r>
+                    </a:p>
+                  </a:txBody>
+                  <a:tcPr>
+                    <a:noFill/>
+                  </a:tcPr>
+                </a:tc>
+                <a:tc>
+                  <a:txBody>
+                    <a:bodyPr/>
+                    <a:lstStyle/>
+                    <a:p>
+                      <a:r>
+                        <a:rPr lang="es-CR" sz="1600" dirty="0"/>
+                        <a:t>0</a:t>
+                      </a:r>
+                    </a:p>
+                  </a:txBody>
+                  <a:tcPr>
+                    <a:noFill/>
+                  </a:tcPr>
+                </a:tc>
+                <a:tc>
+                  <a:txBody>
+                    <a:bodyPr/>
+                    <a:lstStyle/>
+                    <a:p>
+                      <a:r>
+                        <a:rPr lang="es-CR" sz="1600" b="1" dirty="0"/>
+                        <a:t>1</a:t>
+                      </a:r>
+                    </a:p>
+                  </a:txBody>
+                  <a:tcPr>
+                    <a:noFill/>
+                  </a:tcPr>
+                </a:tc>
+                <a:tc>
+                  <a:txBody>
+                    <a:bodyPr/>
+                    <a:lstStyle/>
+                    <a:p>
+                      <a:r>
+                        <a:rPr lang="es-CR" sz="1600" dirty="0"/>
+                        <a:t>0</a:t>
+                      </a:r>
+                    </a:p>
+                  </a:txBody>
+                  <a:tcPr>
+                    <a:noFill/>
+                  </a:tcPr>
+                </a:tc>
+                <a:extLst>
+                  <a:ext uri="{0D108BD9-81ED-4DB2-BD59-A6C34878D82A}">
+                    <a16:rowId xmlns:a16="http://schemas.microsoft.com/office/drawing/2014/main" val="470362996"/>
+                  </a:ext>
+                </a:extLst>
+              </a:tr>
+              <a:tr h="355015">
+                <a:tc>
+                  <a:txBody>
+                    <a:bodyPr/>
+                    <a:lstStyle/>
+                    <a:p>
+                      <a:r>
+                        <a:rPr lang="es-CR" sz="1600" dirty="0"/>
+                        <a:t>0</a:t>
+                      </a:r>
+                    </a:p>
+                  </a:txBody>
+                  <a:tcPr>
+                    <a:noFill/>
+                  </a:tcPr>
+                </a:tc>
+                <a:tc>
+                  <a:txBody>
+                    <a:bodyPr/>
+                    <a:lstStyle/>
+                    <a:p>
+                      <a:r>
+                        <a:rPr lang="es-CR" sz="1600" dirty="0"/>
+                        <a:t>0</a:t>
+                      </a:r>
+                    </a:p>
+                  </a:txBody>
+                  <a:tcPr>
+                    <a:noFill/>
+                  </a:tcPr>
+                </a:tc>
+                <a:tc>
+                  <a:txBody>
+                    <a:bodyPr/>
+                    <a:lstStyle/>
+                    <a:p>
+                      <a:r>
+                        <a:rPr lang="es-CR" sz="1600" dirty="0"/>
+                        <a:t>0</a:t>
+                      </a:r>
+                    </a:p>
+                  </a:txBody>
+                  <a:tcPr>
+                    <a:noFill/>
+                  </a:tcPr>
+                </a:tc>
+                <a:tc>
+                  <a:txBody>
+                    <a:bodyPr/>
+                    <a:lstStyle/>
+                    <a:p>
+                      <a:r>
+                        <a:rPr lang="es-CR" sz="1600" dirty="0"/>
+                        <a:t>0</a:t>
+                      </a:r>
+                    </a:p>
+                  </a:txBody>
+                  <a:tcPr>
+                    <a:noFill/>
+                  </a:tcPr>
+                </a:tc>
+                <a:tc>
+                  <a:txBody>
+                    <a:bodyPr/>
+                    <a:lstStyle/>
+                    <a:p>
+                      <a:r>
+                        <a:rPr lang="es-CR" sz="1600" dirty="0"/>
+                        <a:t>0</a:t>
+                      </a:r>
+                    </a:p>
+                  </a:txBody>
+                  <a:tcPr>
+                    <a:noFill/>
+                  </a:tcPr>
+                </a:tc>
+                <a:tc>
+                  <a:txBody>
+                    <a:bodyPr/>
+                    <a:lstStyle/>
+                    <a:p>
+                      <a:r>
+                        <a:rPr lang="es-CR" sz="1600" dirty="0"/>
+                        <a:t>0</a:t>
+                      </a:r>
+                    </a:p>
+                  </a:txBody>
+                  <a:tcPr>
+                    <a:noFill/>
+                  </a:tcPr>
+                </a:tc>
+                <a:tc>
+                  <a:txBody>
+                    <a:bodyPr/>
+                    <a:lstStyle/>
+                    <a:p>
+                      <a:r>
+                        <a:rPr lang="es-CR" sz="1600" dirty="0"/>
+                        <a:t>0</a:t>
+                      </a:r>
+                    </a:p>
+                  </a:txBody>
+                  <a:tcPr>
+                    <a:noFill/>
+                  </a:tcPr>
+                </a:tc>
+                <a:tc>
+                  <a:txBody>
+                    <a:bodyPr/>
+                    <a:lstStyle/>
+                    <a:p>
+                      <a:r>
+                        <a:rPr lang="es-CR" sz="1600" dirty="0"/>
+                        <a:t>0</a:t>
+                      </a:r>
+                    </a:p>
+                  </a:txBody>
+                  <a:tcPr>
+                    <a:noFill/>
+                  </a:tcPr>
+                </a:tc>
+                <a:tc>
+                  <a:txBody>
+                    <a:bodyPr/>
+                    <a:lstStyle/>
+                    <a:p>
+                      <a:r>
+                        <a:rPr lang="es-CR" sz="1600" dirty="0"/>
+                        <a:t>0</a:t>
+                      </a:r>
+                    </a:p>
+                  </a:txBody>
+                  <a:tcPr>
+                    <a:noFill/>
+                  </a:tcPr>
+                </a:tc>
+                <a:tc>
+                  <a:txBody>
+                    <a:bodyPr/>
+                    <a:lstStyle/>
+                    <a:p>
+                      <a:r>
+                        <a:rPr lang="es-CR" sz="1600" b="1" dirty="0"/>
+                        <a:t>1</a:t>
+                      </a:r>
+                    </a:p>
+                  </a:txBody>
+                  <a:tcPr>
+                    <a:noFill/>
+                  </a:tcPr>
+                </a:tc>
+                <a:extLst>
+                  <a:ext uri="{0D108BD9-81ED-4DB2-BD59-A6C34878D82A}">
+                    <a16:rowId xmlns:a16="http://schemas.microsoft.com/office/drawing/2014/main" val="71449168"/>
+                  </a:ext>
+                </a:extLst>
+              </a:tr>
+            </a:tbl>
+          </a:graphicData>
+        </a:graphic>
+      </p:graphicFrame>
+      <p:sp>
+        <p:nvSpPr>
+          <p:cNvPr id="11" name="CuadroTexto 10">
+            <a:extLst>
+              <a:ext uri="{FF2B5EF4-FFF2-40B4-BE49-F238E27FC236}">
+                <a16:creationId xmlns:a16="http://schemas.microsoft.com/office/drawing/2014/main" id="{E50668A1-F9A0-944B-B430-CCE7C99FB174}"/>
+              </a:ext>
+            </a:extLst>
+          </p:cNvPr>
+          <p:cNvSpPr txBox="1"/>
+          <p:nvPr/>
+        </p:nvSpPr>
+        <p:spPr>
+          <a:xfrm>
+            <a:off x="2004735" y="2575622"/>
+            <a:ext cx="2649500" cy="369332"/>
+          </a:xfrm>
+          <a:prstGeom prst="rect">
+            <a:avLst/>
+          </a:prstGeom>
+          <a:noFill/>
+        </p:spPr>
+        <p:txBody>
+          <a:bodyPr wrap="square" rtlCol="0">
+            <a:spAutoFit/>
+          </a:bodyPr>
+          <a:lstStyle/>
+          <a:p>
+            <a:r>
+              <a:rPr lang="es-CR" b="1" dirty="0">
+                <a:solidFill>
+                  <a:srgbClr val="595959"/>
+                </a:solidFill>
+                <a:latin typeface="Myriad Pro" panose="020B0503030403020204" pitchFamily="34" charset="0"/>
+              </a:rPr>
+              <a:t>Codificación </a:t>
+            </a:r>
+            <a:r>
+              <a:rPr lang="es-CR" b="1" dirty="0" err="1">
+                <a:solidFill>
+                  <a:srgbClr val="595959"/>
+                </a:solidFill>
+                <a:latin typeface="Myriad Pro" panose="020B0503030403020204" pitchFamily="34" charset="0"/>
+              </a:rPr>
+              <a:t>One</a:t>
+            </a:r>
+            <a:r>
+              <a:rPr lang="es-CR" b="1" dirty="0">
+                <a:solidFill>
+                  <a:srgbClr val="595959"/>
+                </a:solidFill>
+                <a:latin typeface="Myriad Pro" panose="020B0503030403020204" pitchFamily="34" charset="0"/>
+              </a:rPr>
+              <a:t>-Hot</a:t>
+            </a:r>
+            <a:endParaRPr lang="es-CR" b="1" dirty="0"/>
+          </a:p>
+        </p:txBody>
+      </p:sp>
+      <mc:AlternateContent xmlns:mc="http://schemas.openxmlformats.org/markup-compatibility/2006" xmlns:a14="http://schemas.microsoft.com/office/drawing/2010/main">
+        <mc:Choice Requires="a14">
+          <p:sp>
+            <p:nvSpPr>
+              <p:cNvPr id="12" name="CuadroTexto 11">
+                <a:extLst>
+                  <a:ext uri="{FF2B5EF4-FFF2-40B4-BE49-F238E27FC236}">
+                    <a16:creationId xmlns:a16="http://schemas.microsoft.com/office/drawing/2014/main" id="{175A5005-E2E0-9547-ADFB-A2D2F80B1D6D}"/>
+                  </a:ext>
+                </a:extLst>
+              </p:cNvPr>
+              <p:cNvSpPr txBox="1"/>
+              <p:nvPr/>
+            </p:nvSpPr>
+            <p:spPr>
+              <a:xfrm>
+                <a:off x="2355475" y="2705894"/>
+                <a:ext cx="1948021" cy="1015663"/>
+              </a:xfrm>
+              <a:prstGeom prst="rect">
+                <a:avLst/>
+              </a:prstGeom>
+              <a:noFill/>
+            </p:spPr>
+            <p:txBody>
+              <a:bodyPr wrap="square" lIns="0" tIns="0" rIns="0" bIns="0" rtlCol="0">
+                <a:spAutoFit/>
+              </a:bodyPr>
+              <a:lstStyle/>
+              <a:p>
+                <a:pPr/>
+                <a14:m>
+                  <m:oMathPara xmlns:m="http://schemas.openxmlformats.org/officeDocument/2006/math">
+                    <m:oMathParaPr>
+                      <m:jc m:val="centerGroup"/>
+                    </m:oMathParaPr>
+                    <m:oMath xmlns:m="http://schemas.openxmlformats.org/officeDocument/2006/math">
+                      <m:r>
+                        <a:rPr lang="es-CR" sz="6600" i="1" smtClean="0">
+                          <a:latin typeface="Cambria Math" panose="02040503050406030204" pitchFamily="18" charset="0"/>
+                          <a:ea typeface="Cambria Math" panose="02040503050406030204" pitchFamily="18" charset="0"/>
+                        </a:rPr>
+                        <m:t>⟶</m:t>
+                      </m:r>
+                    </m:oMath>
+                  </m:oMathPara>
+                </a14:m>
+                <a:endParaRPr lang="es-CR" sz="6600" dirty="0"/>
+              </a:p>
+            </p:txBody>
+          </p:sp>
+        </mc:Choice>
+        <mc:Fallback xmlns="">
+          <p:sp>
+            <p:nvSpPr>
+              <p:cNvPr id="12" name="CuadroTexto 11">
+                <a:extLst>
+                  <a:ext uri="{FF2B5EF4-FFF2-40B4-BE49-F238E27FC236}">
+                    <a16:creationId xmlns:a16="http://schemas.microsoft.com/office/drawing/2014/main" id="{175A5005-E2E0-9547-ADFB-A2D2F80B1D6D}"/>
+                  </a:ext>
+                </a:extLst>
+              </p:cNvPr>
+              <p:cNvSpPr txBox="1">
+                <a:spLocks noRot="1" noChangeAspect="1" noMove="1" noResize="1" noEditPoints="1" noAdjustHandles="1" noChangeArrowheads="1" noChangeShapeType="1" noTextEdit="1"/>
+              </p:cNvSpPr>
+              <p:nvPr/>
+            </p:nvSpPr>
+            <p:spPr>
+              <a:xfrm>
+                <a:off x="2355475" y="2705894"/>
+                <a:ext cx="1948021" cy="1015663"/>
+              </a:xfrm>
+              <a:prstGeom prst="rect">
+                <a:avLst/>
+              </a:prstGeom>
+              <a:blipFill>
+                <a:blip r:embed="rId2"/>
+                <a:stretch>
+                  <a:fillRect/>
+                </a:stretch>
+              </a:blipFill>
+            </p:spPr>
+            <p:txBody>
+              <a:bodyPr/>
+              <a:lstStyle/>
+              <a:p>
+                <a:r>
+                  <a:rPr lang="es-CR">
+                    <a:noFill/>
+                  </a:rPr>
+                  <a:t> </a:t>
+                </a:r>
+              </a:p>
+            </p:txBody>
+          </p:sp>
+        </mc:Fallback>
+      </mc:AlternateContent>
+    </p:spTree>
+    <p:extLst>
+      <p:ext uri="{BB962C8B-B14F-4D97-AF65-F5344CB8AC3E}">
+        <p14:creationId xmlns:p14="http://schemas.microsoft.com/office/powerpoint/2010/main" val="131472474"/>
+      </p:ext>
+    </p:extLst>
+  </p:cSld>
+  <p:clrMapOvr>
+    <a:masterClrMapping/>
+  </p:clrMapOvr>
+</p:sld>
+</file>
+
+<file path=ppt/slides/slide9.xml><?xml version="1.0" encoding="utf-8"?>
 <p:sld xmlns:a="http://schemas.openxmlformats.org/drawingml/2006/main" xmlns:r="http://schemas.openxmlformats.org/officeDocument/2006/relationships" xmlns:p="http://schemas.openxmlformats.org/presentationml/2006/main">
   <p:cSld>
     <p:spTree>
@@ -16325,7 +19460,7 @@
             <a:fld id="{4624E98C-54E1-8F4C-9379-6BF7059E518B}" type="slidenum">
               <a:rPr lang="en-US" altLang="es-CR" smtClean="0"/>
               <a:pPr/>
-              <a:t>7</a:t>
+              <a:t>9</a:t>
             </a:fld>
             <a:endParaRPr lang="en-US" altLang="es-CR"/>
           </a:p>
@@ -16404,601 +19539,6 @@
     <p:extLst>
       <p:ext uri="{BB962C8B-B14F-4D97-AF65-F5344CB8AC3E}">
         <p14:creationId xmlns:p14="http://schemas.microsoft.com/office/powerpoint/2010/main" val="3114260663"/>
-      </p:ext>
-    </p:extLst>
-  </p:cSld>
-  <p:clrMapOvr>
-    <a:masterClrMapping/>
-  </p:clrMapOvr>
-</p:sld>
-</file>
-
-<file path=ppt/slides/slide8.xml><?xml version="1.0" encoding="utf-8"?>
-<p:sld xmlns:a="http://schemas.openxmlformats.org/drawingml/2006/main" xmlns:r="http://schemas.openxmlformats.org/officeDocument/2006/relationships" xmlns:p="http://schemas.openxmlformats.org/presentationml/2006/main">
-  <p:cSld>
-    <p:spTree>
-      <p:nvGrpSpPr>
-        <p:cNvPr id="1" name=""/>
-        <p:cNvGrpSpPr/>
-        <p:nvPr/>
-      </p:nvGrpSpPr>
-      <p:grpSpPr>
-        <a:xfrm>
-          <a:off x="0" y="0"/>
-          <a:ext cx="0" cy="0"/>
-          <a:chOff x="0" y="0"/>
-          <a:chExt cx="0" cy="0"/>
-        </a:xfrm>
-      </p:grpSpPr>
-      <p:sp>
-        <p:nvSpPr>
-          <p:cNvPr id="2" name="Título 1">
-            <a:extLst>
-              <a:ext uri="{FF2B5EF4-FFF2-40B4-BE49-F238E27FC236}">
-                <a16:creationId xmlns:a16="http://schemas.microsoft.com/office/drawing/2014/main" id="{71E7B82D-0842-2043-82AD-93D263AFEAD8}"/>
-              </a:ext>
-            </a:extLst>
-          </p:cNvPr>
-          <p:cNvSpPr>
-            <a:spLocks noGrp="1"/>
-          </p:cNvSpPr>
-          <p:nvPr>
-            <p:ph type="title"/>
-          </p:nvPr>
-        </p:nvSpPr>
-        <p:spPr>
-          <a:xfrm>
-            <a:off x="457200" y="0"/>
-            <a:ext cx="8229600" cy="857250"/>
-          </a:xfrm>
-        </p:spPr>
-        <p:txBody>
-          <a:bodyPr/>
-          <a:lstStyle/>
-          <a:p>
-            <a:r>
-              <a:rPr lang="es-ES" altLang="es-CR" sz="3200" b="1" dirty="0">
-                <a:solidFill>
-                  <a:srgbClr val="7F7F7F"/>
-                </a:solidFill>
-                <a:latin typeface="Century Gothic" panose="020B0502020202020204" pitchFamily="34" charset="0"/>
-                <a:ea typeface="ＭＳ Ｐゴシック" panose="020B0600070205080204" pitchFamily="34" charset="-128"/>
-              </a:rPr>
-              <a:t>Construir un modelo usando MLP y Keras </a:t>
-            </a:r>
-            <a:endParaRPr lang="es-CR" sz="3200" b="1" dirty="0">
-              <a:latin typeface="Century Gothic" panose="020B0502020202020204" pitchFamily="34" charset="0"/>
-            </a:endParaRPr>
-          </a:p>
-        </p:txBody>
-      </p:sp>
-      <p:sp>
-        <p:nvSpPr>
-          <p:cNvPr id="3" name="Marcador de contenido 2">
-            <a:extLst>
-              <a:ext uri="{FF2B5EF4-FFF2-40B4-BE49-F238E27FC236}">
-                <a16:creationId xmlns:a16="http://schemas.microsoft.com/office/drawing/2014/main" id="{66C88812-F42A-C24B-A06E-30FB949DBF0D}"/>
-              </a:ext>
-            </a:extLst>
-          </p:cNvPr>
-          <p:cNvSpPr>
-            <a:spLocks noGrp="1"/>
-          </p:cNvSpPr>
-          <p:nvPr>
-            <p:ph idx="1"/>
-          </p:nvPr>
-        </p:nvSpPr>
-        <p:spPr>
-          <a:xfrm>
-            <a:off x="457200" y="683087"/>
-            <a:ext cx="8229600" cy="4292895"/>
-          </a:xfrm>
-        </p:spPr>
-        <p:txBody>
-          <a:bodyPr/>
-          <a:lstStyle/>
-          <a:p>
-            <a:pPr marL="0" indent="0">
-              <a:buNone/>
-            </a:pPr>
-            <a:endParaRPr lang="es-CR" sz="1600" dirty="0">
-              <a:solidFill>
-                <a:srgbClr val="595959"/>
-              </a:solidFill>
-              <a:latin typeface="Myriad Pro" panose="020B0503030403020204" pitchFamily="34" charset="0"/>
-              <a:ea typeface="ＭＳ Ｐゴシック" panose="020B0600070205080204" pitchFamily="34" charset="-128"/>
-            </a:endParaRPr>
-          </a:p>
-          <a:p>
-            <a:r>
-              <a:rPr lang="es-CR" sz="1800" dirty="0">
-                <a:solidFill>
-                  <a:srgbClr val="595959"/>
-                </a:solidFill>
-                <a:latin typeface="Myriad Pro" panose="020B0503030403020204" pitchFamily="34" charset="0"/>
-                <a:ea typeface="ＭＳ Ｐゴシック" panose="020B0600070205080204" pitchFamily="34" charset="-128"/>
-              </a:rPr>
-              <a:t>Después de la preparación de los datos sigue construir el modelo, el modelo que propusimos está compuesto de 3 capas MLP. En Keras una capa MLP se denomina </a:t>
-            </a:r>
-            <a:r>
-              <a:rPr lang="es-CR" sz="1800" b="1" dirty="0">
-                <a:solidFill>
-                  <a:srgbClr val="595959"/>
-                </a:solidFill>
-                <a:latin typeface="Courier" pitchFamily="2" charset="0"/>
-                <a:ea typeface="ＭＳ Ｐゴシック" panose="020B0600070205080204" pitchFamily="34" charset="-128"/>
-              </a:rPr>
-              <a:t>dense</a:t>
-            </a:r>
-            <a:r>
-              <a:rPr lang="es-CR" sz="1800" dirty="0">
-                <a:solidFill>
-                  <a:srgbClr val="595959"/>
-                </a:solidFill>
-                <a:latin typeface="Myriad Pro" panose="020B0503030403020204" pitchFamily="34" charset="0"/>
-                <a:ea typeface="ＭＳ Ｐゴシック" panose="020B0600070205080204" pitchFamily="34" charset="-128"/>
-              </a:rPr>
-              <a:t>. Tanto la primera como la segunda capa MLP son de la misma naturaleza, con 256 unidades cada una, seguidas de la activación y desactivación de la </a:t>
-            </a:r>
-            <a:r>
-              <a:rPr lang="es-CR" sz="1800" b="1" dirty="0">
-                <a:solidFill>
-                  <a:srgbClr val="595959"/>
-                </a:solidFill>
-                <a:latin typeface="Myriad Pro" panose="020B0503030403020204" pitchFamily="34" charset="0"/>
-                <a:ea typeface="ＭＳ Ｐゴシック" panose="020B0600070205080204" pitchFamily="34" charset="-128"/>
-              </a:rPr>
-              <a:t>Unidad Lineal Rectificada</a:t>
-            </a:r>
-            <a:r>
-              <a:rPr lang="es-CR" sz="1800" dirty="0">
-                <a:solidFill>
-                  <a:srgbClr val="595959"/>
-                </a:solidFill>
-                <a:latin typeface="Myriad Pro" panose="020B0503030403020204" pitchFamily="34" charset="0"/>
-                <a:ea typeface="ＭＳ Ｐゴシック" panose="020B0600070205080204" pitchFamily="34" charset="-128"/>
-              </a:rPr>
-              <a:t> (ReLU). </a:t>
-            </a:r>
-          </a:p>
-          <a:p>
-            <a:endParaRPr lang="es-CR" sz="1800" dirty="0">
-              <a:solidFill>
-                <a:srgbClr val="595959"/>
-              </a:solidFill>
-              <a:latin typeface="Myriad Pro" panose="020B0503030403020204" pitchFamily="34" charset="0"/>
-              <a:ea typeface="ＭＳ Ｐゴシック" panose="020B0600070205080204" pitchFamily="34" charset="-128"/>
-            </a:endParaRPr>
-          </a:p>
-          <a:p>
-            <a:pPr marL="0" indent="0">
-              <a:buNone/>
-            </a:pPr>
-            <a:endParaRPr lang="es-CR" sz="1800" dirty="0">
-              <a:solidFill>
-                <a:srgbClr val="595959"/>
-              </a:solidFill>
-              <a:latin typeface="Myriad Pro" panose="020B0503030403020204" pitchFamily="34" charset="0"/>
-              <a:ea typeface="ＭＳ Ｐゴシック" panose="020B0600070205080204" pitchFamily="34" charset="-128"/>
-            </a:endParaRPr>
-          </a:p>
-          <a:p>
-            <a:r>
-              <a:rPr lang="es-CR" sz="1800" dirty="0">
-                <a:solidFill>
-                  <a:srgbClr val="595959"/>
-                </a:solidFill>
-                <a:latin typeface="Myriad Pro" panose="020B0503030403020204" pitchFamily="34" charset="0"/>
-                <a:ea typeface="ＭＳ Ｐゴシック" panose="020B0600070205080204" pitchFamily="34" charset="-128"/>
-              </a:rPr>
-              <a:t>Se eligen 256 unidades ya que 128, 512 y 1024 unidades tienen métricas de rendimiento más bajas. Esto pues, a 128 unidades, la red converge rápidamente pero tiene una precisión de prueba menor. El número adicional de unidades para 512 o 1024 no aumenta significativamente la precisión de la prueba.</a:t>
-            </a:r>
-          </a:p>
-          <a:p>
-            <a:pPr marL="0" indent="0">
-              <a:buNone/>
-            </a:pPr>
-            <a:endParaRPr lang="es-CR" sz="1600" dirty="0">
-              <a:solidFill>
-                <a:srgbClr val="595959"/>
-              </a:solidFill>
-              <a:latin typeface="Myriad Pro" panose="020B0503030403020204" pitchFamily="34" charset="0"/>
-              <a:ea typeface="ＭＳ Ｐゴシック" panose="020B0600070205080204" pitchFamily="34" charset="-128"/>
-            </a:endParaRPr>
-          </a:p>
-          <a:p>
-            <a:pPr marL="0" indent="0">
-              <a:buNone/>
-            </a:pPr>
-            <a:endParaRPr lang="es-CR" sz="1600" dirty="0">
-              <a:solidFill>
-                <a:srgbClr val="595959"/>
-              </a:solidFill>
-              <a:latin typeface="Myriad Pro" panose="020B0503030403020204" pitchFamily="34" charset="0"/>
-              <a:ea typeface="ＭＳ Ｐゴシック" panose="020B0600070205080204" pitchFamily="34" charset="-128"/>
-            </a:endParaRPr>
-          </a:p>
-          <a:p>
-            <a:pPr marL="0" indent="0">
-              <a:buNone/>
-            </a:pPr>
-            <a:endParaRPr lang="es-CR" sz="1600" dirty="0">
-              <a:solidFill>
-                <a:srgbClr val="595959"/>
-              </a:solidFill>
-              <a:latin typeface="Myriad Pro" panose="020B0503030403020204" pitchFamily="34" charset="0"/>
-              <a:ea typeface="ＭＳ Ｐゴシック" panose="020B0600070205080204" pitchFamily="34" charset="-128"/>
-            </a:endParaRPr>
-          </a:p>
-          <a:p>
-            <a:pPr>
-              <a:buFont typeface="+mj-lt"/>
-              <a:buAutoNum type="arabicPeriod"/>
-            </a:pPr>
-            <a:endParaRPr lang="es-CR" sz="1600" dirty="0">
-              <a:solidFill>
-                <a:srgbClr val="595959"/>
-              </a:solidFill>
-              <a:latin typeface="Myriad Pro" panose="020B0503030403020204" pitchFamily="34" charset="0"/>
-              <a:ea typeface="ＭＳ Ｐゴシック" panose="020B0600070205080204" pitchFamily="34" charset="-128"/>
-            </a:endParaRPr>
-          </a:p>
-          <a:p>
-            <a:pPr>
-              <a:buFont typeface="+mj-lt"/>
-              <a:buAutoNum type="arabicPeriod"/>
-            </a:pPr>
-            <a:endParaRPr lang="es-CR" sz="1600" dirty="0">
-              <a:solidFill>
-                <a:srgbClr val="595959"/>
-              </a:solidFill>
-              <a:latin typeface="Myriad Pro" panose="020B0503030403020204" pitchFamily="34" charset="0"/>
-              <a:ea typeface="ＭＳ Ｐゴシック" panose="020B0600070205080204" pitchFamily="34" charset="-128"/>
-            </a:endParaRPr>
-          </a:p>
-          <a:p>
-            <a:pPr marL="0" indent="0">
-              <a:buNone/>
-            </a:pPr>
-            <a:endParaRPr lang="es-CR" sz="1600" dirty="0"/>
-          </a:p>
-        </p:txBody>
-      </p:sp>
-      <p:sp>
-        <p:nvSpPr>
-          <p:cNvPr id="4" name="Marcador de número de diapositiva 3">
-            <a:extLst>
-              <a:ext uri="{FF2B5EF4-FFF2-40B4-BE49-F238E27FC236}">
-                <a16:creationId xmlns:a16="http://schemas.microsoft.com/office/drawing/2014/main" id="{4BDFF57A-6F25-D543-9D35-AA774F537E2E}"/>
-              </a:ext>
-            </a:extLst>
-          </p:cNvPr>
-          <p:cNvSpPr>
-            <a:spLocks noGrp="1"/>
-          </p:cNvSpPr>
-          <p:nvPr>
-            <p:ph type="sldNum" sz="quarter" idx="12"/>
-          </p:nvPr>
-        </p:nvSpPr>
-        <p:spPr/>
-        <p:txBody>
-          <a:bodyPr/>
-          <a:lstStyle/>
-          <a:p>
-            <a:fld id="{4624E98C-54E1-8F4C-9379-6BF7059E518B}" type="slidenum">
-              <a:rPr lang="en-US" altLang="es-CR" smtClean="0"/>
-              <a:pPr/>
-              <a:t>8</a:t>
-            </a:fld>
-            <a:endParaRPr lang="en-US" altLang="es-CR"/>
-          </a:p>
-        </p:txBody>
-      </p:sp>
-    </p:spTree>
-    <p:extLst>
-      <p:ext uri="{BB962C8B-B14F-4D97-AF65-F5344CB8AC3E}">
-        <p14:creationId xmlns:p14="http://schemas.microsoft.com/office/powerpoint/2010/main" val="2856607974"/>
-      </p:ext>
-    </p:extLst>
-  </p:cSld>
-  <p:clrMapOvr>
-    <a:masterClrMapping/>
-  </p:clrMapOvr>
-</p:sld>
-</file>
-
-<file path=ppt/slides/slide9.xml><?xml version="1.0" encoding="utf-8"?>
-<p:sld xmlns:a="http://schemas.openxmlformats.org/drawingml/2006/main" xmlns:r="http://schemas.openxmlformats.org/officeDocument/2006/relationships" xmlns:p="http://schemas.openxmlformats.org/presentationml/2006/main">
-  <p:cSld>
-    <p:spTree>
-      <p:nvGrpSpPr>
-        <p:cNvPr id="1" name=""/>
-        <p:cNvGrpSpPr/>
-        <p:nvPr/>
-      </p:nvGrpSpPr>
-      <p:grpSpPr>
-        <a:xfrm>
-          <a:off x="0" y="0"/>
-          <a:ext cx="0" cy="0"/>
-          <a:chOff x="0" y="0"/>
-          <a:chExt cx="0" cy="0"/>
-        </a:xfrm>
-      </p:grpSpPr>
-      <p:sp>
-        <p:nvSpPr>
-          <p:cNvPr id="2" name="Título 1">
-            <a:extLst>
-              <a:ext uri="{FF2B5EF4-FFF2-40B4-BE49-F238E27FC236}">
-                <a16:creationId xmlns:a16="http://schemas.microsoft.com/office/drawing/2014/main" id="{71E7B82D-0842-2043-82AD-93D263AFEAD8}"/>
-              </a:ext>
-            </a:extLst>
-          </p:cNvPr>
-          <p:cNvSpPr>
-            <a:spLocks noGrp="1"/>
-          </p:cNvSpPr>
-          <p:nvPr>
-            <p:ph type="title"/>
-          </p:nvPr>
-        </p:nvSpPr>
-        <p:spPr>
-          <a:xfrm>
-            <a:off x="457200" y="0"/>
-            <a:ext cx="8229600" cy="857250"/>
-          </a:xfrm>
-        </p:spPr>
-        <p:txBody>
-          <a:bodyPr/>
-          <a:lstStyle/>
-          <a:p>
-            <a:r>
-              <a:rPr lang="es-ES" altLang="es-CR" sz="3200" b="1" dirty="0">
-                <a:solidFill>
-                  <a:srgbClr val="7F7F7F"/>
-                </a:solidFill>
-                <a:latin typeface="Century Gothic" panose="020B0502020202020204" pitchFamily="34" charset="0"/>
-                <a:ea typeface="ＭＳ Ｐゴシック" panose="020B0600070205080204" pitchFamily="34" charset="-128"/>
-              </a:rPr>
-              <a:t>Construir un modelo usando MLP y Keras </a:t>
-            </a:r>
-            <a:endParaRPr lang="es-CR" sz="3200" b="1" dirty="0">
-              <a:latin typeface="Century Gothic" panose="020B0502020202020204" pitchFamily="34" charset="0"/>
-            </a:endParaRPr>
-          </a:p>
-        </p:txBody>
-      </p:sp>
-      <p:sp>
-        <p:nvSpPr>
-          <p:cNvPr id="3" name="Marcador de contenido 2">
-            <a:extLst>
-              <a:ext uri="{FF2B5EF4-FFF2-40B4-BE49-F238E27FC236}">
-                <a16:creationId xmlns:a16="http://schemas.microsoft.com/office/drawing/2014/main" id="{66C88812-F42A-C24B-A06E-30FB949DBF0D}"/>
-              </a:ext>
-            </a:extLst>
-          </p:cNvPr>
-          <p:cNvSpPr>
-            <a:spLocks noGrp="1"/>
-          </p:cNvSpPr>
-          <p:nvPr>
-            <p:ph idx="1"/>
-          </p:nvPr>
-        </p:nvSpPr>
-        <p:spPr>
-          <a:xfrm>
-            <a:off x="457200" y="857250"/>
-            <a:ext cx="8229600" cy="3835125"/>
-          </a:xfrm>
-        </p:spPr>
-        <p:txBody>
-          <a:bodyPr/>
-          <a:lstStyle/>
-          <a:p>
-            <a:r>
-              <a:rPr lang="es-CR" sz="1800" dirty="0">
-                <a:solidFill>
-                  <a:srgbClr val="595959"/>
-                </a:solidFill>
-                <a:latin typeface="Myriad Pro" panose="020B0503030403020204" pitchFamily="34" charset="0"/>
-                <a:ea typeface="ＭＳ Ｐゴシック" panose="020B0600070205080204" pitchFamily="34" charset="-128"/>
-              </a:rPr>
-              <a:t>El número de unidades es un </a:t>
-            </a:r>
-            <a:r>
-              <a:rPr lang="es-CR" sz="1800" b="1" dirty="0">
-                <a:solidFill>
-                  <a:srgbClr val="595959"/>
-                </a:solidFill>
-                <a:latin typeface="Myriad Pro" panose="020B0503030403020204" pitchFamily="34" charset="0"/>
-                <a:ea typeface="ＭＳ Ｐゴシック" panose="020B0600070205080204" pitchFamily="34" charset="-128"/>
-              </a:rPr>
-              <a:t>hiperparámetro</a:t>
-            </a:r>
-            <a:r>
-              <a:rPr lang="es-CR" sz="1800" dirty="0">
-                <a:solidFill>
-                  <a:srgbClr val="595959"/>
-                </a:solidFill>
-                <a:latin typeface="Myriad Pro" panose="020B0503030403020204" pitchFamily="34" charset="0"/>
-                <a:ea typeface="ＭＳ Ｐゴシック" panose="020B0600070205080204" pitchFamily="34" charset="-128"/>
-              </a:rPr>
-              <a:t>. Controla la capacidad de la red. La capacidad es una medida de la complejidad de la función que la red puede aproximar. Por ejemplo, para polinomios, el grado es el hiperparámetro. A medida que aumenta el grado, también aumenta la capacidad de la función.</a:t>
-            </a:r>
-          </a:p>
-          <a:p>
-            <a:pPr marL="0" indent="0">
-              <a:buNone/>
-            </a:pPr>
-            <a:endParaRPr lang="es-CR" sz="1800" dirty="0">
-              <a:solidFill>
-                <a:srgbClr val="595959"/>
-              </a:solidFill>
-              <a:latin typeface="Myriad Pro" panose="020B0503030403020204" pitchFamily="34" charset="0"/>
-              <a:ea typeface="ＭＳ Ｐゴシック" panose="020B0600070205080204" pitchFamily="34" charset="-128"/>
-            </a:endParaRPr>
-          </a:p>
-          <a:p>
-            <a:pPr marL="0" indent="0">
-              <a:buNone/>
-            </a:pPr>
-            <a:endParaRPr lang="es-CR" sz="1800" dirty="0">
-              <a:solidFill>
-                <a:srgbClr val="595959"/>
-              </a:solidFill>
-              <a:latin typeface="Myriad Pro" panose="020B0503030403020204" pitchFamily="34" charset="0"/>
-              <a:ea typeface="ＭＳ Ｐゴシック" panose="020B0600070205080204" pitchFamily="34" charset="-128"/>
-            </a:endParaRPr>
-          </a:p>
-          <a:p>
-            <a:r>
-              <a:rPr lang="es-CR" sz="1800" dirty="0">
-                <a:solidFill>
-                  <a:srgbClr val="595959"/>
-                </a:solidFill>
-                <a:latin typeface="Myriad Pro" panose="020B0503030403020204" pitchFamily="34" charset="0"/>
-                <a:ea typeface="ＭＳ Ｐゴシック" panose="020B0600070205080204" pitchFamily="34" charset="-128"/>
-              </a:rPr>
-              <a:t>Dado que una capa densa es una operación </a:t>
-            </a:r>
-            <a:r>
-              <a:rPr lang="es-CR" sz="1800" b="1" dirty="0">
-                <a:solidFill>
-                  <a:srgbClr val="595959"/>
-                </a:solidFill>
-                <a:latin typeface="Myriad Pro" panose="020B0503030403020204" pitchFamily="34" charset="0"/>
-                <a:ea typeface="ＭＳ Ｐゴシック" panose="020B0600070205080204" pitchFamily="34" charset="-128"/>
-              </a:rPr>
-              <a:t>lineal</a:t>
-            </a:r>
-            <a:r>
-              <a:rPr lang="es-CR" sz="1800" dirty="0">
-                <a:solidFill>
-                  <a:srgbClr val="595959"/>
-                </a:solidFill>
-                <a:latin typeface="Myriad Pro" panose="020B0503030403020204" pitchFamily="34" charset="0"/>
-                <a:ea typeface="ＭＳ Ｐゴシック" panose="020B0600070205080204" pitchFamily="34" charset="-128"/>
-              </a:rPr>
-              <a:t>, una secuencia de capas densas solo puede aproximarse a una función lineal. El problema es que la clasificación de dígitos MNIST es inherentemente un proceso no lineal. Para esto, la inserción de una activación </a:t>
-            </a:r>
-            <a:r>
-              <a:rPr lang="es-CR" sz="1800" b="1" dirty="0" err="1">
-                <a:solidFill>
-                  <a:srgbClr val="595959"/>
-                </a:solidFill>
-                <a:latin typeface="Courier" pitchFamily="2" charset="0"/>
-                <a:ea typeface="ＭＳ Ｐゴシック" panose="020B0600070205080204" pitchFamily="34" charset="-128"/>
-              </a:rPr>
-              <a:t>relu</a:t>
-            </a:r>
-            <a:r>
-              <a:rPr lang="es-CR" sz="1800" dirty="0">
-                <a:solidFill>
-                  <a:srgbClr val="595959"/>
-                </a:solidFill>
-                <a:latin typeface="Myriad Pro" panose="020B0503030403020204" pitchFamily="34" charset="0"/>
-                <a:ea typeface="ＭＳ Ｐゴシック" panose="020B0600070205080204" pitchFamily="34" charset="-128"/>
-              </a:rPr>
-              <a:t> entre las capas </a:t>
-            </a:r>
-            <a:r>
-              <a:rPr lang="es-CR" sz="1800" b="1" dirty="0">
-                <a:solidFill>
-                  <a:srgbClr val="595959"/>
-                </a:solidFill>
-                <a:latin typeface="Courier" pitchFamily="2" charset="0"/>
-                <a:ea typeface="ＭＳ Ｐゴシック" panose="020B0600070205080204" pitchFamily="34" charset="-128"/>
-              </a:rPr>
-              <a:t>Dense</a:t>
-            </a:r>
-            <a:r>
-              <a:rPr lang="es-CR" sz="1800" dirty="0">
-                <a:solidFill>
-                  <a:srgbClr val="595959"/>
-                </a:solidFill>
-                <a:latin typeface="Myriad Pro" panose="020B0503030403020204" pitchFamily="34" charset="0"/>
-                <a:ea typeface="ＭＳ Ｐゴシック" panose="020B0600070205080204" pitchFamily="34" charset="-128"/>
-              </a:rPr>
-              <a:t> permitirá que una red MLP modele asignaciones no lineales. </a:t>
-            </a:r>
-          </a:p>
-          <a:p>
-            <a:pPr marL="0" indent="0">
-              <a:buNone/>
-            </a:pPr>
-            <a:endParaRPr lang="es-CR" sz="1600" dirty="0">
-              <a:solidFill>
-                <a:srgbClr val="595959"/>
-              </a:solidFill>
-              <a:latin typeface="Myriad Pro" panose="020B0503030403020204" pitchFamily="34" charset="0"/>
-              <a:ea typeface="ＭＳ Ｐゴシック" panose="020B0600070205080204" pitchFamily="34" charset="-128"/>
-            </a:endParaRPr>
-          </a:p>
-          <a:p>
-            <a:pPr>
-              <a:buFont typeface="+mj-lt"/>
-              <a:buAutoNum type="arabicPeriod"/>
-            </a:pPr>
-            <a:endParaRPr lang="es-CR" sz="1600" dirty="0">
-              <a:solidFill>
-                <a:srgbClr val="595959"/>
-              </a:solidFill>
-              <a:latin typeface="Myriad Pro" panose="020B0503030403020204" pitchFamily="34" charset="0"/>
-              <a:ea typeface="ＭＳ Ｐゴシック" panose="020B0600070205080204" pitchFamily="34" charset="-128"/>
-            </a:endParaRPr>
-          </a:p>
-          <a:p>
-            <a:pPr>
-              <a:buFont typeface="+mj-lt"/>
-              <a:buAutoNum type="arabicPeriod"/>
-            </a:pPr>
-            <a:endParaRPr lang="es-CR" sz="1600" dirty="0">
-              <a:solidFill>
-                <a:srgbClr val="595959"/>
-              </a:solidFill>
-              <a:latin typeface="Myriad Pro" panose="020B0503030403020204" pitchFamily="34" charset="0"/>
-              <a:ea typeface="ＭＳ Ｐゴシック" panose="020B0600070205080204" pitchFamily="34" charset="-128"/>
-            </a:endParaRPr>
-          </a:p>
-          <a:p>
-            <a:pPr marL="0" indent="0">
-              <a:buNone/>
-            </a:pPr>
-            <a:endParaRPr lang="es-CR" sz="1600" dirty="0"/>
-          </a:p>
-        </p:txBody>
-      </p:sp>
-      <p:sp>
-        <p:nvSpPr>
-          <p:cNvPr id="4" name="Marcador de número de diapositiva 3">
-            <a:extLst>
-              <a:ext uri="{FF2B5EF4-FFF2-40B4-BE49-F238E27FC236}">
-                <a16:creationId xmlns:a16="http://schemas.microsoft.com/office/drawing/2014/main" id="{4BDFF57A-6F25-D543-9D35-AA774F537E2E}"/>
-              </a:ext>
-            </a:extLst>
-          </p:cNvPr>
-          <p:cNvSpPr>
-            <a:spLocks noGrp="1"/>
-          </p:cNvSpPr>
-          <p:nvPr>
-            <p:ph type="sldNum" sz="quarter" idx="12"/>
-          </p:nvPr>
-        </p:nvSpPr>
-        <p:spPr/>
-        <p:txBody>
-          <a:bodyPr/>
-          <a:lstStyle/>
-          <a:p>
-            <a:fld id="{4624E98C-54E1-8F4C-9379-6BF7059E518B}" type="slidenum">
-              <a:rPr lang="en-US" altLang="es-CR" smtClean="0"/>
-              <a:pPr/>
-              <a:t>9</a:t>
-            </a:fld>
-            <a:endParaRPr lang="en-US" altLang="es-CR"/>
-          </a:p>
-        </p:txBody>
-      </p:sp>
-    </p:spTree>
-    <p:extLst>
-      <p:ext uri="{BB962C8B-B14F-4D97-AF65-F5344CB8AC3E}">
-        <p14:creationId xmlns:p14="http://schemas.microsoft.com/office/powerpoint/2010/main" val="3534800563"/>
       </p:ext>
     </p:extLst>
   </p:cSld>
